--- a/presentation/MSDS 6306 Case Study 2.pptx
+++ b/presentation/MSDS 6306 Case Study 2.pptx
@@ -230,7 +230,7 @@
           <a:p>
             <a:fld id="{67F32F8B-429E-45D3-A6EF-7110C94B56DE}" type="datetimeFigureOut">
               <a:rPr lang="en-US" smtClean="0"/>
-              <a:t>8/8/2018</a:t>
+              <a:t>8/14/2018</a:t>
             </a:fld>
             <a:endParaRPr lang="en-US"/>
           </a:p>
@@ -9435,7 +9435,6 @@
               <a:rPr lang="en-US" sz="1400" i="1" dirty="0"/>
               <a:t>DESTIHL Brewery Ambassador)</a:t>
             </a:r>
-            <a:endParaRPr lang="en-US" sz="1400" i="1" dirty="0"/>
           </a:p>
         </p:txBody>
       </p:sp>
@@ -9586,7 +9585,7 @@
           <a:p>
             <a:r>
               <a:rPr lang="en-US" dirty="0" smtClean="0"/>
-              <a:t>Questions</a:t>
+              <a:t>Questions to Answer</a:t>
             </a:r>
             <a:endParaRPr lang="en-US" dirty="0"/>
           </a:p>
@@ -9714,16 +9713,13 @@
             </a:r>
           </a:p>
           <a:p>
-            <a:pPr lvl="1"/>
             <a:r>
               <a:rPr lang="en-US" dirty="0" smtClean="0"/>
-              <a:t>Reproducible research</a:t>
-            </a:r>
-          </a:p>
-          <a:p>
+              <a:t>Apply </a:t>
+            </a:r>
             <a:r>
               <a:rPr lang="en-US" dirty="0" smtClean="0"/>
-              <a:t>Apply Statistics lessons from MSDS 6371</a:t>
+              <a:t>Statistics lessons from MSDS 6371</a:t>
             </a:r>
           </a:p>
           <a:p>
@@ -9842,349 +9838,334 @@
           </a:p>
         </p:txBody>
       </p:sp>
+      <p:pic>
+        <p:nvPicPr>
+          <p:cNvPr id="3" name="Picture 2"/>
+          <p:cNvPicPr>
+            <a:picLocks noChangeAspect="1"/>
+          </p:cNvPicPr>
+          <p:nvPr/>
+        </p:nvPicPr>
+        <p:blipFill>
+          <a:blip r:embed="rId2"/>
+          <a:stretch>
+            <a:fillRect/>
+          </a:stretch>
+        </p:blipFill>
+        <p:spPr>
+          <a:xfrm>
+            <a:off x="3247103" y="950170"/>
+            <a:ext cx="2415918" cy="1100250"/>
+          </a:xfrm>
+          <a:prstGeom prst="rect">
+            <a:avLst/>
+          </a:prstGeom>
+        </p:spPr>
+      </p:pic>
       <p:grpSp>
         <p:nvGrpSpPr>
-          <p:cNvPr id="45" name="Group 44"/>
+          <p:cNvPr id="22" name="Group 21"/>
           <p:cNvGrpSpPr/>
           <p:nvPr/>
         </p:nvGrpSpPr>
         <p:grpSpPr>
           <a:xfrm>
-            <a:off x="3247102" y="950170"/>
-            <a:ext cx="2415919" cy="2479572"/>
-            <a:chOff x="3075709" y="953257"/>
-            <a:chExt cx="2415919" cy="2479572"/>
+            <a:off x="3448426" y="2435886"/>
+            <a:ext cx="848324" cy="993856"/>
+            <a:chOff x="2840781" y="2510804"/>
+            <a:chExt cx="848324" cy="993856"/>
           </a:xfrm>
         </p:grpSpPr>
         <p:pic>
           <p:nvPicPr>
-            <p:cNvPr id="3" name="Picture 2"/>
+            <p:cNvPr id="12" name="Picture 11"/>
             <p:cNvPicPr>
               <a:picLocks noChangeAspect="1"/>
             </p:cNvPicPr>
             <p:nvPr/>
           </p:nvPicPr>
           <p:blipFill>
-            <a:blip r:embed="rId2"/>
+            <a:blip r:embed="rId3"/>
             <a:stretch>
               <a:fillRect/>
             </a:stretch>
           </p:blipFill>
           <p:spPr>
             <a:xfrm>
-              <a:off x="3075710" y="953257"/>
-              <a:ext cx="2415918" cy="1100250"/>
+              <a:off x="2840781" y="2510804"/>
+              <a:ext cx="593015" cy="755485"/>
             </a:xfrm>
             <a:prstGeom prst="rect">
               <a:avLst/>
             </a:prstGeom>
           </p:spPr>
         </p:pic>
-        <p:grpSp>
-          <p:nvGrpSpPr>
-            <p:cNvPr id="22" name="Group 21"/>
-            <p:cNvGrpSpPr/>
+        <p:pic>
+          <p:nvPicPr>
+            <p:cNvPr id="19" name="Picture 18"/>
+            <p:cNvPicPr>
+              <a:picLocks noChangeAspect="1"/>
+            </p:cNvPicPr>
             <p:nvPr/>
-          </p:nvGrpSpPr>
-          <p:grpSpPr>
+          </p:nvPicPr>
+          <p:blipFill>
+            <a:blip r:embed="rId3"/>
+            <a:stretch>
+              <a:fillRect/>
+            </a:stretch>
+          </p:blipFill>
+          <p:spPr>
             <a:xfrm>
-              <a:off x="3277033" y="2438973"/>
-              <a:ext cx="848324" cy="993856"/>
-              <a:chOff x="2840781" y="2510804"/>
-              <a:chExt cx="848324" cy="993856"/>
+              <a:off x="2916981" y="2590261"/>
+              <a:ext cx="593015" cy="755485"/>
             </a:xfrm>
-          </p:grpSpPr>
-          <p:pic>
-            <p:nvPicPr>
-              <p:cNvPr id="12" name="Picture 11"/>
-              <p:cNvPicPr>
-                <a:picLocks noChangeAspect="1"/>
-              </p:cNvPicPr>
-              <p:nvPr/>
-            </p:nvPicPr>
-            <p:blipFill>
-              <a:blip r:embed="rId3"/>
-              <a:stretch>
-                <a:fillRect/>
-              </a:stretch>
-            </p:blipFill>
-            <p:spPr>
-              <a:xfrm>
-                <a:off x="2840781" y="2510804"/>
-                <a:ext cx="593015" cy="755485"/>
-              </a:xfrm>
-              <a:prstGeom prst="rect">
-                <a:avLst/>
-              </a:prstGeom>
-            </p:spPr>
-          </p:pic>
-          <p:pic>
-            <p:nvPicPr>
-              <p:cNvPr id="19" name="Picture 18"/>
-              <p:cNvPicPr>
-                <a:picLocks noChangeAspect="1"/>
-              </p:cNvPicPr>
-              <p:nvPr/>
-            </p:nvPicPr>
-            <p:blipFill>
-              <a:blip r:embed="rId3"/>
-              <a:stretch>
-                <a:fillRect/>
-              </a:stretch>
-            </p:blipFill>
-            <p:spPr>
-              <a:xfrm>
-                <a:off x="2916981" y="2590261"/>
-                <a:ext cx="593015" cy="755485"/>
-              </a:xfrm>
-              <a:prstGeom prst="rect">
-                <a:avLst/>
-              </a:prstGeom>
-            </p:spPr>
-          </p:pic>
-          <p:pic>
-            <p:nvPicPr>
-              <p:cNvPr id="20" name="Picture 19"/>
-              <p:cNvPicPr>
-                <a:picLocks noChangeAspect="1"/>
-              </p:cNvPicPr>
-              <p:nvPr/>
-            </p:nvPicPr>
-            <p:blipFill>
-              <a:blip r:embed="rId3"/>
-              <a:stretch>
-                <a:fillRect/>
-              </a:stretch>
-            </p:blipFill>
-            <p:spPr>
-              <a:xfrm>
-                <a:off x="3001473" y="2669718"/>
-                <a:ext cx="593015" cy="755485"/>
-              </a:xfrm>
-              <a:prstGeom prst="rect">
-                <a:avLst/>
-              </a:prstGeom>
-            </p:spPr>
-          </p:pic>
-          <p:pic>
-            <p:nvPicPr>
-              <p:cNvPr id="21" name="Picture 20"/>
-              <p:cNvPicPr>
-                <a:picLocks noChangeAspect="1"/>
-              </p:cNvPicPr>
-              <p:nvPr/>
-            </p:nvPicPr>
-            <p:blipFill>
-              <a:blip r:embed="rId3"/>
-              <a:stretch>
-                <a:fillRect/>
-              </a:stretch>
-            </p:blipFill>
-            <p:spPr>
-              <a:xfrm>
-                <a:off x="3096090" y="2749175"/>
-                <a:ext cx="593015" cy="755485"/>
-              </a:xfrm>
-              <a:prstGeom prst="rect">
-                <a:avLst/>
-              </a:prstGeom>
-            </p:spPr>
-          </p:pic>
-        </p:grpSp>
-        <p:cxnSp>
-          <p:nvCxnSpPr>
-            <p:cNvPr id="24" name="Elbow Connector 23"/>
-            <p:cNvCxnSpPr>
-              <a:stCxn id="3" idx="1"/>
-              <a:endCxn id="12" idx="1"/>
-            </p:cNvCxnSpPr>
+            <a:prstGeom prst="rect">
+              <a:avLst/>
+            </a:prstGeom>
+          </p:spPr>
+        </p:pic>
+        <p:pic>
+          <p:nvPicPr>
+            <p:cNvPr id="20" name="Picture 19"/>
+            <p:cNvPicPr>
+              <a:picLocks noChangeAspect="1"/>
+            </p:cNvPicPr>
             <p:nvPr/>
-          </p:nvCxnSpPr>
+          </p:nvPicPr>
+          <p:blipFill>
+            <a:blip r:embed="rId3"/>
+            <a:stretch>
+              <a:fillRect/>
+            </a:stretch>
+          </p:blipFill>
           <p:spPr>
-            <a:xfrm rot="10800000" flipH="1" flipV="1">
-              <a:off x="3075709" y="1503382"/>
-              <a:ext cx="201323" cy="1313334"/>
+            <a:xfrm>
+              <a:off x="3001473" y="2669718"/>
+              <a:ext cx="593015" cy="755485"/>
             </a:xfrm>
-            <a:prstGeom prst="bentConnector3">
-              <a:avLst>
-                <a:gd name="adj1" fmla="val -113549"/>
-              </a:avLst>
+            <a:prstGeom prst="rect">
+              <a:avLst/>
             </a:prstGeom>
-            <a:ln w="38100">
-              <a:solidFill>
-                <a:srgbClr val="00B0F0"/>
-              </a:solidFill>
-              <a:tailEnd type="triangle"/>
-            </a:ln>
           </p:spPr>
-          <p:style>
-            <a:lnRef idx="1">
-              <a:schemeClr val="accent1"/>
-            </a:lnRef>
-            <a:fillRef idx="0">
-              <a:schemeClr val="accent1"/>
-            </a:fillRef>
-            <a:effectRef idx="0">
-              <a:schemeClr val="accent1"/>
-            </a:effectRef>
-            <a:fontRef idx="minor">
-              <a:schemeClr val="tx1"/>
-            </a:fontRef>
-          </p:style>
-        </p:cxnSp>
-        <p:grpSp>
-          <p:nvGrpSpPr>
-            <p:cNvPr id="39" name="Group 38"/>
-            <p:cNvGrpSpPr/>
+        </p:pic>
+        <p:pic>
+          <p:nvPicPr>
+            <p:cNvPr id="21" name="Picture 20"/>
+            <p:cNvPicPr>
+              <a:picLocks noChangeAspect="1"/>
+            </p:cNvPicPr>
             <p:nvPr/>
-          </p:nvGrpSpPr>
-          <p:grpSpPr>
+          </p:nvPicPr>
+          <p:blipFill>
+            <a:blip r:embed="rId3"/>
+            <a:stretch>
+              <a:fillRect/>
+            </a:stretch>
+          </p:blipFill>
+          <p:spPr>
             <a:xfrm>
-              <a:off x="4440284" y="2518430"/>
-              <a:ext cx="1000189" cy="911705"/>
-              <a:chOff x="5521091" y="2016569"/>
-              <a:chExt cx="1000189" cy="911705"/>
+              <a:off x="3096090" y="2749175"/>
+              <a:ext cx="593015" cy="755485"/>
             </a:xfrm>
-          </p:grpSpPr>
-          <p:pic>
-            <p:nvPicPr>
-              <p:cNvPr id="25" name="Picture 24"/>
-              <p:cNvPicPr>
-                <a:picLocks noChangeAspect="1"/>
-              </p:cNvPicPr>
-              <p:nvPr/>
-            </p:nvPicPr>
-            <p:blipFill>
-              <a:blip r:embed="rId4"/>
-              <a:stretch>
-                <a:fillRect/>
-              </a:stretch>
-            </p:blipFill>
-            <p:spPr>
-              <a:xfrm>
-                <a:off x="5815452" y="2016569"/>
-                <a:ext cx="705828" cy="660775"/>
-              </a:xfrm>
-              <a:prstGeom prst="rect">
-                <a:avLst/>
-              </a:prstGeom>
-            </p:spPr>
-          </p:pic>
-          <p:pic>
-            <p:nvPicPr>
-              <p:cNvPr id="29" name="Picture 28"/>
-              <p:cNvPicPr>
-                <a:picLocks noChangeAspect="1"/>
-              </p:cNvPicPr>
-              <p:nvPr/>
-            </p:nvPicPr>
-            <p:blipFill>
-              <a:blip r:embed="rId4"/>
-              <a:stretch>
-                <a:fillRect/>
-              </a:stretch>
-            </p:blipFill>
-            <p:spPr>
-              <a:xfrm>
-                <a:off x="5718136" y="2108585"/>
-                <a:ext cx="705828" cy="660775"/>
-              </a:xfrm>
-              <a:prstGeom prst="rect">
-                <a:avLst/>
-              </a:prstGeom>
-            </p:spPr>
-          </p:pic>
-          <p:pic>
-            <p:nvPicPr>
-              <p:cNvPr id="30" name="Picture 29"/>
-              <p:cNvPicPr>
-                <a:picLocks noChangeAspect="1"/>
-              </p:cNvPicPr>
-              <p:nvPr/>
-            </p:nvPicPr>
-            <p:blipFill>
-              <a:blip r:embed="rId4"/>
-              <a:stretch>
-                <a:fillRect/>
-              </a:stretch>
-            </p:blipFill>
-            <p:spPr>
-              <a:xfrm>
-                <a:off x="5615708" y="2181763"/>
-                <a:ext cx="705828" cy="660775"/>
-              </a:xfrm>
-              <a:prstGeom prst="rect">
-                <a:avLst/>
-              </a:prstGeom>
-            </p:spPr>
-          </p:pic>
-          <p:pic>
-            <p:nvPicPr>
-              <p:cNvPr id="31" name="Picture 30"/>
-              <p:cNvPicPr>
-                <a:picLocks noChangeAspect="1"/>
-              </p:cNvPicPr>
-              <p:nvPr/>
-            </p:nvPicPr>
-            <p:blipFill>
-              <a:blip r:embed="rId4"/>
-              <a:stretch>
-                <a:fillRect/>
-              </a:stretch>
-            </p:blipFill>
-            <p:spPr>
-              <a:xfrm>
-                <a:off x="5521091" y="2267499"/>
-                <a:ext cx="705828" cy="660775"/>
-              </a:xfrm>
-              <a:prstGeom prst="rect">
-                <a:avLst/>
-              </a:prstGeom>
-            </p:spPr>
-          </p:pic>
-        </p:grpSp>
-        <p:cxnSp>
-          <p:nvCxnSpPr>
-            <p:cNvPr id="33" name="Elbow Connector 32"/>
-            <p:cNvCxnSpPr>
-              <a:stCxn id="3" idx="3"/>
-              <a:endCxn id="25" idx="3"/>
-            </p:cNvCxnSpPr>
+            <a:prstGeom prst="rect">
+              <a:avLst/>
+            </a:prstGeom>
+          </p:spPr>
+        </p:pic>
+      </p:grpSp>
+      <p:cxnSp>
+        <p:nvCxnSpPr>
+          <p:cNvPr id="24" name="Elbow Connector 23"/>
+          <p:cNvCxnSpPr>
+            <a:stCxn id="3" idx="1"/>
+            <a:endCxn id="12" idx="1"/>
+          </p:cNvCxnSpPr>
+          <p:nvPr/>
+        </p:nvCxnSpPr>
+        <p:spPr>
+          <a:xfrm rot="10800000" flipH="1" flipV="1">
+            <a:off x="3247102" y="1500295"/>
+            <a:ext cx="201323" cy="1313334"/>
+          </a:xfrm>
+          <a:prstGeom prst="bentConnector3">
+            <a:avLst>
+              <a:gd name="adj1" fmla="val -113549"/>
+            </a:avLst>
+          </a:prstGeom>
+          <a:ln w="38100">
+            <a:solidFill>
+              <a:srgbClr val="00B0F0"/>
+            </a:solidFill>
+            <a:tailEnd type="triangle"/>
+          </a:ln>
+        </p:spPr>
+        <p:style>
+          <a:lnRef idx="1">
+            <a:schemeClr val="accent1"/>
+          </a:lnRef>
+          <a:fillRef idx="0">
+            <a:schemeClr val="accent1"/>
+          </a:fillRef>
+          <a:effectRef idx="0">
+            <a:schemeClr val="accent1"/>
+          </a:effectRef>
+          <a:fontRef idx="minor">
+            <a:schemeClr val="tx1"/>
+          </a:fontRef>
+        </p:style>
+      </p:cxnSp>
+      <p:grpSp>
+        <p:nvGrpSpPr>
+          <p:cNvPr id="39" name="Group 38"/>
+          <p:cNvGrpSpPr/>
+          <p:nvPr/>
+        </p:nvGrpSpPr>
+        <p:grpSpPr>
+          <a:xfrm>
+            <a:off x="4611677" y="2515343"/>
+            <a:ext cx="1000189" cy="911705"/>
+            <a:chOff x="5521091" y="2016569"/>
+            <a:chExt cx="1000189" cy="911705"/>
+          </a:xfrm>
+        </p:grpSpPr>
+        <p:pic>
+          <p:nvPicPr>
+            <p:cNvPr id="25" name="Picture 24"/>
+            <p:cNvPicPr>
+              <a:picLocks noChangeAspect="1"/>
+            </p:cNvPicPr>
             <p:nvPr/>
-          </p:nvCxnSpPr>
+          </p:nvPicPr>
+          <p:blipFill>
+            <a:blip r:embed="rId4"/>
+            <a:stretch>
+              <a:fillRect/>
+            </a:stretch>
+          </p:blipFill>
           <p:spPr>
-            <a:xfrm flipH="1">
-              <a:off x="5440473" y="1503382"/>
-              <a:ext cx="51155" cy="1345436"/>
+            <a:xfrm>
+              <a:off x="5815452" y="2016569"/>
+              <a:ext cx="705828" cy="660775"/>
             </a:xfrm>
-            <a:prstGeom prst="bentConnector3">
-              <a:avLst>
-                <a:gd name="adj1" fmla="val -446877"/>
-              </a:avLst>
+            <a:prstGeom prst="rect">
+              <a:avLst/>
             </a:prstGeom>
-            <a:ln w="38100">
-              <a:solidFill>
-                <a:srgbClr val="00B0F0"/>
-              </a:solidFill>
-              <a:tailEnd type="triangle"/>
-            </a:ln>
           </p:spPr>
-          <p:style>
-            <a:lnRef idx="1">
-              <a:schemeClr val="accent1"/>
-            </a:lnRef>
-            <a:fillRef idx="0">
-              <a:schemeClr val="accent1"/>
-            </a:fillRef>
-            <a:effectRef idx="0">
-              <a:schemeClr val="accent1"/>
-            </a:effectRef>
-            <a:fontRef idx="minor">
-              <a:schemeClr val="tx1"/>
-            </a:fontRef>
-          </p:style>
-        </p:cxnSp>
+        </p:pic>
+        <p:pic>
+          <p:nvPicPr>
+            <p:cNvPr id="29" name="Picture 28"/>
+            <p:cNvPicPr>
+              <a:picLocks noChangeAspect="1"/>
+            </p:cNvPicPr>
+            <p:nvPr/>
+          </p:nvPicPr>
+          <p:blipFill>
+            <a:blip r:embed="rId4"/>
+            <a:stretch>
+              <a:fillRect/>
+            </a:stretch>
+          </p:blipFill>
+          <p:spPr>
+            <a:xfrm>
+              <a:off x="5718136" y="2108585"/>
+              <a:ext cx="705828" cy="660775"/>
+            </a:xfrm>
+            <a:prstGeom prst="rect">
+              <a:avLst/>
+            </a:prstGeom>
+          </p:spPr>
+        </p:pic>
+        <p:pic>
+          <p:nvPicPr>
+            <p:cNvPr id="30" name="Picture 29"/>
+            <p:cNvPicPr>
+              <a:picLocks noChangeAspect="1"/>
+            </p:cNvPicPr>
+            <p:nvPr/>
+          </p:nvPicPr>
+          <p:blipFill>
+            <a:blip r:embed="rId4"/>
+            <a:stretch>
+              <a:fillRect/>
+            </a:stretch>
+          </p:blipFill>
+          <p:spPr>
+            <a:xfrm>
+              <a:off x="5615708" y="2181763"/>
+              <a:ext cx="705828" cy="660775"/>
+            </a:xfrm>
+            <a:prstGeom prst="rect">
+              <a:avLst/>
+            </a:prstGeom>
+          </p:spPr>
+        </p:pic>
+        <p:pic>
+          <p:nvPicPr>
+            <p:cNvPr id="31" name="Picture 30"/>
+            <p:cNvPicPr>
+              <a:picLocks noChangeAspect="1"/>
+            </p:cNvPicPr>
+            <p:nvPr/>
+          </p:nvPicPr>
+          <p:blipFill>
+            <a:blip r:embed="rId4"/>
+            <a:stretch>
+              <a:fillRect/>
+            </a:stretch>
+          </p:blipFill>
+          <p:spPr>
+            <a:xfrm>
+              <a:off x="5521091" y="2267499"/>
+              <a:ext cx="705828" cy="660775"/>
+            </a:xfrm>
+            <a:prstGeom prst="rect">
+              <a:avLst/>
+            </a:prstGeom>
+          </p:spPr>
+        </p:pic>
       </p:grpSp>
+      <p:cxnSp>
+        <p:nvCxnSpPr>
+          <p:cNvPr id="33" name="Elbow Connector 32"/>
+          <p:cNvCxnSpPr>
+            <a:stCxn id="3" idx="3"/>
+            <a:endCxn id="25" idx="3"/>
+          </p:cNvCxnSpPr>
+          <p:nvPr/>
+        </p:nvCxnSpPr>
+        <p:spPr>
+          <a:xfrm flipH="1">
+            <a:off x="5611866" y="1500295"/>
+            <a:ext cx="51155" cy="1345436"/>
+          </a:xfrm>
+          <a:prstGeom prst="bentConnector3">
+            <a:avLst>
+              <a:gd name="adj1" fmla="val -446877"/>
+            </a:avLst>
+          </a:prstGeom>
+          <a:ln w="38100">
+            <a:solidFill>
+              <a:srgbClr val="00B0F0"/>
+            </a:solidFill>
+            <a:tailEnd type="triangle"/>
+          </a:ln>
+        </p:spPr>
+        <p:style>
+          <a:lnRef idx="1">
+            <a:schemeClr val="accent1"/>
+          </a:lnRef>
+          <a:fillRef idx="0">
+            <a:schemeClr val="accent1"/>
+          </a:fillRef>
+          <a:effectRef idx="0">
+            <a:schemeClr val="accent1"/>
+          </a:effectRef>
+          <a:fontRef idx="minor">
+            <a:schemeClr val="tx1"/>
+          </a:fontRef>
+        </p:style>
+      </p:cxnSp>
       <p:sp>
         <p:nvSpPr>
           <p:cNvPr id="43" name="Content Placeholder 39"/>
@@ -10218,20 +10199,8 @@
           </a:p>
           <a:p>
             <a:r>
-              <a:rPr lang="en-US" sz="1100" dirty="0" err="1" smtClean="0"/>
-              <a:t>rvest</a:t>
-            </a:r>
-            <a:r>
               <a:rPr lang="en-US" sz="1100" dirty="0" smtClean="0"/>
-              <a:t> &amp; </a:t>
-            </a:r>
-            <a:r>
-              <a:rPr lang="en-US" sz="1100" dirty="0" err="1" smtClean="0"/>
-              <a:t>Rselenium</a:t>
-            </a:r>
-            <a:r>
-              <a:rPr lang="en-US" sz="1100" dirty="0" smtClean="0"/>
-              <a:t> packages, CSS Selector</a:t>
+              <a:t>rvest &amp; Rselenium packages, CSS Selector</a:t>
             </a:r>
           </a:p>
           <a:p>
@@ -10271,8 +10240,25 @@
           <a:p>
             <a:r>
               <a:rPr lang="en-US" sz="1100" dirty="0" smtClean="0"/>
-              <a:t>R Code to get JSON Objects</a:t>
-            </a:r>
+              <a:t>R Code to get JSON </a:t>
+            </a:r>
+            <a:r>
+              <a:rPr lang="en-US" sz="1100" dirty="0" smtClean="0"/>
+              <a:t>Objects</a:t>
+            </a:r>
+          </a:p>
+          <a:p>
+            <a:r>
+              <a:rPr lang="en-US" sz="1100" dirty="0" smtClean="0"/>
+              <a:t>R Code to extract data from JSON to CSV files</a:t>
+            </a:r>
+          </a:p>
+          <a:p>
+            <a:r>
+              <a:rPr lang="en-US" sz="1100" dirty="0" smtClean="0"/>
+              <a:t>R Code to merge data and cleanup missing values</a:t>
+            </a:r>
+            <a:endParaRPr lang="en-US" sz="1100" dirty="0" smtClean="0"/>
           </a:p>
           <a:p>
             <a:endParaRPr lang="en-US" sz="1100" dirty="0"/>
@@ -10463,6 +10449,284 @@
               </a:rPr>
               <a:t>300 Calls per hour restriction</a:t>
             </a:r>
+          </a:p>
+        </p:txBody>
+      </p:sp>
+      <p:sp>
+        <p:nvSpPr>
+          <p:cNvPr id="23" name="TextBox 22"/>
+          <p:cNvSpPr txBox="1"/>
+          <p:nvPr/>
+        </p:nvSpPr>
+        <p:spPr>
+          <a:xfrm>
+            <a:off x="-2216" y="4775689"/>
+            <a:ext cx="2497800" cy="300082"/>
+          </a:xfrm>
+          <a:prstGeom prst="rect">
+            <a:avLst/>
+          </a:prstGeom>
+          <a:noFill/>
+        </p:spPr>
+        <p:txBody>
+          <a:bodyPr wrap="none" rtlCol="0">
+            <a:spAutoFit/>
+          </a:bodyPr>
+          <a:lstStyle/>
+          <a:p>
+            <a:r>
+              <a:rPr lang="en-US" i="1" dirty="0" smtClean="0">
+                <a:solidFill>
+                  <a:schemeClr val="bg1"/>
+                </a:solidFill>
+              </a:rPr>
+              <a:t>Source</a:t>
+            </a:r>
+            <a:r>
+              <a:rPr lang="en-US" i="1" dirty="0">
+                <a:solidFill>
+                  <a:schemeClr val="bg1"/>
+                </a:solidFill>
+              </a:rPr>
+              <a:t>: https</a:t>
+            </a:r>
+            <a:r>
+              <a:rPr lang="en-US" i="1" dirty="0" smtClean="0">
+                <a:solidFill>
+                  <a:schemeClr val="bg1"/>
+                </a:solidFill>
+              </a:rPr>
+              <a:t>://untappd.com</a:t>
+            </a:r>
+            <a:endParaRPr lang="en-US" i="1" dirty="0">
+              <a:solidFill>
+                <a:schemeClr val="bg1"/>
+              </a:solidFill>
+            </a:endParaRPr>
+          </a:p>
+        </p:txBody>
+      </p:sp>
+      <p:grpSp>
+        <p:nvGrpSpPr>
+          <p:cNvPr id="26" name="Group 25"/>
+          <p:cNvGrpSpPr/>
+          <p:nvPr/>
+        </p:nvGrpSpPr>
+        <p:grpSpPr>
+          <a:xfrm>
+            <a:off x="3854414" y="3900945"/>
+            <a:ext cx="1000189" cy="911705"/>
+            <a:chOff x="5521091" y="2016569"/>
+            <a:chExt cx="1000189" cy="911705"/>
+          </a:xfrm>
+        </p:grpSpPr>
+        <p:pic>
+          <p:nvPicPr>
+            <p:cNvPr id="27" name="Picture 26"/>
+            <p:cNvPicPr>
+              <a:picLocks noChangeAspect="1"/>
+            </p:cNvPicPr>
+            <p:nvPr/>
+          </p:nvPicPr>
+          <p:blipFill>
+            <a:blip r:embed="rId4"/>
+            <a:stretch>
+              <a:fillRect/>
+            </a:stretch>
+          </p:blipFill>
+          <p:spPr>
+            <a:xfrm>
+              <a:off x="5815452" y="2016569"/>
+              <a:ext cx="705828" cy="660775"/>
+            </a:xfrm>
+            <a:prstGeom prst="rect">
+              <a:avLst/>
+            </a:prstGeom>
+          </p:spPr>
+        </p:pic>
+        <p:pic>
+          <p:nvPicPr>
+            <p:cNvPr id="28" name="Picture 27"/>
+            <p:cNvPicPr>
+              <a:picLocks noChangeAspect="1"/>
+            </p:cNvPicPr>
+            <p:nvPr/>
+          </p:nvPicPr>
+          <p:blipFill>
+            <a:blip r:embed="rId4"/>
+            <a:stretch>
+              <a:fillRect/>
+            </a:stretch>
+          </p:blipFill>
+          <p:spPr>
+            <a:xfrm>
+              <a:off x="5718136" y="2108585"/>
+              <a:ext cx="705828" cy="660775"/>
+            </a:xfrm>
+            <a:prstGeom prst="rect">
+              <a:avLst/>
+            </a:prstGeom>
+          </p:spPr>
+        </p:pic>
+        <p:pic>
+          <p:nvPicPr>
+            <p:cNvPr id="32" name="Picture 31"/>
+            <p:cNvPicPr>
+              <a:picLocks noChangeAspect="1"/>
+            </p:cNvPicPr>
+            <p:nvPr/>
+          </p:nvPicPr>
+          <p:blipFill>
+            <a:blip r:embed="rId4"/>
+            <a:stretch>
+              <a:fillRect/>
+            </a:stretch>
+          </p:blipFill>
+          <p:spPr>
+            <a:xfrm>
+              <a:off x="5615708" y="2181763"/>
+              <a:ext cx="705828" cy="660775"/>
+            </a:xfrm>
+            <a:prstGeom prst="rect">
+              <a:avLst/>
+            </a:prstGeom>
+          </p:spPr>
+        </p:pic>
+        <p:pic>
+          <p:nvPicPr>
+            <p:cNvPr id="34" name="Picture 33"/>
+            <p:cNvPicPr>
+              <a:picLocks noChangeAspect="1"/>
+            </p:cNvPicPr>
+            <p:nvPr/>
+          </p:nvPicPr>
+          <p:blipFill>
+            <a:blip r:embed="rId4"/>
+            <a:stretch>
+              <a:fillRect/>
+            </a:stretch>
+          </p:blipFill>
+          <p:spPr>
+            <a:xfrm>
+              <a:off x="5521091" y="2267499"/>
+              <a:ext cx="705828" cy="660775"/>
+            </a:xfrm>
+            <a:prstGeom prst="rect">
+              <a:avLst/>
+            </a:prstGeom>
+          </p:spPr>
+        </p:pic>
+      </p:grpSp>
+      <p:cxnSp>
+        <p:nvCxnSpPr>
+          <p:cNvPr id="35" name="Elbow Connector 34"/>
+          <p:cNvCxnSpPr>
+            <a:stCxn id="31" idx="2"/>
+            <a:endCxn id="27" idx="0"/>
+          </p:cNvCxnSpPr>
+          <p:nvPr/>
+        </p:nvCxnSpPr>
+        <p:spPr>
+          <a:xfrm rot="5400000">
+            <a:off x="4496192" y="3432545"/>
+            <a:ext cx="473897" cy="462902"/>
+          </a:xfrm>
+          <a:prstGeom prst="bentConnector3">
+            <a:avLst>
+              <a:gd name="adj1" fmla="val 50000"/>
+            </a:avLst>
+          </a:prstGeom>
+          <a:ln w="38100">
+            <a:solidFill>
+              <a:srgbClr val="00B0F0"/>
+            </a:solidFill>
+            <a:tailEnd type="triangle"/>
+          </a:ln>
+        </p:spPr>
+        <p:style>
+          <a:lnRef idx="1">
+            <a:schemeClr val="accent1"/>
+          </a:lnRef>
+          <a:fillRef idx="0">
+            <a:schemeClr val="accent1"/>
+          </a:fillRef>
+          <a:effectRef idx="0">
+            <a:schemeClr val="accent1"/>
+          </a:effectRef>
+          <a:fontRef idx="minor">
+            <a:schemeClr val="tx1"/>
+          </a:fontRef>
+        </p:style>
+      </p:cxnSp>
+      <p:cxnSp>
+        <p:nvCxnSpPr>
+          <p:cNvPr id="36" name="Elbow Connector 35"/>
+          <p:cNvCxnSpPr>
+            <a:stCxn id="21" idx="2"/>
+            <a:endCxn id="27" idx="0"/>
+          </p:cNvCxnSpPr>
+          <p:nvPr/>
+        </p:nvCxnSpPr>
+        <p:spPr>
+          <a:xfrm rot="16200000" flipH="1">
+            <a:off x="4015365" y="3414620"/>
+            <a:ext cx="471203" cy="501446"/>
+          </a:xfrm>
+          <a:prstGeom prst="bentConnector3">
+            <a:avLst>
+              <a:gd name="adj1" fmla="val 50000"/>
+            </a:avLst>
+          </a:prstGeom>
+          <a:ln w="38100">
+            <a:solidFill>
+              <a:srgbClr val="00B0F0"/>
+            </a:solidFill>
+            <a:tailEnd type="triangle"/>
+          </a:ln>
+        </p:spPr>
+        <p:style>
+          <a:lnRef idx="1">
+            <a:schemeClr val="accent1"/>
+          </a:lnRef>
+          <a:fillRef idx="0">
+            <a:schemeClr val="accent1"/>
+          </a:fillRef>
+          <a:effectRef idx="0">
+            <a:schemeClr val="accent1"/>
+          </a:effectRef>
+          <a:fontRef idx="minor">
+            <a:schemeClr val="tx1"/>
+          </a:fontRef>
+        </p:style>
+      </p:cxnSp>
+      <p:sp>
+        <p:nvSpPr>
+          <p:cNvPr id="37" name="Content Placeholder 39"/>
+          <p:cNvSpPr>
+            <a:spLocks noGrp="1"/>
+          </p:cNvSpPr>
+          <p:nvPr>
+            <p:ph sz="half" idx="1"/>
+          </p:nvPr>
+        </p:nvSpPr>
+        <p:spPr>
+          <a:xfrm>
+            <a:off x="854543" y="4231332"/>
+            <a:ext cx="2979792" cy="511440"/>
+          </a:xfrm>
+        </p:spPr>
+        <p:txBody>
+          <a:bodyPr/>
+          <a:lstStyle/>
+          <a:p>
+            <a:pPr marL="0" indent="0">
+              <a:buNone/>
+            </a:pPr>
+            <a:r>
+              <a:rPr lang="en-US" sz="1100" dirty="0" smtClean="0"/>
+              <a:t>Master User Profile, User Check-ins, Beer and Breweries data.</a:t>
+            </a:r>
+            <a:endParaRPr lang="en-US" sz="1100" dirty="0" smtClean="0"/>
           </a:p>
         </p:txBody>
       </p:sp>

--- a/presentation/MSDS 6306 Case Study 2.pptx
+++ b/presentation/MSDS 6306 Case Study 2.pptx
@@ -5,10 +5,10 @@
     <p:sldMasterId id="2147483715" r:id="rId1"/>
   </p:sldMasterIdLst>
   <p:notesMasterIdLst>
-    <p:notesMasterId r:id="rId8"/>
+    <p:notesMasterId r:id="rId12"/>
   </p:notesMasterIdLst>
   <p:handoutMasterIdLst>
-    <p:handoutMasterId r:id="rId9"/>
+    <p:handoutMasterId r:id="rId13"/>
   </p:handoutMasterIdLst>
   <p:sldIdLst>
     <p:sldId id="256" r:id="rId2"/>
@@ -17,6 +17,10 @@
     <p:sldId id="259" r:id="rId5"/>
     <p:sldId id="260" r:id="rId6"/>
     <p:sldId id="261" r:id="rId7"/>
+    <p:sldId id="262" r:id="rId8"/>
+    <p:sldId id="263" r:id="rId9"/>
+    <p:sldId id="264" r:id="rId10"/>
+    <p:sldId id="265" r:id="rId11"/>
   </p:sldIdLst>
   <p:sldSz cx="9144000" cy="5143500" type="screen16x9"/>
   <p:notesSz cx="6950075" cy="9236075"/>
@@ -117,7 +121,7 @@
   </p:defaultTextStyle>
   <p:extLst>
     <p:ext uri="{EFAFB233-063F-42B5-8137-9DF3F51BA10A}">
-      <p15:sldGuideLst xmlns:p15="http://schemas.microsoft.com/office/powerpoint/2012/main">
+      <p15:sldGuideLst xmlns:p15="http://schemas.microsoft.com/office/powerpoint/2012/main" xmlns="">
         <p15:guide id="1" orient="horz" pos="1620" userDrawn="1">
           <p15:clr>
             <a:srgbClr val="A4A3A4"/>
@@ -131,7 +135,7 @@
       </p15:sldGuideLst>
     </p:ext>
     <p:ext uri="{2D200454-40CA-4A62-9FC3-DE9A4176ACB9}">
-      <p15:notesGuideLst xmlns:p15="http://schemas.microsoft.com/office/powerpoint/2012/main">
+      <p15:notesGuideLst xmlns:p15="http://schemas.microsoft.com/office/powerpoint/2012/main" xmlns="">
         <p15:guide id="1" orient="horz" pos="2909" userDrawn="1">
           <p15:clr>
             <a:srgbClr val="A4A3A4"/>
@@ -230,7 +234,7 @@
           <a:p>
             <a:fld id="{67F32F8B-429E-45D3-A6EF-7110C94B56DE}" type="datetimeFigureOut">
               <a:rPr lang="en-US" smtClean="0"/>
-              <a:t>8/8/2018</a:t>
+              <a:t>8/14/18</a:t>
             </a:fld>
             <a:endParaRPr lang="en-US"/>
           </a:p>
@@ -568,7 +572,7 @@
   </p:notesStyle>
   <p:extLst>
     <p:ext uri="{620B2872-D7B9-4A21-9093-7833F8D536E1}">
-      <p15:sldGuideLst xmlns:p15="http://schemas.microsoft.com/office/powerpoint/2012/main">
+      <p15:sldGuideLst xmlns:p15="http://schemas.microsoft.com/office/powerpoint/2012/main" xmlns="">
         <p15:guide id="1" pos="2189" userDrawn="1">
           <p15:clr>
             <a:srgbClr val="F26B43"/>
@@ -850,14 +854,14 @@
             </a:ln>
             <a:extLst>
               <a:ext uri="{909E8E84-426E-40dd-AFC4-6F175D3DCCD1}">
-                <a14:hiddenFill xmlns:a14="http://schemas.microsoft.com/office/drawing/2010/main" xmlns="">
+                <a14:hiddenFill xmlns:a14="http://schemas.microsoft.com/office/drawing/2010/main">
                   <a:solidFill>
                     <a:srgbClr val="FFFFFF"/>
                   </a:solidFill>
                 </a14:hiddenFill>
               </a:ext>
               <a:ext uri="{91240B29-F687-4f45-9708-019B960494DF}">
-                <a14:hiddenLine xmlns:a14="http://schemas.microsoft.com/office/drawing/2010/main" xmlns="" w="9525">
+                <a14:hiddenLine xmlns:a14="http://schemas.microsoft.com/office/drawing/2010/main" w="9525">
                   <a:solidFill>
                     <a:srgbClr val="000000"/>
                   </a:solidFill>
@@ -1087,7 +1091,7 @@
   </mc:AlternateContent>
   <p:extLst mod="1">
     <p:ext uri="{DCECCB84-F9BA-43D5-87BE-67443E8EF086}">
-      <p15:sldGuideLst xmlns:p15="http://schemas.microsoft.com/office/powerpoint/2012/main">
+      <p15:sldGuideLst xmlns:p15="http://schemas.microsoft.com/office/powerpoint/2012/main" xmlns="">
         <p15:guide id="1" pos="4000">
           <p15:clr>
             <a:srgbClr val="FBAE40"/>
@@ -1321,7 +1325,7 @@
   </mc:AlternateContent>
   <p:extLst mod="1">
     <p:ext uri="{DCECCB84-F9BA-43D5-87BE-67443E8EF086}">
-      <p15:sldGuideLst xmlns:p15="http://schemas.microsoft.com/office/powerpoint/2012/main">
+      <p15:sldGuideLst xmlns:p15="http://schemas.microsoft.com/office/powerpoint/2012/main" xmlns="">
         <p15:guide id="1" pos="3840">
           <p15:clr>
             <a:srgbClr val="FBAE40"/>
@@ -2099,7 +2103,7 @@
   </mc:AlternateContent>
   <p:extLst mod="1">
     <p:ext uri="{DCECCB84-F9BA-43D5-87BE-67443E8EF086}">
-      <p15:sldGuideLst xmlns:p15="http://schemas.microsoft.com/office/powerpoint/2012/main">
+      <p15:sldGuideLst xmlns:p15="http://schemas.microsoft.com/office/powerpoint/2012/main" xmlns="">
         <p15:guide id="1" pos="6016">
           <p15:clr>
             <a:srgbClr val="FBAE40"/>
@@ -2187,7 +2191,7 @@
   </mc:AlternateContent>
   <p:extLst mod="1">
     <p:ext uri="{DCECCB84-F9BA-43D5-87BE-67443E8EF086}">
-      <p15:sldGuideLst xmlns:p15="http://schemas.microsoft.com/office/powerpoint/2012/main">
+      <p15:sldGuideLst xmlns:p15="http://schemas.microsoft.com/office/powerpoint/2012/main" xmlns="">
         <p15:guide id="1" pos="6016">
           <p15:clr>
             <a:srgbClr val="FBAE40"/>
@@ -2291,14 +2295,14 @@
           </a:ln>
           <a:extLst>
             <a:ext uri="{909E8E84-426E-40dd-AFC4-6F175D3DCCD1}">
-              <a14:hiddenFill xmlns:a14="http://schemas.microsoft.com/office/drawing/2010/main" xmlns="">
+              <a14:hiddenFill xmlns:a14="http://schemas.microsoft.com/office/drawing/2010/main">
                 <a:solidFill>
                   <a:srgbClr val="FFFFFF"/>
                 </a:solidFill>
               </a14:hiddenFill>
             </a:ext>
             <a:ext uri="{91240B29-F687-4f45-9708-019B960494DF}">
-              <a14:hiddenLine xmlns:a14="http://schemas.microsoft.com/office/drawing/2010/main" xmlns="" w="9525">
+              <a14:hiddenLine xmlns:a14="http://schemas.microsoft.com/office/drawing/2010/main" w="9525">
                 <a:solidFill>
                   <a:srgbClr val="000000"/>
                 </a:solidFill>
@@ -2503,14 +2507,14 @@
           </a:ln>
           <a:extLst>
             <a:ext uri="{909E8E84-426E-40dd-AFC4-6F175D3DCCD1}">
-              <a14:hiddenFill xmlns:a14="http://schemas.microsoft.com/office/drawing/2010/main" xmlns="">
+              <a14:hiddenFill xmlns:a14="http://schemas.microsoft.com/office/drawing/2010/main">
                 <a:solidFill>
                   <a:srgbClr val="FFFFFF"/>
                 </a:solidFill>
               </a14:hiddenFill>
             </a:ext>
             <a:ext uri="{91240B29-F687-4f45-9708-019B960494DF}">
-              <a14:hiddenLine xmlns:a14="http://schemas.microsoft.com/office/drawing/2010/main" xmlns="" w="9525">
+              <a14:hiddenLine xmlns:a14="http://schemas.microsoft.com/office/drawing/2010/main" w="9525">
                 <a:solidFill>
                   <a:srgbClr val="000000"/>
                 </a:solidFill>
@@ -2646,14 +2650,14 @@
           </a:ln>
           <a:extLst>
             <a:ext uri="{909E8E84-426E-40dd-AFC4-6F175D3DCCD1}">
-              <a14:hiddenFill xmlns:a14="http://schemas.microsoft.com/office/drawing/2010/main" xmlns="">
+              <a14:hiddenFill xmlns:a14="http://schemas.microsoft.com/office/drawing/2010/main">
                 <a:solidFill>
                   <a:srgbClr val="FFFFFF"/>
                 </a:solidFill>
               </a14:hiddenFill>
             </a:ext>
             <a:ext uri="{91240B29-F687-4f45-9708-019B960494DF}">
-              <a14:hiddenLine xmlns:a14="http://schemas.microsoft.com/office/drawing/2010/main" xmlns="" w="9525">
+              <a14:hiddenLine xmlns:a14="http://schemas.microsoft.com/office/drawing/2010/main" w="9525">
                 <a:solidFill>
                   <a:srgbClr val="000000"/>
                 </a:solidFill>
@@ -2869,14 +2873,14 @@
             </a:ln>
             <a:extLst>
               <a:ext uri="{909E8E84-426E-40dd-AFC4-6F175D3DCCD1}">
-                <a14:hiddenFill xmlns:a14="http://schemas.microsoft.com/office/drawing/2010/main" xmlns="">
+                <a14:hiddenFill xmlns:a14="http://schemas.microsoft.com/office/drawing/2010/main">
                   <a:solidFill>
                     <a:srgbClr val="FFFFFF"/>
                   </a:solidFill>
                 </a14:hiddenFill>
               </a:ext>
               <a:ext uri="{91240B29-F687-4f45-9708-019B960494DF}">
-                <a14:hiddenLine xmlns:a14="http://schemas.microsoft.com/office/drawing/2010/main" xmlns="" w="9525">
+                <a14:hiddenLine xmlns:a14="http://schemas.microsoft.com/office/drawing/2010/main" w="9525">
                   <a:solidFill>
                     <a:srgbClr val="000000"/>
                   </a:solidFill>
@@ -2995,14 +2999,14 @@
           </a:ln>
           <a:extLst>
             <a:ext uri="{909E8E84-426E-40dd-AFC4-6F175D3DCCD1}">
-              <a14:hiddenFill xmlns:a14="http://schemas.microsoft.com/office/drawing/2010/main" xmlns="">
+              <a14:hiddenFill xmlns:a14="http://schemas.microsoft.com/office/drawing/2010/main">
                 <a:solidFill>
                   <a:srgbClr val="FFFFFF"/>
                 </a:solidFill>
               </a14:hiddenFill>
             </a:ext>
             <a:ext uri="{91240B29-F687-4f45-9708-019B960494DF}">
-              <a14:hiddenLine xmlns:a14="http://schemas.microsoft.com/office/drawing/2010/main" xmlns="" w="9525">
+              <a14:hiddenLine xmlns:a14="http://schemas.microsoft.com/office/drawing/2010/main" w="9525">
                 <a:solidFill>
                   <a:srgbClr val="000000"/>
                 </a:solidFill>
@@ -3250,14 +3254,14 @@
           </a:ln>
           <a:extLst>
             <a:ext uri="{909E8E84-426E-40dd-AFC4-6F175D3DCCD1}">
-              <a14:hiddenFill xmlns:a14="http://schemas.microsoft.com/office/drawing/2010/main" xmlns="">
+              <a14:hiddenFill xmlns:a14="http://schemas.microsoft.com/office/drawing/2010/main">
                 <a:solidFill>
                   <a:srgbClr val="FFFFFF"/>
                 </a:solidFill>
               </a14:hiddenFill>
             </a:ext>
             <a:ext uri="{91240B29-F687-4f45-9708-019B960494DF}">
-              <a14:hiddenLine xmlns:a14="http://schemas.microsoft.com/office/drawing/2010/main" xmlns="" w="9525">
+              <a14:hiddenLine xmlns:a14="http://schemas.microsoft.com/office/drawing/2010/main" w="9525">
                 <a:solidFill>
                   <a:srgbClr val="000000"/>
                 </a:solidFill>
@@ -3595,14 +3599,14 @@
             </a:ln>
             <a:extLst>
               <a:ext uri="{909E8E84-426E-40dd-AFC4-6F175D3DCCD1}">
-                <a14:hiddenFill xmlns:a14="http://schemas.microsoft.com/office/drawing/2010/main" xmlns="">
+                <a14:hiddenFill xmlns:a14="http://schemas.microsoft.com/office/drawing/2010/main">
                   <a:solidFill>
                     <a:srgbClr val="FFFFFF"/>
                   </a:solidFill>
                 </a14:hiddenFill>
               </a:ext>
               <a:ext uri="{91240B29-F687-4f45-9708-019B960494DF}">
-                <a14:hiddenLine xmlns:a14="http://schemas.microsoft.com/office/drawing/2010/main" xmlns="" w="9525">
+                <a14:hiddenLine xmlns:a14="http://schemas.microsoft.com/office/drawing/2010/main" w="9525">
                   <a:solidFill>
                     <a:srgbClr val="000000"/>
                   </a:solidFill>
@@ -3832,7 +3836,7 @@
   </mc:AlternateContent>
   <p:extLst mod="1">
     <p:ext uri="{DCECCB84-F9BA-43D5-87BE-67443E8EF086}">
-      <p15:sldGuideLst xmlns:p15="http://schemas.microsoft.com/office/powerpoint/2012/main">
+      <p15:sldGuideLst xmlns:p15="http://schemas.microsoft.com/office/powerpoint/2012/main" xmlns="">
         <p15:guide id="1" pos="4000">
           <p15:clr>
             <a:srgbClr val="FBAE40"/>
@@ -4187,7 +4191,7 @@
   <p:timing>
     <p:tnLst>
       <p:par>
-        <p:cTn id="1" dur="indefinite" restart="never" nodeType="tmRoot"/>
+        <p:cTn xmlns:p14="http://schemas.microsoft.com/office/powerpoint/2010/main" id="1" dur="indefinite" restart="never" nodeType="tmRoot"/>
       </p:par>
     </p:tnLst>
   </p:timing>
@@ -4244,14 +4248,14 @@
           </a:ln>
           <a:extLst>
             <a:ext uri="{909E8E84-426E-40dd-AFC4-6F175D3DCCD1}">
-              <a14:hiddenFill xmlns:a14="http://schemas.microsoft.com/office/drawing/2010/main" xmlns="">
+              <a14:hiddenFill xmlns:a14="http://schemas.microsoft.com/office/drawing/2010/main">
                 <a:solidFill>
                   <a:srgbClr val="FFFFFF"/>
                 </a:solidFill>
               </a14:hiddenFill>
             </a:ext>
             <a:ext uri="{91240B29-F687-4f45-9708-019B960494DF}">
-              <a14:hiddenLine xmlns:a14="http://schemas.microsoft.com/office/drawing/2010/main" xmlns="" w="9525">
+              <a14:hiddenLine xmlns:a14="http://schemas.microsoft.com/office/drawing/2010/main" w="9525">
                 <a:solidFill>
                   <a:srgbClr val="000000"/>
                 </a:solidFill>
@@ -4469,7 +4473,7 @@
   <p:timing>
     <p:tnLst>
       <p:par>
-        <p:cTn id="1" dur="indefinite" restart="never" nodeType="tmRoot"/>
+        <p:cTn xmlns:p14="http://schemas.microsoft.com/office/powerpoint/2010/main" id="1" dur="indefinite" restart="never" nodeType="tmRoot"/>
       </p:par>
     </p:tnLst>
   </p:timing>
@@ -4526,14 +4530,14 @@
           </a:ln>
           <a:extLst>
             <a:ext uri="{909E8E84-426E-40dd-AFC4-6F175D3DCCD1}">
-              <a14:hiddenFill xmlns:a14="http://schemas.microsoft.com/office/drawing/2010/main" xmlns="">
+              <a14:hiddenFill xmlns:a14="http://schemas.microsoft.com/office/drawing/2010/main">
                 <a:solidFill>
                   <a:srgbClr val="FFFFFF"/>
                 </a:solidFill>
               </a14:hiddenFill>
             </a:ext>
             <a:ext uri="{91240B29-F687-4f45-9708-019B960494DF}">
-              <a14:hiddenLine xmlns:a14="http://schemas.microsoft.com/office/drawing/2010/main" xmlns="" w="9525">
+              <a14:hiddenLine xmlns:a14="http://schemas.microsoft.com/office/drawing/2010/main" w="9525">
                 <a:solidFill>
                   <a:srgbClr val="000000"/>
                 </a:solidFill>
@@ -4877,7 +4881,7 @@
   <p:timing>
     <p:tnLst>
       <p:par>
-        <p:cTn id="1" dur="indefinite" restart="never" nodeType="tmRoot"/>
+        <p:cTn xmlns:p14="http://schemas.microsoft.com/office/powerpoint/2010/main" id="1" dur="indefinite" restart="never" nodeType="tmRoot"/>
       </p:par>
     </p:tnLst>
   </p:timing>
@@ -4934,7 +4938,7 @@
   <p:timing>
     <p:tnLst>
       <p:par>
-        <p:cTn id="1" dur="indefinite" restart="never" nodeType="tmRoot"/>
+        <p:cTn xmlns:p14="http://schemas.microsoft.com/office/powerpoint/2010/main" id="1" dur="indefinite" restart="never" nodeType="tmRoot"/>
       </p:par>
     </p:tnLst>
   </p:timing>
@@ -5212,14 +5216,14 @@
             </a:ln>
             <a:extLst>
               <a:ext uri="{909E8E84-426E-40dd-AFC4-6F175D3DCCD1}">
-                <a14:hiddenFill xmlns:a14="http://schemas.microsoft.com/office/drawing/2010/main" xmlns="">
+                <a14:hiddenFill xmlns:a14="http://schemas.microsoft.com/office/drawing/2010/main">
                   <a:solidFill>
                     <a:srgbClr val="FFFFFF"/>
                   </a:solidFill>
                 </a14:hiddenFill>
               </a:ext>
               <a:ext uri="{91240B29-F687-4f45-9708-019B960494DF}">
-                <a14:hiddenLine xmlns:a14="http://schemas.microsoft.com/office/drawing/2010/main" xmlns="" w="9525">
+                <a14:hiddenLine xmlns:a14="http://schemas.microsoft.com/office/drawing/2010/main" w="9525">
                   <a:solidFill>
                     <a:srgbClr val="000000"/>
                   </a:solidFill>
@@ -5720,14 +5724,14 @@
             </a:ln>
             <a:extLst>
               <a:ext uri="{909E8E84-426E-40dd-AFC4-6F175D3DCCD1}">
-                <a14:hiddenFill xmlns:a14="http://schemas.microsoft.com/office/drawing/2010/main" xmlns="">
+                <a14:hiddenFill xmlns:a14="http://schemas.microsoft.com/office/drawing/2010/main">
                   <a:solidFill>
                     <a:srgbClr val="FFFFFF"/>
                   </a:solidFill>
                 </a14:hiddenFill>
               </a:ext>
               <a:ext uri="{91240B29-F687-4f45-9708-019B960494DF}">
-                <a14:hiddenLine xmlns:a14="http://schemas.microsoft.com/office/drawing/2010/main" xmlns="" w="9525">
+                <a14:hiddenLine xmlns:a14="http://schemas.microsoft.com/office/drawing/2010/main" w="9525">
                   <a:solidFill>
                     <a:srgbClr val="000000"/>
                   </a:solidFill>
@@ -6228,14 +6232,14 @@
             </a:ln>
             <a:extLst>
               <a:ext uri="{909E8E84-426E-40dd-AFC4-6F175D3DCCD1}">
-                <a14:hiddenFill xmlns:a14="http://schemas.microsoft.com/office/drawing/2010/main" xmlns="">
+                <a14:hiddenFill xmlns:a14="http://schemas.microsoft.com/office/drawing/2010/main">
                   <a:solidFill>
                     <a:srgbClr val="FFFFFF"/>
                   </a:solidFill>
                 </a14:hiddenFill>
               </a:ext>
               <a:ext uri="{91240B29-F687-4f45-9708-019B960494DF}">
-                <a14:hiddenLine xmlns:a14="http://schemas.microsoft.com/office/drawing/2010/main" xmlns="" w="9525">
+                <a14:hiddenLine xmlns:a14="http://schemas.microsoft.com/office/drawing/2010/main" w="9525">
                   <a:solidFill>
                     <a:srgbClr val="000000"/>
                   </a:solidFill>
@@ -6737,14 +6741,14 @@
             </a:ln>
             <a:extLst>
               <a:ext uri="{909E8E84-426E-40dd-AFC4-6F175D3DCCD1}">
-                <a14:hiddenFill xmlns:a14="http://schemas.microsoft.com/office/drawing/2010/main" xmlns="">
+                <a14:hiddenFill xmlns:a14="http://schemas.microsoft.com/office/drawing/2010/main">
                   <a:solidFill>
                     <a:srgbClr val="FFFFFF"/>
                   </a:solidFill>
                 </a14:hiddenFill>
               </a:ext>
               <a:ext uri="{91240B29-F687-4f45-9708-019B960494DF}">
-                <a14:hiddenLine xmlns:a14="http://schemas.microsoft.com/office/drawing/2010/main" xmlns="" w="9525">
+                <a14:hiddenLine xmlns:a14="http://schemas.microsoft.com/office/drawing/2010/main" w="9525">
                   <a:solidFill>
                     <a:srgbClr val="000000"/>
                   </a:solidFill>
@@ -7245,14 +7249,14 @@
             </a:ln>
             <a:extLst>
               <a:ext uri="{909E8E84-426E-40dd-AFC4-6F175D3DCCD1}">
-                <a14:hiddenFill xmlns:a14="http://schemas.microsoft.com/office/drawing/2010/main" xmlns="">
+                <a14:hiddenFill xmlns:a14="http://schemas.microsoft.com/office/drawing/2010/main">
                   <a:solidFill>
                     <a:srgbClr val="FFFFFF"/>
                   </a:solidFill>
                 </a14:hiddenFill>
               </a:ext>
               <a:ext uri="{91240B29-F687-4f45-9708-019B960494DF}">
-                <a14:hiddenLine xmlns:a14="http://schemas.microsoft.com/office/drawing/2010/main" xmlns="" w="9525">
+                <a14:hiddenLine xmlns:a14="http://schemas.microsoft.com/office/drawing/2010/main" w="9525">
                   <a:solidFill>
                     <a:srgbClr val="000000"/>
                   </a:solidFill>
@@ -7754,14 +7758,14 @@
             </a:ln>
             <a:extLst>
               <a:ext uri="{909E8E84-426E-40dd-AFC4-6F175D3DCCD1}">
-                <a14:hiddenFill xmlns:a14="http://schemas.microsoft.com/office/drawing/2010/main" xmlns="">
+                <a14:hiddenFill xmlns:a14="http://schemas.microsoft.com/office/drawing/2010/main">
                   <a:solidFill>
                     <a:srgbClr val="FFFFFF"/>
                   </a:solidFill>
                 </a14:hiddenFill>
               </a:ext>
               <a:ext uri="{91240B29-F687-4f45-9708-019B960494DF}">
-                <a14:hiddenLine xmlns:a14="http://schemas.microsoft.com/office/drawing/2010/main" xmlns="" w="9525">
+                <a14:hiddenLine xmlns:a14="http://schemas.microsoft.com/office/drawing/2010/main" w="9525">
                   <a:solidFill>
                     <a:srgbClr val="000000"/>
                   </a:solidFill>
@@ -7991,7 +7995,7 @@
   </mc:AlternateContent>
   <p:extLst mod="1">
     <p:ext uri="{DCECCB84-F9BA-43D5-87BE-67443E8EF086}">
-      <p15:sldGuideLst xmlns:p15="http://schemas.microsoft.com/office/powerpoint/2012/main">
+      <p15:sldGuideLst xmlns:p15="http://schemas.microsoft.com/office/powerpoint/2012/main" xmlns="">
         <p15:guide id="1" pos="4000">
           <p15:clr>
             <a:srgbClr val="FBAE40"/>
@@ -8217,7 +8221,7 @@
   <p:timing>
     <p:tnLst>
       <p:par>
-        <p:cTn id="1" dur="indefinite" restart="never" nodeType="tmRoot"/>
+        <p:cTn xmlns:p14="http://schemas.microsoft.com/office/powerpoint/2010/main" id="1" dur="indefinite" restart="never" nodeType="tmRoot"/>
       </p:par>
     </p:tnLst>
   </p:timing>
@@ -8284,14 +8288,14 @@
           </a:ln>
           <a:extLst>
             <a:ext uri="{909E8E84-426E-40dd-AFC4-6F175D3DCCD1}">
-              <a14:hiddenFill xmlns:a14="http://schemas.microsoft.com/office/drawing/2010/main" xmlns="">
+              <a14:hiddenFill xmlns:a14="http://schemas.microsoft.com/office/drawing/2010/main">
                 <a:solidFill>
                   <a:srgbClr val="FFFFFF"/>
                 </a:solidFill>
               </a14:hiddenFill>
             </a:ext>
             <a:ext uri="{91240B29-F687-4f45-9708-019B960494DF}">
-              <a14:hiddenLine xmlns:a14="http://schemas.microsoft.com/office/drawing/2010/main" xmlns="" w="9525">
+              <a14:hiddenLine xmlns:a14="http://schemas.microsoft.com/office/drawing/2010/main" w="9525">
                 <a:solidFill>
                   <a:srgbClr val="000000"/>
                 </a:solidFill>
@@ -8342,14 +8346,14 @@
           </a:ln>
           <a:extLst>
             <a:ext uri="{909E8E84-426E-40dd-AFC4-6F175D3DCCD1}">
-              <a14:hiddenFill xmlns:a14="http://schemas.microsoft.com/office/drawing/2010/main" xmlns="">
+              <a14:hiddenFill xmlns:a14="http://schemas.microsoft.com/office/drawing/2010/main">
                 <a:solidFill>
                   <a:srgbClr val="FFFFFF"/>
                 </a:solidFill>
               </a14:hiddenFill>
             </a:ext>
             <a:ext uri="{91240B29-F687-4f45-9708-019B960494DF}">
-              <a14:hiddenLine xmlns:a14="http://schemas.microsoft.com/office/drawing/2010/main" xmlns="" w="9525">
+              <a14:hiddenLine xmlns:a14="http://schemas.microsoft.com/office/drawing/2010/main" w="9525">
                 <a:solidFill>
                   <a:srgbClr val="000000"/>
                 </a:solidFill>
@@ -8426,14 +8430,14 @@
           </a:ln>
           <a:extLst>
             <a:ext uri="{909E8E84-426E-40dd-AFC4-6F175D3DCCD1}">
-              <a14:hiddenFill xmlns:a14="http://schemas.microsoft.com/office/drawing/2010/main" xmlns="">
+              <a14:hiddenFill xmlns:a14="http://schemas.microsoft.com/office/drawing/2010/main">
                 <a:solidFill>
                   <a:srgbClr val="FFFFFF"/>
                 </a:solidFill>
               </a14:hiddenFill>
             </a:ext>
             <a:ext uri="{91240B29-F687-4f45-9708-019B960494DF}">
-              <a14:hiddenLine xmlns:a14="http://schemas.microsoft.com/office/drawing/2010/main" xmlns="" w="9525">
+              <a14:hiddenLine xmlns:a14="http://schemas.microsoft.com/office/drawing/2010/main" w="9525">
                 <a:solidFill>
                   <a:srgbClr val="000000"/>
                 </a:solidFill>
@@ -8562,7 +8566,7 @@
   <p:timing>
     <p:tnLst>
       <p:par>
-        <p:cTn id="1" dur="indefinite" restart="never" nodeType="tmRoot"/>
+        <p:cTn xmlns:p14="http://schemas.microsoft.com/office/powerpoint/2010/main" id="1" dur="indefinite" restart="never" nodeType="tmRoot"/>
       </p:par>
     </p:tnLst>
   </p:timing>
@@ -9150,6 +9154,109 @@
 </p:sld>
 </file>
 
+<file path=ppt/slides/slide10.xml><?xml version="1.0" encoding="utf-8"?>
+<p:sld xmlns:a="http://schemas.openxmlformats.org/drawingml/2006/main" xmlns:r="http://schemas.openxmlformats.org/officeDocument/2006/relationships" xmlns:p="http://schemas.openxmlformats.org/presentationml/2006/main">
+  <p:cSld>
+    <p:spTree>
+      <p:nvGrpSpPr>
+        <p:cNvPr id="1" name=""/>
+        <p:cNvGrpSpPr/>
+        <p:nvPr/>
+      </p:nvGrpSpPr>
+      <p:grpSpPr>
+        <a:xfrm>
+          <a:off x="0" y="0"/>
+          <a:ext cx="0" cy="0"/>
+          <a:chOff x="0" y="0"/>
+          <a:chExt cx="0" cy="0"/>
+        </a:xfrm>
+      </p:grpSpPr>
+      <p:sp>
+        <p:nvSpPr>
+          <p:cNvPr id="2" name="Title 1"/>
+          <p:cNvSpPr>
+            <a:spLocks noGrp="1"/>
+          </p:cNvSpPr>
+          <p:nvPr>
+            <p:ph type="title"/>
+          </p:nvPr>
+        </p:nvSpPr>
+        <p:spPr/>
+        <p:txBody>
+          <a:bodyPr/>
+          <a:lstStyle/>
+          <a:p>
+            <a:r>
+              <a:rPr lang="en-US" dirty="0" smtClean="0"/>
+              <a:t>Where are people checking in beers?</a:t>
+            </a:r>
+            <a:endParaRPr lang="en-US" dirty="0"/>
+          </a:p>
+        </p:txBody>
+      </p:sp>
+      <p:sp>
+        <p:nvSpPr>
+          <p:cNvPr id="3" name="Content Placeholder 2"/>
+          <p:cNvSpPr>
+            <a:spLocks noGrp="1"/>
+          </p:cNvSpPr>
+          <p:nvPr>
+            <p:ph sz="half" idx="1"/>
+          </p:nvPr>
+        </p:nvSpPr>
+        <p:spPr/>
+        <p:txBody>
+          <a:bodyPr/>
+          <a:lstStyle/>
+          <a:p>
+            <a:endParaRPr lang="en-US"/>
+          </a:p>
+        </p:txBody>
+      </p:sp>
+      <p:sp>
+        <p:nvSpPr>
+          <p:cNvPr id="4" name="Content Placeholder 3"/>
+          <p:cNvSpPr>
+            <a:spLocks noGrp="1"/>
+          </p:cNvSpPr>
+          <p:nvPr>
+            <p:ph sz="half" idx="2"/>
+          </p:nvPr>
+        </p:nvSpPr>
+        <p:spPr/>
+        <p:txBody>
+          <a:bodyPr/>
+          <a:lstStyle/>
+          <a:p>
+            <a:endParaRPr lang="en-US"/>
+          </a:p>
+        </p:txBody>
+      </p:sp>
+    </p:spTree>
+    <p:extLst>
+      <p:ext uri="{BB962C8B-B14F-4D97-AF65-F5344CB8AC3E}">
+        <p14:creationId xmlns:p14="http://schemas.microsoft.com/office/powerpoint/2010/main" val="592608254"/>
+      </p:ext>
+    </p:extLst>
+  </p:cSld>
+  <p:clrMapOvr>
+    <a:masterClrMapping/>
+  </p:clrMapOvr>
+  <mc:AlternateContent xmlns:mc="http://schemas.openxmlformats.org/markup-compatibility/2006" xmlns:p14="http://schemas.microsoft.com/office/powerpoint/2010/main">
+    <mc:Choice Requires="p14">
+      <p:transition p14:dur="250">
+        <p:fade/>
+      </p:transition>
+    </mc:Choice>
+    <mc:Fallback xmlns="">
+      <p:transition xmlns:p14="http://schemas.microsoft.com/office/powerpoint/2010/main">
+        <p:fade/>
+      </p:transition>
+    </mc:Fallback>
+  </mc:AlternateContent>
+</p:sld>
+</file>
+
 <file path=ppt/slides/slide2.xml><?xml version="1.0" encoding="utf-8"?>
 <p:sld xmlns:a="http://schemas.openxmlformats.org/drawingml/2006/main" xmlns:r="http://schemas.openxmlformats.org/officeDocument/2006/relationships" xmlns:p="http://schemas.openxmlformats.org/presentationml/2006/main">
   <p:cSld>
@@ -9435,7 +9542,6 @@
               <a:rPr lang="en-US" sz="1400" i="1" dirty="0"/>
               <a:t>DESTIHL Brewery Ambassador)</a:t>
             </a:r>
-            <a:endParaRPr lang="en-US" sz="1400" i="1" dirty="0"/>
           </a:p>
         </p:txBody>
       </p:sp>
@@ -10456,12 +10562,20 @@
           </a:p>
           <a:p>
             <a:r>
+              <a:rPr lang="en-US" sz="1100" dirty="0" smtClean="0">
+                <a:solidFill>
+                  <a:srgbClr val="FFFF00"/>
+                </a:solidFill>
+              </a:rPr>
+              <a:t>100 Calls </a:t>
+            </a:r>
+            <a:r>
               <a:rPr lang="en-US" sz="1100" dirty="0">
                 <a:solidFill>
                   <a:srgbClr val="FFFF00"/>
                 </a:solidFill>
               </a:rPr>
-              <a:t>300 Calls per hour restriction</a:t>
+              <a:t>per hour restriction</a:t>
             </a:r>
           </a:p>
         </p:txBody>
@@ -10470,6 +10584,435 @@
     <p:extLst>
       <p:ext uri="{BB962C8B-B14F-4D97-AF65-F5344CB8AC3E}">
         <p14:creationId xmlns:p14="http://schemas.microsoft.com/office/powerpoint/2010/main" val="1080242855"/>
+      </p:ext>
+    </p:extLst>
+  </p:cSld>
+  <p:clrMapOvr>
+    <a:masterClrMapping/>
+  </p:clrMapOvr>
+  <mc:AlternateContent xmlns:mc="http://schemas.openxmlformats.org/markup-compatibility/2006" xmlns:p14="http://schemas.microsoft.com/office/powerpoint/2010/main">
+    <mc:Choice Requires="p14">
+      <p:transition p14:dur="250">
+        <p:fade/>
+      </p:transition>
+    </mc:Choice>
+    <mc:Fallback xmlns="">
+      <p:transition xmlns:p14="http://schemas.microsoft.com/office/powerpoint/2010/main">
+        <p:fade/>
+      </p:transition>
+    </mc:Fallback>
+  </mc:AlternateContent>
+</p:sld>
+</file>
+
+<file path=ppt/slides/slide7.xml><?xml version="1.0" encoding="utf-8"?>
+<p:sld xmlns:a="http://schemas.openxmlformats.org/drawingml/2006/main" xmlns:r="http://schemas.openxmlformats.org/officeDocument/2006/relationships" xmlns:p="http://schemas.openxmlformats.org/presentationml/2006/main">
+  <p:cSld>
+    <p:spTree>
+      <p:nvGrpSpPr>
+        <p:cNvPr id="1" name=""/>
+        <p:cNvGrpSpPr/>
+        <p:nvPr/>
+      </p:nvGrpSpPr>
+      <p:grpSpPr>
+        <a:xfrm>
+          <a:off x="0" y="0"/>
+          <a:ext cx="0" cy="0"/>
+          <a:chOff x="0" y="0"/>
+          <a:chExt cx="0" cy="0"/>
+        </a:xfrm>
+      </p:grpSpPr>
+      <p:sp>
+        <p:nvSpPr>
+          <p:cNvPr id="2" name="Title 1"/>
+          <p:cNvSpPr>
+            <a:spLocks noGrp="1"/>
+          </p:cNvSpPr>
+          <p:nvPr>
+            <p:ph type="title"/>
+          </p:nvPr>
+        </p:nvSpPr>
+        <p:spPr/>
+        <p:txBody>
+          <a:bodyPr/>
+          <a:lstStyle/>
+          <a:p>
+            <a:r>
+              <a:rPr lang="en-US" dirty="0" smtClean="0"/>
+              <a:t>Breweries we targeted</a:t>
+            </a:r>
+            <a:endParaRPr lang="en-US" dirty="0"/>
+          </a:p>
+        </p:txBody>
+      </p:sp>
+      <p:sp>
+        <p:nvSpPr>
+          <p:cNvPr id="3" name="Content Placeholder 2"/>
+          <p:cNvSpPr>
+            <a:spLocks noGrp="1"/>
+          </p:cNvSpPr>
+          <p:nvPr>
+            <p:ph sz="half" idx="1"/>
+          </p:nvPr>
+        </p:nvSpPr>
+        <p:spPr/>
+        <p:txBody>
+          <a:bodyPr/>
+          <a:lstStyle/>
+          <a:p>
+            <a:endParaRPr lang="en-US"/>
+          </a:p>
+        </p:txBody>
+      </p:sp>
+      <p:sp>
+        <p:nvSpPr>
+          <p:cNvPr id="4" name="Content Placeholder 3"/>
+          <p:cNvSpPr>
+            <a:spLocks noGrp="1"/>
+          </p:cNvSpPr>
+          <p:nvPr>
+            <p:ph sz="half" idx="2"/>
+          </p:nvPr>
+        </p:nvSpPr>
+        <p:spPr/>
+        <p:txBody>
+          <a:bodyPr/>
+          <a:lstStyle/>
+          <a:p>
+            <a:endParaRPr lang="en-US" dirty="0"/>
+          </a:p>
+        </p:txBody>
+      </p:sp>
+    </p:spTree>
+    <p:extLst>
+      <p:ext uri="{BB962C8B-B14F-4D97-AF65-F5344CB8AC3E}">
+        <p14:creationId xmlns:p14="http://schemas.microsoft.com/office/powerpoint/2010/main" val="3837289159"/>
+      </p:ext>
+    </p:extLst>
+  </p:cSld>
+  <p:clrMapOvr>
+    <a:masterClrMapping/>
+  </p:clrMapOvr>
+  <mc:AlternateContent xmlns:mc="http://schemas.openxmlformats.org/markup-compatibility/2006" xmlns:p14="http://schemas.microsoft.com/office/powerpoint/2010/main">
+    <mc:Choice Requires="p14">
+      <p:transition p14:dur="250">
+        <p:fade/>
+      </p:transition>
+    </mc:Choice>
+    <mc:Fallback xmlns="">
+      <p:transition xmlns:p14="http://schemas.microsoft.com/office/powerpoint/2010/main">
+        <p:fade/>
+      </p:transition>
+    </mc:Fallback>
+  </mc:AlternateContent>
+</p:sld>
+</file>
+
+<file path=ppt/slides/slide8.xml><?xml version="1.0" encoding="utf-8"?>
+<p:sld xmlns:a="http://schemas.openxmlformats.org/drawingml/2006/main" xmlns:r="http://schemas.openxmlformats.org/officeDocument/2006/relationships" xmlns:p="http://schemas.openxmlformats.org/presentationml/2006/main">
+  <p:cSld>
+    <p:spTree>
+      <p:nvGrpSpPr>
+        <p:cNvPr id="1" name=""/>
+        <p:cNvGrpSpPr/>
+        <p:nvPr/>
+      </p:nvGrpSpPr>
+      <p:grpSpPr>
+        <a:xfrm>
+          <a:off x="0" y="0"/>
+          <a:ext cx="0" cy="0"/>
+          <a:chOff x="0" y="0"/>
+          <a:chExt cx="0" cy="0"/>
+        </a:xfrm>
+      </p:grpSpPr>
+      <p:sp>
+        <p:nvSpPr>
+          <p:cNvPr id="2" name="Title 1"/>
+          <p:cNvSpPr>
+            <a:spLocks noGrp="1"/>
+          </p:cNvSpPr>
+          <p:nvPr>
+            <p:ph type="title"/>
+          </p:nvPr>
+        </p:nvSpPr>
+        <p:spPr/>
+        <p:txBody>
+          <a:bodyPr/>
+          <a:lstStyle/>
+          <a:p>
+            <a:r>
+              <a:rPr lang="en-US" dirty="0" smtClean="0"/>
+              <a:t>Bias in how we rate beers - Assumptions</a:t>
+            </a:r>
+            <a:endParaRPr lang="en-US" dirty="0"/>
+          </a:p>
+        </p:txBody>
+      </p:sp>
+      <p:pic>
+        <p:nvPicPr>
+          <p:cNvPr id="5" name="Content Placeholder 4"/>
+          <p:cNvPicPr>
+            <a:picLocks noGrp="1" noChangeAspect="1"/>
+          </p:cNvPicPr>
+          <p:nvPr>
+            <p:ph sz="half" idx="2"/>
+          </p:nvPr>
+        </p:nvPicPr>
+        <p:blipFill>
+          <a:blip r:embed="rId2"/>
+          <a:srcRect t="4595" b="4595"/>
+          <a:stretch>
+            <a:fillRect/>
+          </a:stretch>
+        </p:blipFill>
+        <p:spPr>
+          <a:xfrm>
+            <a:off x="368730" y="1124654"/>
+            <a:ext cx="2099714" cy="1691157"/>
+          </a:xfrm>
+        </p:spPr>
+      </p:pic>
+      <p:pic>
+        <p:nvPicPr>
+          <p:cNvPr id="6" name="Picture 5"/>
+          <p:cNvPicPr>
+            <a:picLocks noChangeAspect="1"/>
+          </p:cNvPicPr>
+          <p:nvPr/>
+        </p:nvPicPr>
+        <p:blipFill>
+          <a:blip r:embed="rId3"/>
+          <a:stretch>
+            <a:fillRect/>
+          </a:stretch>
+        </p:blipFill>
+        <p:spPr>
+          <a:xfrm>
+            <a:off x="330928" y="2939143"/>
+            <a:ext cx="2127274" cy="1886126"/>
+          </a:xfrm>
+          <a:prstGeom prst="rect">
+            <a:avLst/>
+          </a:prstGeom>
+        </p:spPr>
+      </p:pic>
+      <p:pic>
+        <p:nvPicPr>
+          <p:cNvPr id="9" name="Picture 8"/>
+          <p:cNvPicPr>
+            <a:picLocks noChangeAspect="1"/>
+          </p:cNvPicPr>
+          <p:nvPr/>
+        </p:nvPicPr>
+        <p:blipFill>
+          <a:blip r:embed="rId4"/>
+          <a:stretch>
+            <a:fillRect/>
+          </a:stretch>
+        </p:blipFill>
+        <p:spPr>
+          <a:xfrm>
+            <a:off x="2581111" y="1109818"/>
+            <a:ext cx="2933505" cy="2270453"/>
+          </a:xfrm>
+          <a:prstGeom prst="rect">
+            <a:avLst/>
+          </a:prstGeom>
+        </p:spPr>
+      </p:pic>
+      <p:sp>
+        <p:nvSpPr>
+          <p:cNvPr id="10" name="Content Placeholder 3"/>
+          <p:cNvSpPr>
+            <a:spLocks noGrp="1"/>
+          </p:cNvSpPr>
+          <p:nvPr>
+            <p:ph sz="half" idx="2"/>
+          </p:nvPr>
+        </p:nvSpPr>
+        <p:spPr>
+          <a:xfrm>
+            <a:off x="5582167" y="1218669"/>
+            <a:ext cx="3291565" cy="3416833"/>
+          </a:xfrm>
+        </p:spPr>
+        <p:txBody>
+          <a:bodyPr/>
+          <a:lstStyle/>
+          <a:p>
+            <a:r>
+              <a:rPr lang="en-US" dirty="0" smtClean="0"/>
+              <a:t>The does not appear to come from a normal distribution, however given its large sample size CLT will be robust from violations.</a:t>
+            </a:r>
+            <a:endParaRPr lang="en-US" dirty="0"/>
+          </a:p>
+        </p:txBody>
+      </p:sp>
+    </p:spTree>
+    <p:extLst>
+      <p:ext uri="{BB962C8B-B14F-4D97-AF65-F5344CB8AC3E}">
+        <p14:creationId xmlns:p14="http://schemas.microsoft.com/office/powerpoint/2010/main" val="4067804300"/>
+      </p:ext>
+    </p:extLst>
+  </p:cSld>
+  <p:clrMapOvr>
+    <a:masterClrMapping/>
+  </p:clrMapOvr>
+  <mc:AlternateContent xmlns:mc="http://schemas.openxmlformats.org/markup-compatibility/2006" xmlns:p14="http://schemas.microsoft.com/office/powerpoint/2010/main">
+    <mc:Choice Requires="p14">
+      <p:transition p14:dur="250">
+        <p:fade/>
+      </p:transition>
+    </mc:Choice>
+    <mc:Fallback xmlns="">
+      <p:transition xmlns:p14="http://schemas.microsoft.com/office/powerpoint/2010/main">
+        <p:fade/>
+      </p:transition>
+    </mc:Fallback>
+  </mc:AlternateContent>
+</p:sld>
+</file>
+
+<file path=ppt/slides/slide9.xml><?xml version="1.0" encoding="utf-8"?>
+<p:sld xmlns:a="http://schemas.openxmlformats.org/drawingml/2006/main" xmlns:r="http://schemas.openxmlformats.org/officeDocument/2006/relationships" xmlns:p="http://schemas.openxmlformats.org/presentationml/2006/main">
+  <p:cSld>
+    <p:spTree>
+      <p:nvGrpSpPr>
+        <p:cNvPr id="1" name=""/>
+        <p:cNvGrpSpPr/>
+        <p:nvPr/>
+      </p:nvGrpSpPr>
+      <p:grpSpPr>
+        <a:xfrm>
+          <a:off x="0" y="0"/>
+          <a:ext cx="0" cy="0"/>
+          <a:chOff x="0" y="0"/>
+          <a:chExt cx="0" cy="0"/>
+        </a:xfrm>
+      </p:grpSpPr>
+      <p:sp>
+        <p:nvSpPr>
+          <p:cNvPr id="2" name="Title 1"/>
+          <p:cNvSpPr>
+            <a:spLocks noGrp="1"/>
+          </p:cNvSpPr>
+          <p:nvPr>
+            <p:ph type="title"/>
+          </p:nvPr>
+        </p:nvSpPr>
+        <p:spPr/>
+        <p:txBody>
+          <a:bodyPr/>
+          <a:lstStyle/>
+          <a:p>
+            <a:r>
+              <a:rPr lang="en-US" dirty="0" smtClean="0"/>
+              <a:t>Conclusion</a:t>
+            </a:r>
+            <a:endParaRPr lang="en-US" dirty="0"/>
+          </a:p>
+        </p:txBody>
+      </p:sp>
+      <p:pic>
+        <p:nvPicPr>
+          <p:cNvPr id="8" name="Picture 7"/>
+          <p:cNvPicPr>
+            <a:picLocks noChangeAspect="1"/>
+          </p:cNvPicPr>
+          <p:nvPr/>
+        </p:nvPicPr>
+        <p:blipFill>
+          <a:blip r:embed="rId2"/>
+          <a:stretch>
+            <a:fillRect/>
+          </a:stretch>
+        </p:blipFill>
+        <p:spPr>
+          <a:xfrm>
+            <a:off x="297031" y="1019768"/>
+            <a:ext cx="8590905" cy="1384154"/>
+          </a:xfrm>
+          <a:prstGeom prst="rect">
+            <a:avLst/>
+          </a:prstGeom>
+        </p:spPr>
+      </p:pic>
+      <p:sp>
+        <p:nvSpPr>
+          <p:cNvPr id="9" name="Content Placeholder 3"/>
+          <p:cNvSpPr>
+            <a:spLocks noGrp="1"/>
+          </p:cNvSpPr>
+          <p:nvPr>
+            <p:ph sz="half" idx="2"/>
+          </p:nvPr>
+        </p:nvSpPr>
+        <p:spPr>
+          <a:xfrm>
+            <a:off x="297033" y="2693361"/>
+            <a:ext cx="8576699" cy="2140351"/>
+          </a:xfrm>
+        </p:spPr>
+        <p:txBody>
+          <a:bodyPr/>
+          <a:lstStyle/>
+          <a:p>
+            <a:r>
+              <a:rPr lang="en-US" sz="1600" dirty="0"/>
+              <a:t>At a significant level of .05, </a:t>
+            </a:r>
+            <a:r>
+              <a:rPr lang="en-US" sz="1600" dirty="0" err="1"/>
+              <a:t>Peticolas</a:t>
+            </a:r>
+            <a:r>
+              <a:rPr lang="en-US" sz="1600" dirty="0"/>
+              <a:t>, Nobel Rey, and Community mean rating is greater while consumed at the brewery versus not at the brewery.  A 95% confident intervals are listed above</a:t>
+            </a:r>
+            <a:r>
+              <a:rPr lang="en-US" sz="1600" dirty="0" smtClean="0"/>
+              <a:t>.</a:t>
+            </a:r>
+            <a:endParaRPr lang="en-US" dirty="0"/>
+          </a:p>
+          <a:p>
+            <a:r>
+              <a:rPr lang="en-US" sz="1600" dirty="0"/>
+              <a:t>This was an observational study thus no inference can be inferred from the study.  The data was consumed from one week worth of 300 check-ins per beer and not a random sample.  We can only inferred the outcome from this population</a:t>
+            </a:r>
+            <a:r>
+              <a:rPr lang="en-US" sz="1600" dirty="0" smtClean="0"/>
+              <a:t>.</a:t>
+            </a:r>
+          </a:p>
+          <a:p>
+            <a:endParaRPr lang="en-US" sz="1600" dirty="0"/>
+          </a:p>
+          <a:p>
+            <a:r>
+              <a:rPr lang="en-US" sz="1600" dirty="0" smtClean="0"/>
+              <a:t>Full test can be found on our </a:t>
+            </a:r>
+            <a:r>
+              <a:rPr lang="en-US" sz="1600" dirty="0" err="1" smtClean="0"/>
+              <a:t>github</a:t>
+            </a:r>
+            <a:r>
+              <a:rPr lang="en-US" sz="1600" smtClean="0"/>
+              <a:t> repository: </a:t>
+            </a:r>
+            <a:r>
+              <a:rPr lang="en-US" sz="1600" dirty="0" err="1" smtClean="0"/>
+              <a:t>LocationBias.Rmd</a:t>
+            </a:r>
+            <a:endParaRPr lang="en-US" sz="1600" dirty="0"/>
+          </a:p>
+        </p:txBody>
+      </p:sp>
+    </p:spTree>
+    <p:extLst>
+      <p:ext uri="{BB962C8B-B14F-4D97-AF65-F5344CB8AC3E}">
+        <p14:creationId xmlns:p14="http://schemas.microsoft.com/office/powerpoint/2010/main" val="2709265083"/>
       </p:ext>
     </p:extLst>
   </p:cSld>
@@ -10686,7 +11229,7 @@
   <a:extraClrSchemeLst/>
   <a:extLst>
     <a:ext uri="{05A4C25C-085E-4340-85A3-A5531E510DB2}">
-      <thm15:themeFamily xmlns:thm15="http://schemas.microsoft.com/office/thememl/2012/main" name="UniversityTemplate_07.18.18.potx" id="{98177323-51DB-4EB0-ADDD-ACF2D37E5CDB}" vid="{290AE970-B9A8-401C-9715-AFA3EF1DF290}"/>
+      <thm15:themeFamily xmlns:thm15="http://schemas.microsoft.com/office/thememl/2012/main" xmlns="" name="UniversityTemplate_07.18.18.potx" id="{98177323-51DB-4EB0-ADDD-ACF2D37E5CDB}" vid="{290AE970-B9A8-401C-9715-AFA3EF1DF290}"/>
     </a:ext>
   </a:extLst>
 </a:theme>
@@ -10887,7 +11430,7 @@
   <a:extraClrSchemeLst/>
   <a:extLst>
     <a:ext uri="{05A4C25C-085E-4340-85A3-A5531E510DB2}">
-      <thm15:themeFamily xmlns:thm15="http://schemas.microsoft.com/office/thememl/2012/main" name="Office Theme" id="{62F939B6-93AF-4DB8-9C6B-D6C7DFDC589F}" vid="{4A3C46E8-61CC-4603-A589-7422A47A8E4A}"/>
+      <thm15:themeFamily xmlns:thm15="http://schemas.microsoft.com/office/thememl/2012/main" xmlns="" name="Office Theme" id="{62F939B6-93AF-4DB8-9C6B-D6C7DFDC589F}" vid="{4A3C46E8-61CC-4603-A589-7422A47A8E4A}"/>
     </a:ext>
   </a:extLst>
 </a:theme>
@@ -10936,7 +11479,7 @@
     </a:clrScheme>
     <a:fontScheme name="Office">
       <a:majorFont>
-        <a:latin typeface="Calibri Light" panose="020F0302020204030204"/>
+        <a:latin typeface="Calibri Light"/>
         <a:ea typeface=""/>
         <a:cs typeface=""/>
         <a:font script="Jpan" typeface="游ゴシック Light"/>
@@ -10971,7 +11514,7 @@
         <a:font script="Geor" typeface="Sylfaen"/>
       </a:majorFont>
       <a:minorFont>
-        <a:latin typeface="Calibri" panose="020F0502020204030204"/>
+        <a:latin typeface="Calibri"/>
         <a:ea typeface=""/>
         <a:cs typeface=""/>
         <a:font script="Jpan" typeface="游ゴシック"/>
@@ -11148,7 +11691,7 @@
   <a:extraClrSchemeLst/>
   <a:extLst>
     <a:ext uri="{05A4C25C-085E-4340-85A3-A5531E510DB2}">
-      <thm15:themeFamily xmlns:thm15="http://schemas.microsoft.com/office/thememl/2012/main" name="Office Theme" id="{62F939B6-93AF-4DB8-9C6B-D6C7DFDC589F}" vid="{4A3C46E8-61CC-4603-A589-7422A47A8E4A}"/>
+      <thm15:themeFamily xmlns:thm15="http://schemas.microsoft.com/office/thememl/2012/main" xmlns="" name="Office Theme" id="{62F939B6-93AF-4DB8-9C6B-D6C7DFDC589F}" vid="{4A3C46E8-61CC-4603-A589-7422A47A8E4A}"/>
     </a:ext>
   </a:extLst>
 </a:theme>

--- a/presentation/MSDS 6306 Case Study 2.pptx
+++ b/presentation/MSDS 6306 Case Study 2.pptx
@@ -5,10 +5,10 @@
     <p:sldMasterId id="2147483715" r:id="rId1"/>
   </p:sldMasterIdLst>
   <p:notesMasterIdLst>
-    <p:notesMasterId r:id="rId12"/>
+    <p:notesMasterId r:id="rId17"/>
   </p:notesMasterIdLst>
   <p:handoutMasterIdLst>
-    <p:handoutMasterId r:id="rId13"/>
+    <p:handoutMasterId r:id="rId18"/>
   </p:handoutMasterIdLst>
   <p:sldIdLst>
     <p:sldId id="256" r:id="rId2"/>
@@ -21,6 +21,11 @@
     <p:sldId id="263" r:id="rId9"/>
     <p:sldId id="264" r:id="rId10"/>
     <p:sldId id="265" r:id="rId11"/>
+    <p:sldId id="266" r:id="rId12"/>
+    <p:sldId id="267" r:id="rId13"/>
+    <p:sldId id="268" r:id="rId14"/>
+    <p:sldId id="269" r:id="rId15"/>
+    <p:sldId id="270" r:id="rId16"/>
   </p:sldIdLst>
   <p:sldSz cx="9144000" cy="5143500" type="screen16x9"/>
   <p:notesSz cx="6950075" cy="9236075"/>
@@ -121,7 +126,7 @@
   </p:defaultTextStyle>
   <p:extLst>
     <p:ext uri="{EFAFB233-063F-42B5-8137-9DF3F51BA10A}">
-      <p15:sldGuideLst xmlns:p15="http://schemas.microsoft.com/office/powerpoint/2012/main" xmlns="">
+      <p15:sldGuideLst xmlns:p15="http://schemas.microsoft.com/office/powerpoint/2012/main">
         <p15:guide id="1" orient="horz" pos="1620" userDrawn="1">
           <p15:clr>
             <a:srgbClr val="A4A3A4"/>
@@ -135,7 +140,7 @@
       </p15:sldGuideLst>
     </p:ext>
     <p:ext uri="{2D200454-40CA-4A62-9FC3-DE9A4176ACB9}">
-      <p15:notesGuideLst xmlns:p15="http://schemas.microsoft.com/office/powerpoint/2012/main" xmlns="">
+      <p15:notesGuideLst xmlns:p15="http://schemas.microsoft.com/office/powerpoint/2012/main">
         <p15:guide id="1" orient="horz" pos="2909" userDrawn="1">
           <p15:clr>
             <a:srgbClr val="A4A3A4"/>
@@ -234,7 +239,7 @@
           <a:p>
             <a:fld id="{67F32F8B-429E-45D3-A6EF-7110C94B56DE}" type="datetimeFigureOut">
               <a:rPr lang="en-US" smtClean="0"/>
-              <a:t>8/14/18</a:t>
+              <a:t>8/15/2018</a:t>
             </a:fld>
             <a:endParaRPr lang="en-US"/>
           </a:p>
@@ -572,7 +577,7 @@
   </p:notesStyle>
   <p:extLst>
     <p:ext uri="{620B2872-D7B9-4A21-9093-7833F8D536E1}">
-      <p15:sldGuideLst xmlns:p15="http://schemas.microsoft.com/office/powerpoint/2012/main" xmlns="">
+      <p15:sldGuideLst xmlns:p15="http://schemas.microsoft.com/office/powerpoint/2012/main">
         <p15:guide id="1" pos="2189" userDrawn="1">
           <p15:clr>
             <a:srgbClr val="F26B43"/>
@@ -854,14 +859,14 @@
             </a:ln>
             <a:extLst>
               <a:ext uri="{909E8E84-426E-40dd-AFC4-6F175D3DCCD1}">
-                <a14:hiddenFill xmlns:a14="http://schemas.microsoft.com/office/drawing/2010/main">
+                <a14:hiddenFill xmlns="" xmlns:a14="http://schemas.microsoft.com/office/drawing/2010/main">
                   <a:solidFill>
                     <a:srgbClr val="FFFFFF"/>
                   </a:solidFill>
                 </a14:hiddenFill>
               </a:ext>
               <a:ext uri="{91240B29-F687-4f45-9708-019B960494DF}">
-                <a14:hiddenLine xmlns:a14="http://schemas.microsoft.com/office/drawing/2010/main" w="9525">
+                <a14:hiddenLine xmlns="" xmlns:a14="http://schemas.microsoft.com/office/drawing/2010/main" w="9525">
                   <a:solidFill>
                     <a:srgbClr val="000000"/>
                   </a:solidFill>
@@ -1091,7 +1096,7 @@
   </mc:AlternateContent>
   <p:extLst mod="1">
     <p:ext uri="{DCECCB84-F9BA-43D5-87BE-67443E8EF086}">
-      <p15:sldGuideLst xmlns:p15="http://schemas.microsoft.com/office/powerpoint/2012/main" xmlns="">
+      <p15:sldGuideLst xmlns:p15="http://schemas.microsoft.com/office/powerpoint/2012/main">
         <p15:guide id="1" pos="4000">
           <p15:clr>
             <a:srgbClr val="FBAE40"/>
@@ -1325,7 +1330,7 @@
   </mc:AlternateContent>
   <p:extLst mod="1">
     <p:ext uri="{DCECCB84-F9BA-43D5-87BE-67443E8EF086}">
-      <p15:sldGuideLst xmlns:p15="http://schemas.microsoft.com/office/powerpoint/2012/main" xmlns="">
+      <p15:sldGuideLst xmlns:p15="http://schemas.microsoft.com/office/powerpoint/2012/main">
         <p15:guide id="1" pos="3840">
           <p15:clr>
             <a:srgbClr val="FBAE40"/>
@@ -2103,7 +2108,7 @@
   </mc:AlternateContent>
   <p:extLst mod="1">
     <p:ext uri="{DCECCB84-F9BA-43D5-87BE-67443E8EF086}">
-      <p15:sldGuideLst xmlns:p15="http://schemas.microsoft.com/office/powerpoint/2012/main" xmlns="">
+      <p15:sldGuideLst xmlns:p15="http://schemas.microsoft.com/office/powerpoint/2012/main">
         <p15:guide id="1" pos="6016">
           <p15:clr>
             <a:srgbClr val="FBAE40"/>
@@ -2191,7 +2196,7 @@
   </mc:AlternateContent>
   <p:extLst mod="1">
     <p:ext uri="{DCECCB84-F9BA-43D5-87BE-67443E8EF086}">
-      <p15:sldGuideLst xmlns:p15="http://schemas.microsoft.com/office/powerpoint/2012/main" xmlns="">
+      <p15:sldGuideLst xmlns:p15="http://schemas.microsoft.com/office/powerpoint/2012/main">
         <p15:guide id="1" pos="6016">
           <p15:clr>
             <a:srgbClr val="FBAE40"/>
@@ -2295,14 +2300,14 @@
           </a:ln>
           <a:extLst>
             <a:ext uri="{909E8E84-426E-40dd-AFC4-6F175D3DCCD1}">
-              <a14:hiddenFill xmlns:a14="http://schemas.microsoft.com/office/drawing/2010/main">
+              <a14:hiddenFill xmlns="" xmlns:a14="http://schemas.microsoft.com/office/drawing/2010/main">
                 <a:solidFill>
                   <a:srgbClr val="FFFFFF"/>
                 </a:solidFill>
               </a14:hiddenFill>
             </a:ext>
             <a:ext uri="{91240B29-F687-4f45-9708-019B960494DF}">
-              <a14:hiddenLine xmlns:a14="http://schemas.microsoft.com/office/drawing/2010/main" w="9525">
+              <a14:hiddenLine xmlns="" xmlns:a14="http://schemas.microsoft.com/office/drawing/2010/main" w="9525">
                 <a:solidFill>
                   <a:srgbClr val="000000"/>
                 </a:solidFill>
@@ -2507,14 +2512,14 @@
           </a:ln>
           <a:extLst>
             <a:ext uri="{909E8E84-426E-40dd-AFC4-6F175D3DCCD1}">
-              <a14:hiddenFill xmlns:a14="http://schemas.microsoft.com/office/drawing/2010/main">
+              <a14:hiddenFill xmlns="" xmlns:a14="http://schemas.microsoft.com/office/drawing/2010/main">
                 <a:solidFill>
                   <a:srgbClr val="FFFFFF"/>
                 </a:solidFill>
               </a14:hiddenFill>
             </a:ext>
             <a:ext uri="{91240B29-F687-4f45-9708-019B960494DF}">
-              <a14:hiddenLine xmlns:a14="http://schemas.microsoft.com/office/drawing/2010/main" w="9525">
+              <a14:hiddenLine xmlns="" xmlns:a14="http://schemas.microsoft.com/office/drawing/2010/main" w="9525">
                 <a:solidFill>
                   <a:srgbClr val="000000"/>
                 </a:solidFill>
@@ -2650,14 +2655,14 @@
           </a:ln>
           <a:extLst>
             <a:ext uri="{909E8E84-426E-40dd-AFC4-6F175D3DCCD1}">
-              <a14:hiddenFill xmlns:a14="http://schemas.microsoft.com/office/drawing/2010/main">
+              <a14:hiddenFill xmlns="" xmlns:a14="http://schemas.microsoft.com/office/drawing/2010/main">
                 <a:solidFill>
                   <a:srgbClr val="FFFFFF"/>
                 </a:solidFill>
               </a14:hiddenFill>
             </a:ext>
             <a:ext uri="{91240B29-F687-4f45-9708-019B960494DF}">
-              <a14:hiddenLine xmlns:a14="http://schemas.microsoft.com/office/drawing/2010/main" w="9525">
+              <a14:hiddenLine xmlns="" xmlns:a14="http://schemas.microsoft.com/office/drawing/2010/main" w="9525">
                 <a:solidFill>
                   <a:srgbClr val="000000"/>
                 </a:solidFill>
@@ -2873,14 +2878,14 @@
             </a:ln>
             <a:extLst>
               <a:ext uri="{909E8E84-426E-40dd-AFC4-6F175D3DCCD1}">
-                <a14:hiddenFill xmlns:a14="http://schemas.microsoft.com/office/drawing/2010/main">
+                <a14:hiddenFill xmlns="" xmlns:a14="http://schemas.microsoft.com/office/drawing/2010/main">
                   <a:solidFill>
                     <a:srgbClr val="FFFFFF"/>
                   </a:solidFill>
                 </a14:hiddenFill>
               </a:ext>
               <a:ext uri="{91240B29-F687-4f45-9708-019B960494DF}">
-                <a14:hiddenLine xmlns:a14="http://schemas.microsoft.com/office/drawing/2010/main" w="9525">
+                <a14:hiddenLine xmlns="" xmlns:a14="http://schemas.microsoft.com/office/drawing/2010/main" w="9525">
                   <a:solidFill>
                     <a:srgbClr val="000000"/>
                   </a:solidFill>
@@ -2999,14 +3004,14 @@
           </a:ln>
           <a:extLst>
             <a:ext uri="{909E8E84-426E-40dd-AFC4-6F175D3DCCD1}">
-              <a14:hiddenFill xmlns:a14="http://schemas.microsoft.com/office/drawing/2010/main">
+              <a14:hiddenFill xmlns="" xmlns:a14="http://schemas.microsoft.com/office/drawing/2010/main">
                 <a:solidFill>
                   <a:srgbClr val="FFFFFF"/>
                 </a:solidFill>
               </a14:hiddenFill>
             </a:ext>
             <a:ext uri="{91240B29-F687-4f45-9708-019B960494DF}">
-              <a14:hiddenLine xmlns:a14="http://schemas.microsoft.com/office/drawing/2010/main" w="9525">
+              <a14:hiddenLine xmlns="" xmlns:a14="http://schemas.microsoft.com/office/drawing/2010/main" w="9525">
                 <a:solidFill>
                   <a:srgbClr val="000000"/>
                 </a:solidFill>
@@ -3254,14 +3259,14 @@
           </a:ln>
           <a:extLst>
             <a:ext uri="{909E8E84-426E-40dd-AFC4-6F175D3DCCD1}">
-              <a14:hiddenFill xmlns:a14="http://schemas.microsoft.com/office/drawing/2010/main">
+              <a14:hiddenFill xmlns="" xmlns:a14="http://schemas.microsoft.com/office/drawing/2010/main">
                 <a:solidFill>
                   <a:srgbClr val="FFFFFF"/>
                 </a:solidFill>
               </a14:hiddenFill>
             </a:ext>
             <a:ext uri="{91240B29-F687-4f45-9708-019B960494DF}">
-              <a14:hiddenLine xmlns:a14="http://schemas.microsoft.com/office/drawing/2010/main" w="9525">
+              <a14:hiddenLine xmlns="" xmlns:a14="http://schemas.microsoft.com/office/drawing/2010/main" w="9525">
                 <a:solidFill>
                   <a:srgbClr val="000000"/>
                 </a:solidFill>
@@ -3599,14 +3604,14 @@
             </a:ln>
             <a:extLst>
               <a:ext uri="{909E8E84-426E-40dd-AFC4-6F175D3DCCD1}">
-                <a14:hiddenFill xmlns:a14="http://schemas.microsoft.com/office/drawing/2010/main">
+                <a14:hiddenFill xmlns="" xmlns:a14="http://schemas.microsoft.com/office/drawing/2010/main">
                   <a:solidFill>
                     <a:srgbClr val="FFFFFF"/>
                   </a:solidFill>
                 </a14:hiddenFill>
               </a:ext>
               <a:ext uri="{91240B29-F687-4f45-9708-019B960494DF}">
-                <a14:hiddenLine xmlns:a14="http://schemas.microsoft.com/office/drawing/2010/main" w="9525">
+                <a14:hiddenLine xmlns="" xmlns:a14="http://schemas.microsoft.com/office/drawing/2010/main" w="9525">
                   <a:solidFill>
                     <a:srgbClr val="000000"/>
                   </a:solidFill>
@@ -3836,7 +3841,7 @@
   </mc:AlternateContent>
   <p:extLst mod="1">
     <p:ext uri="{DCECCB84-F9BA-43D5-87BE-67443E8EF086}">
-      <p15:sldGuideLst xmlns:p15="http://schemas.microsoft.com/office/powerpoint/2012/main" xmlns="">
+      <p15:sldGuideLst xmlns:p15="http://schemas.microsoft.com/office/powerpoint/2012/main">
         <p15:guide id="1" pos="4000">
           <p15:clr>
             <a:srgbClr val="FBAE40"/>
@@ -4191,7 +4196,7 @@
   <p:timing>
     <p:tnLst>
       <p:par>
-        <p:cTn xmlns:p14="http://schemas.microsoft.com/office/powerpoint/2010/main" id="1" dur="indefinite" restart="never" nodeType="tmRoot"/>
+        <p:cTn id="1" dur="indefinite" restart="never" nodeType="tmRoot"/>
       </p:par>
     </p:tnLst>
   </p:timing>
@@ -4248,14 +4253,14 @@
           </a:ln>
           <a:extLst>
             <a:ext uri="{909E8E84-426E-40dd-AFC4-6F175D3DCCD1}">
-              <a14:hiddenFill xmlns:a14="http://schemas.microsoft.com/office/drawing/2010/main">
+              <a14:hiddenFill xmlns="" xmlns:a14="http://schemas.microsoft.com/office/drawing/2010/main">
                 <a:solidFill>
                   <a:srgbClr val="FFFFFF"/>
                 </a:solidFill>
               </a14:hiddenFill>
             </a:ext>
             <a:ext uri="{91240B29-F687-4f45-9708-019B960494DF}">
-              <a14:hiddenLine xmlns:a14="http://schemas.microsoft.com/office/drawing/2010/main" w="9525">
+              <a14:hiddenLine xmlns="" xmlns:a14="http://schemas.microsoft.com/office/drawing/2010/main" w="9525">
                 <a:solidFill>
                   <a:srgbClr val="000000"/>
                 </a:solidFill>
@@ -4473,7 +4478,7 @@
   <p:timing>
     <p:tnLst>
       <p:par>
-        <p:cTn xmlns:p14="http://schemas.microsoft.com/office/powerpoint/2010/main" id="1" dur="indefinite" restart="never" nodeType="tmRoot"/>
+        <p:cTn id="1" dur="indefinite" restart="never" nodeType="tmRoot"/>
       </p:par>
     </p:tnLst>
   </p:timing>
@@ -4530,14 +4535,14 @@
           </a:ln>
           <a:extLst>
             <a:ext uri="{909E8E84-426E-40dd-AFC4-6F175D3DCCD1}">
-              <a14:hiddenFill xmlns:a14="http://schemas.microsoft.com/office/drawing/2010/main">
+              <a14:hiddenFill xmlns="" xmlns:a14="http://schemas.microsoft.com/office/drawing/2010/main">
                 <a:solidFill>
                   <a:srgbClr val="FFFFFF"/>
                 </a:solidFill>
               </a14:hiddenFill>
             </a:ext>
             <a:ext uri="{91240B29-F687-4f45-9708-019B960494DF}">
-              <a14:hiddenLine xmlns:a14="http://schemas.microsoft.com/office/drawing/2010/main" w="9525">
+              <a14:hiddenLine xmlns="" xmlns:a14="http://schemas.microsoft.com/office/drawing/2010/main" w="9525">
                 <a:solidFill>
                   <a:srgbClr val="000000"/>
                 </a:solidFill>
@@ -4881,7 +4886,7 @@
   <p:timing>
     <p:tnLst>
       <p:par>
-        <p:cTn xmlns:p14="http://schemas.microsoft.com/office/powerpoint/2010/main" id="1" dur="indefinite" restart="never" nodeType="tmRoot"/>
+        <p:cTn id="1" dur="indefinite" restart="never" nodeType="tmRoot"/>
       </p:par>
     </p:tnLst>
   </p:timing>
@@ -4938,7 +4943,7 @@
   <p:timing>
     <p:tnLst>
       <p:par>
-        <p:cTn xmlns:p14="http://schemas.microsoft.com/office/powerpoint/2010/main" id="1" dur="indefinite" restart="never" nodeType="tmRoot"/>
+        <p:cTn id="1" dur="indefinite" restart="never" nodeType="tmRoot"/>
       </p:par>
     </p:tnLst>
   </p:timing>
@@ -5216,14 +5221,14 @@
             </a:ln>
             <a:extLst>
               <a:ext uri="{909E8E84-426E-40dd-AFC4-6F175D3DCCD1}">
-                <a14:hiddenFill xmlns:a14="http://schemas.microsoft.com/office/drawing/2010/main">
+                <a14:hiddenFill xmlns="" xmlns:a14="http://schemas.microsoft.com/office/drawing/2010/main">
                   <a:solidFill>
                     <a:srgbClr val="FFFFFF"/>
                   </a:solidFill>
                 </a14:hiddenFill>
               </a:ext>
               <a:ext uri="{91240B29-F687-4f45-9708-019B960494DF}">
-                <a14:hiddenLine xmlns:a14="http://schemas.microsoft.com/office/drawing/2010/main" w="9525">
+                <a14:hiddenLine xmlns="" xmlns:a14="http://schemas.microsoft.com/office/drawing/2010/main" w="9525">
                   <a:solidFill>
                     <a:srgbClr val="000000"/>
                   </a:solidFill>
@@ -5724,14 +5729,14 @@
             </a:ln>
             <a:extLst>
               <a:ext uri="{909E8E84-426E-40dd-AFC4-6F175D3DCCD1}">
-                <a14:hiddenFill xmlns:a14="http://schemas.microsoft.com/office/drawing/2010/main">
+                <a14:hiddenFill xmlns="" xmlns:a14="http://schemas.microsoft.com/office/drawing/2010/main">
                   <a:solidFill>
                     <a:srgbClr val="FFFFFF"/>
                   </a:solidFill>
                 </a14:hiddenFill>
               </a:ext>
               <a:ext uri="{91240B29-F687-4f45-9708-019B960494DF}">
-                <a14:hiddenLine xmlns:a14="http://schemas.microsoft.com/office/drawing/2010/main" w="9525">
+                <a14:hiddenLine xmlns="" xmlns:a14="http://schemas.microsoft.com/office/drawing/2010/main" w="9525">
                   <a:solidFill>
                     <a:srgbClr val="000000"/>
                   </a:solidFill>
@@ -6232,14 +6237,14 @@
             </a:ln>
             <a:extLst>
               <a:ext uri="{909E8E84-426E-40dd-AFC4-6F175D3DCCD1}">
-                <a14:hiddenFill xmlns:a14="http://schemas.microsoft.com/office/drawing/2010/main">
+                <a14:hiddenFill xmlns="" xmlns:a14="http://schemas.microsoft.com/office/drawing/2010/main">
                   <a:solidFill>
                     <a:srgbClr val="FFFFFF"/>
                   </a:solidFill>
                 </a14:hiddenFill>
               </a:ext>
               <a:ext uri="{91240B29-F687-4f45-9708-019B960494DF}">
-                <a14:hiddenLine xmlns:a14="http://schemas.microsoft.com/office/drawing/2010/main" w="9525">
+                <a14:hiddenLine xmlns="" xmlns:a14="http://schemas.microsoft.com/office/drawing/2010/main" w="9525">
                   <a:solidFill>
                     <a:srgbClr val="000000"/>
                   </a:solidFill>
@@ -6741,14 +6746,14 @@
             </a:ln>
             <a:extLst>
               <a:ext uri="{909E8E84-426E-40dd-AFC4-6F175D3DCCD1}">
-                <a14:hiddenFill xmlns:a14="http://schemas.microsoft.com/office/drawing/2010/main">
+                <a14:hiddenFill xmlns="" xmlns:a14="http://schemas.microsoft.com/office/drawing/2010/main">
                   <a:solidFill>
                     <a:srgbClr val="FFFFFF"/>
                   </a:solidFill>
                 </a14:hiddenFill>
               </a:ext>
               <a:ext uri="{91240B29-F687-4f45-9708-019B960494DF}">
-                <a14:hiddenLine xmlns:a14="http://schemas.microsoft.com/office/drawing/2010/main" w="9525">
+                <a14:hiddenLine xmlns="" xmlns:a14="http://schemas.microsoft.com/office/drawing/2010/main" w="9525">
                   <a:solidFill>
                     <a:srgbClr val="000000"/>
                   </a:solidFill>
@@ -7249,14 +7254,14 @@
             </a:ln>
             <a:extLst>
               <a:ext uri="{909E8E84-426E-40dd-AFC4-6F175D3DCCD1}">
-                <a14:hiddenFill xmlns:a14="http://schemas.microsoft.com/office/drawing/2010/main">
+                <a14:hiddenFill xmlns="" xmlns:a14="http://schemas.microsoft.com/office/drawing/2010/main">
                   <a:solidFill>
                     <a:srgbClr val="FFFFFF"/>
                   </a:solidFill>
                 </a14:hiddenFill>
               </a:ext>
               <a:ext uri="{91240B29-F687-4f45-9708-019B960494DF}">
-                <a14:hiddenLine xmlns:a14="http://schemas.microsoft.com/office/drawing/2010/main" w="9525">
+                <a14:hiddenLine xmlns="" xmlns:a14="http://schemas.microsoft.com/office/drawing/2010/main" w="9525">
                   <a:solidFill>
                     <a:srgbClr val="000000"/>
                   </a:solidFill>
@@ -7758,14 +7763,14 @@
             </a:ln>
             <a:extLst>
               <a:ext uri="{909E8E84-426E-40dd-AFC4-6F175D3DCCD1}">
-                <a14:hiddenFill xmlns:a14="http://schemas.microsoft.com/office/drawing/2010/main">
+                <a14:hiddenFill xmlns="" xmlns:a14="http://schemas.microsoft.com/office/drawing/2010/main">
                   <a:solidFill>
                     <a:srgbClr val="FFFFFF"/>
                   </a:solidFill>
                 </a14:hiddenFill>
               </a:ext>
               <a:ext uri="{91240B29-F687-4f45-9708-019B960494DF}">
-                <a14:hiddenLine xmlns:a14="http://schemas.microsoft.com/office/drawing/2010/main" w="9525">
+                <a14:hiddenLine xmlns="" xmlns:a14="http://schemas.microsoft.com/office/drawing/2010/main" w="9525">
                   <a:solidFill>
                     <a:srgbClr val="000000"/>
                   </a:solidFill>
@@ -7995,7 +8000,7 @@
   </mc:AlternateContent>
   <p:extLst mod="1">
     <p:ext uri="{DCECCB84-F9BA-43D5-87BE-67443E8EF086}">
-      <p15:sldGuideLst xmlns:p15="http://schemas.microsoft.com/office/powerpoint/2012/main" xmlns="">
+      <p15:sldGuideLst xmlns:p15="http://schemas.microsoft.com/office/powerpoint/2012/main">
         <p15:guide id="1" pos="4000">
           <p15:clr>
             <a:srgbClr val="FBAE40"/>
@@ -8221,7 +8226,7 @@
   <p:timing>
     <p:tnLst>
       <p:par>
-        <p:cTn xmlns:p14="http://schemas.microsoft.com/office/powerpoint/2010/main" id="1" dur="indefinite" restart="never" nodeType="tmRoot"/>
+        <p:cTn id="1" dur="indefinite" restart="never" nodeType="tmRoot"/>
       </p:par>
     </p:tnLst>
   </p:timing>
@@ -8288,14 +8293,14 @@
           </a:ln>
           <a:extLst>
             <a:ext uri="{909E8E84-426E-40dd-AFC4-6F175D3DCCD1}">
-              <a14:hiddenFill xmlns:a14="http://schemas.microsoft.com/office/drawing/2010/main">
+              <a14:hiddenFill xmlns="" xmlns:a14="http://schemas.microsoft.com/office/drawing/2010/main">
                 <a:solidFill>
                   <a:srgbClr val="FFFFFF"/>
                 </a:solidFill>
               </a14:hiddenFill>
             </a:ext>
             <a:ext uri="{91240B29-F687-4f45-9708-019B960494DF}">
-              <a14:hiddenLine xmlns:a14="http://schemas.microsoft.com/office/drawing/2010/main" w="9525">
+              <a14:hiddenLine xmlns="" xmlns:a14="http://schemas.microsoft.com/office/drawing/2010/main" w="9525">
                 <a:solidFill>
                   <a:srgbClr val="000000"/>
                 </a:solidFill>
@@ -8346,14 +8351,14 @@
           </a:ln>
           <a:extLst>
             <a:ext uri="{909E8E84-426E-40dd-AFC4-6F175D3DCCD1}">
-              <a14:hiddenFill xmlns:a14="http://schemas.microsoft.com/office/drawing/2010/main">
+              <a14:hiddenFill xmlns="" xmlns:a14="http://schemas.microsoft.com/office/drawing/2010/main">
                 <a:solidFill>
                   <a:srgbClr val="FFFFFF"/>
                 </a:solidFill>
               </a14:hiddenFill>
             </a:ext>
             <a:ext uri="{91240B29-F687-4f45-9708-019B960494DF}">
-              <a14:hiddenLine xmlns:a14="http://schemas.microsoft.com/office/drawing/2010/main" w="9525">
+              <a14:hiddenLine xmlns="" xmlns:a14="http://schemas.microsoft.com/office/drawing/2010/main" w="9525">
                 <a:solidFill>
                   <a:srgbClr val="000000"/>
                 </a:solidFill>
@@ -8430,14 +8435,14 @@
           </a:ln>
           <a:extLst>
             <a:ext uri="{909E8E84-426E-40dd-AFC4-6F175D3DCCD1}">
-              <a14:hiddenFill xmlns:a14="http://schemas.microsoft.com/office/drawing/2010/main">
+              <a14:hiddenFill xmlns="" xmlns:a14="http://schemas.microsoft.com/office/drawing/2010/main">
                 <a:solidFill>
                   <a:srgbClr val="FFFFFF"/>
                 </a:solidFill>
               </a14:hiddenFill>
             </a:ext>
             <a:ext uri="{91240B29-F687-4f45-9708-019B960494DF}">
-              <a14:hiddenLine xmlns:a14="http://schemas.microsoft.com/office/drawing/2010/main" w="9525">
+              <a14:hiddenLine xmlns="" xmlns:a14="http://schemas.microsoft.com/office/drawing/2010/main" w="9525">
                 <a:solidFill>
                   <a:srgbClr val="000000"/>
                 </a:solidFill>
@@ -8566,7 +8571,7 @@
   <p:timing>
     <p:tnLst>
       <p:par>
-        <p:cTn xmlns:p14="http://schemas.microsoft.com/office/powerpoint/2010/main" id="1" dur="indefinite" restart="never" nodeType="tmRoot"/>
+        <p:cTn id="1" dur="indefinite" restart="never" nodeType="tmRoot"/>
       </p:par>
     </p:tnLst>
   </p:timing>
@@ -9257,6 +9262,3091 @@
 </p:sld>
 </file>
 
+<file path=ppt/slides/slide11.xml><?xml version="1.0" encoding="utf-8"?>
+<p:sld xmlns:a="http://schemas.openxmlformats.org/drawingml/2006/main" xmlns:r="http://schemas.openxmlformats.org/officeDocument/2006/relationships" xmlns:p="http://schemas.openxmlformats.org/presentationml/2006/main">
+  <p:cSld>
+    <p:spTree>
+      <p:nvGrpSpPr>
+        <p:cNvPr id="1" name=""/>
+        <p:cNvGrpSpPr/>
+        <p:nvPr/>
+      </p:nvGrpSpPr>
+      <p:grpSpPr>
+        <a:xfrm>
+          <a:off x="0" y="0"/>
+          <a:ext cx="0" cy="0"/>
+          <a:chOff x="0" y="0"/>
+          <a:chExt cx="0" cy="0"/>
+        </a:xfrm>
+      </p:grpSpPr>
+      <p:sp>
+        <p:nvSpPr>
+          <p:cNvPr id="5" name="Title 4"/>
+          <p:cNvSpPr>
+            <a:spLocks noGrp="1"/>
+          </p:cNvSpPr>
+          <p:nvPr>
+            <p:ph type="title"/>
+          </p:nvPr>
+        </p:nvSpPr>
+        <p:spPr/>
+        <p:txBody>
+          <a:bodyPr/>
+          <a:lstStyle/>
+          <a:p>
+            <a:r>
+              <a:rPr lang="en-US" dirty="0" smtClean="0"/>
+              <a:t> Beer Recommendation - </a:t>
+            </a:r>
+            <a:r>
+              <a:rPr lang="en-US" dirty="0"/>
+              <a:t>Data </a:t>
+            </a:r>
+            <a:r>
+              <a:rPr lang="en-US" dirty="0" smtClean="0"/>
+              <a:t>Gathering</a:t>
+            </a:r>
+            <a:endParaRPr lang="en-US" dirty="0"/>
+          </a:p>
+        </p:txBody>
+      </p:sp>
+      <p:pic>
+        <p:nvPicPr>
+          <p:cNvPr id="7" name="Picture 6"/>
+          <p:cNvPicPr>
+            <a:picLocks noChangeAspect="1"/>
+          </p:cNvPicPr>
+          <p:nvPr/>
+        </p:nvPicPr>
+        <p:blipFill>
+          <a:blip r:embed="rId2"/>
+          <a:stretch>
+            <a:fillRect/>
+          </a:stretch>
+        </p:blipFill>
+        <p:spPr>
+          <a:xfrm>
+            <a:off x="3247103" y="950170"/>
+            <a:ext cx="2415918" cy="1100250"/>
+          </a:xfrm>
+          <a:prstGeom prst="rect">
+            <a:avLst/>
+          </a:prstGeom>
+        </p:spPr>
+      </p:pic>
+      <p:grpSp>
+        <p:nvGrpSpPr>
+          <p:cNvPr id="8" name="Group 7"/>
+          <p:cNvGrpSpPr/>
+          <p:nvPr/>
+        </p:nvGrpSpPr>
+        <p:grpSpPr>
+          <a:xfrm>
+            <a:off x="4611677" y="2515343"/>
+            <a:ext cx="1000189" cy="911705"/>
+            <a:chOff x="5521091" y="2016569"/>
+            <a:chExt cx="1000189" cy="911705"/>
+          </a:xfrm>
+        </p:grpSpPr>
+        <p:pic>
+          <p:nvPicPr>
+            <p:cNvPr id="9" name="Picture 8"/>
+            <p:cNvPicPr>
+              <a:picLocks noChangeAspect="1"/>
+            </p:cNvPicPr>
+            <p:nvPr/>
+          </p:nvPicPr>
+          <p:blipFill>
+            <a:blip r:embed="rId3"/>
+            <a:stretch>
+              <a:fillRect/>
+            </a:stretch>
+          </p:blipFill>
+          <p:spPr>
+            <a:xfrm>
+              <a:off x="5815452" y="2016569"/>
+              <a:ext cx="705828" cy="660775"/>
+            </a:xfrm>
+            <a:prstGeom prst="rect">
+              <a:avLst/>
+            </a:prstGeom>
+          </p:spPr>
+        </p:pic>
+        <p:pic>
+          <p:nvPicPr>
+            <p:cNvPr id="10" name="Picture 9"/>
+            <p:cNvPicPr>
+              <a:picLocks noChangeAspect="1"/>
+            </p:cNvPicPr>
+            <p:nvPr/>
+          </p:nvPicPr>
+          <p:blipFill>
+            <a:blip r:embed="rId3"/>
+            <a:stretch>
+              <a:fillRect/>
+            </a:stretch>
+          </p:blipFill>
+          <p:spPr>
+            <a:xfrm>
+              <a:off x="5718136" y="2108585"/>
+              <a:ext cx="705828" cy="660775"/>
+            </a:xfrm>
+            <a:prstGeom prst="rect">
+              <a:avLst/>
+            </a:prstGeom>
+          </p:spPr>
+        </p:pic>
+        <p:pic>
+          <p:nvPicPr>
+            <p:cNvPr id="11" name="Picture 10"/>
+            <p:cNvPicPr>
+              <a:picLocks noChangeAspect="1"/>
+            </p:cNvPicPr>
+            <p:nvPr/>
+          </p:nvPicPr>
+          <p:blipFill>
+            <a:blip r:embed="rId3"/>
+            <a:stretch>
+              <a:fillRect/>
+            </a:stretch>
+          </p:blipFill>
+          <p:spPr>
+            <a:xfrm>
+              <a:off x="5615708" y="2181763"/>
+              <a:ext cx="705828" cy="660775"/>
+            </a:xfrm>
+            <a:prstGeom prst="rect">
+              <a:avLst/>
+            </a:prstGeom>
+          </p:spPr>
+        </p:pic>
+        <p:pic>
+          <p:nvPicPr>
+            <p:cNvPr id="12" name="Picture 11"/>
+            <p:cNvPicPr>
+              <a:picLocks noChangeAspect="1"/>
+            </p:cNvPicPr>
+            <p:nvPr/>
+          </p:nvPicPr>
+          <p:blipFill>
+            <a:blip r:embed="rId3"/>
+            <a:stretch>
+              <a:fillRect/>
+            </a:stretch>
+          </p:blipFill>
+          <p:spPr>
+            <a:xfrm>
+              <a:off x="5521091" y="2267499"/>
+              <a:ext cx="705828" cy="660775"/>
+            </a:xfrm>
+            <a:prstGeom prst="rect">
+              <a:avLst/>
+            </a:prstGeom>
+          </p:spPr>
+        </p:pic>
+      </p:grpSp>
+      <p:sp>
+        <p:nvSpPr>
+          <p:cNvPr id="13" name="Content Placeholder 39"/>
+          <p:cNvSpPr txBox="1">
+            <a:spLocks/>
+          </p:cNvSpPr>
+          <p:nvPr/>
+        </p:nvSpPr>
+        <p:spPr bwMode="auto">
+          <a:xfrm>
+            <a:off x="5987850" y="1765704"/>
+            <a:ext cx="2979792" cy="1243111"/>
+          </a:xfrm>
+          <a:prstGeom prst="rect">
+            <a:avLst/>
+          </a:prstGeom>
+          <a:noFill/>
+          <a:ln>
+            <a:noFill/>
+          </a:ln>
+          <a:extLst>
+            <a:ext uri="{909E8E84-426E-40dd-AFC4-6F175D3DCCD1}">
+              <a14:hiddenFill xmlns="" xmlns:a14="http://schemas.microsoft.com/office/drawing/2010/main">
+                <a:solidFill>
+                  <a:srgbClr val="FFFFFF"/>
+                </a:solidFill>
+              </a14:hiddenFill>
+            </a:ext>
+            <a:ext uri="{91240B29-F687-4f45-9708-019B960494DF}">
+              <a14:hiddenLine xmlns="" xmlns:a14="http://schemas.microsoft.com/office/drawing/2010/main" w="9525">
+                <a:solidFill>
+                  <a:srgbClr val="000000"/>
+                </a:solidFill>
+                <a:miter lim="800000"/>
+                <a:headEnd/>
+                <a:tailEnd/>
+              </a14:hiddenLine>
+            </a:ext>
+          </a:extLst>
+        </p:spPr>
+        <p:txBody>
+          <a:bodyPr vert="horz" wrap="square" lIns="91440" tIns="45720" rIns="91440" bIns="45720" numCol="1" anchor="t" anchorCtr="0" compatLnSpc="1">
+            <a:prstTxWarp prst="textNoShape">
+              <a:avLst/>
+            </a:prstTxWarp>
+            <a:normAutofit fontScale="92500"/>
+          </a:bodyPr>
+          <a:lstStyle>
+            <a:lvl1pPr marL="130969" indent="-130969" algn="l" defTabSz="385763" rtl="0" eaLnBrk="0" fontAlgn="base" hangingPunct="0">
+              <a:lnSpc>
+                <a:spcPct val="90000"/>
+              </a:lnSpc>
+              <a:spcBef>
+                <a:spcPts val="0"/>
+              </a:spcBef>
+              <a:spcAft>
+                <a:spcPts val="675"/>
+              </a:spcAft>
+              <a:buClr>
+                <a:schemeClr val="bg1">
+                  <a:lumMod val="85000"/>
+                </a:schemeClr>
+              </a:buClr>
+              <a:buFont typeface="Arial" panose="020B0604020202020204" pitchFamily="34" charset="0"/>
+              <a:buChar char="•"/>
+              <a:defRPr sz="2400" kern="1200">
+                <a:solidFill>
+                  <a:schemeClr val="bg1"/>
+                </a:solidFill>
+                <a:latin typeface="+mn-lt"/>
+                <a:ea typeface="+mn-ea"/>
+                <a:cs typeface="+mn-cs"/>
+              </a:defRPr>
+            </a:lvl1pPr>
+            <a:lvl2pPr marL="289322" indent="-96441" algn="l" defTabSz="385763" rtl="0" eaLnBrk="0" fontAlgn="base" hangingPunct="0">
+              <a:lnSpc>
+                <a:spcPct val="90000"/>
+              </a:lnSpc>
+              <a:spcBef>
+                <a:spcPts val="0"/>
+              </a:spcBef>
+              <a:spcAft>
+                <a:spcPts val="675"/>
+              </a:spcAft>
+              <a:buClr>
+                <a:schemeClr val="bg1">
+                  <a:lumMod val="85000"/>
+                </a:schemeClr>
+              </a:buClr>
+              <a:buFont typeface="Arial" panose="020B0604020202020204" pitchFamily="34" charset="0"/>
+              <a:buChar char="•"/>
+              <a:defRPr sz="1800" kern="1200">
+                <a:solidFill>
+                  <a:schemeClr val="bg1"/>
+                </a:solidFill>
+                <a:latin typeface="+mn-lt"/>
+                <a:ea typeface="+mn-ea"/>
+                <a:cs typeface="+mn-cs"/>
+              </a:defRPr>
+            </a:lvl2pPr>
+            <a:lvl3pPr marL="482204" indent="-96441" algn="l" defTabSz="385763" rtl="0" eaLnBrk="0" fontAlgn="base" hangingPunct="0">
+              <a:lnSpc>
+                <a:spcPct val="90000"/>
+              </a:lnSpc>
+              <a:spcBef>
+                <a:spcPts val="0"/>
+              </a:spcBef>
+              <a:spcAft>
+                <a:spcPts val="675"/>
+              </a:spcAft>
+              <a:buClr>
+                <a:schemeClr val="bg1">
+                  <a:lumMod val="85000"/>
+                </a:schemeClr>
+              </a:buClr>
+              <a:buFont typeface="Arial" panose="020B0604020202020204" pitchFamily="34" charset="0"/>
+              <a:buChar char="•"/>
+              <a:defRPr sz="1200" kern="1200">
+                <a:solidFill>
+                  <a:schemeClr val="bg1"/>
+                </a:solidFill>
+                <a:latin typeface="+mn-lt"/>
+                <a:ea typeface="+mn-ea"/>
+                <a:cs typeface="+mn-cs"/>
+              </a:defRPr>
+            </a:lvl3pPr>
+            <a:lvl4pPr marL="675085" indent="-96441" algn="l" defTabSz="385763" rtl="0" eaLnBrk="0" fontAlgn="base" hangingPunct="0">
+              <a:lnSpc>
+                <a:spcPct val="90000"/>
+              </a:lnSpc>
+              <a:spcBef>
+                <a:spcPts val="0"/>
+              </a:spcBef>
+              <a:spcAft>
+                <a:spcPts val="675"/>
+              </a:spcAft>
+              <a:buClr>
+                <a:schemeClr val="bg1">
+                  <a:lumMod val="85000"/>
+                </a:schemeClr>
+              </a:buClr>
+              <a:buFont typeface="Arial" panose="020B0604020202020204" pitchFamily="34" charset="0"/>
+              <a:buChar char="•"/>
+              <a:defRPr sz="1200" kern="1200">
+                <a:solidFill>
+                  <a:schemeClr val="bg1"/>
+                </a:solidFill>
+                <a:latin typeface="+mn-lt"/>
+                <a:ea typeface="+mn-ea"/>
+                <a:cs typeface="+mn-cs"/>
+              </a:defRPr>
+            </a:lvl4pPr>
+            <a:lvl5pPr marL="867966" indent="-96441" algn="l" defTabSz="385763" rtl="0" eaLnBrk="0" fontAlgn="base" hangingPunct="0">
+              <a:lnSpc>
+                <a:spcPct val="90000"/>
+              </a:lnSpc>
+              <a:spcBef>
+                <a:spcPts val="0"/>
+              </a:spcBef>
+              <a:spcAft>
+                <a:spcPts val="675"/>
+              </a:spcAft>
+              <a:buClr>
+                <a:schemeClr val="bg1">
+                  <a:lumMod val="85000"/>
+                </a:schemeClr>
+              </a:buClr>
+              <a:buFont typeface="Arial" panose="020B0604020202020204" pitchFamily="34" charset="0"/>
+              <a:buChar char="•"/>
+              <a:defRPr sz="1200" kern="1200">
+                <a:solidFill>
+                  <a:schemeClr val="bg1"/>
+                </a:solidFill>
+                <a:latin typeface="+mn-lt"/>
+                <a:ea typeface="+mn-ea"/>
+                <a:cs typeface="+mn-cs"/>
+              </a:defRPr>
+            </a:lvl5pPr>
+            <a:lvl6pPr marL="1060847" indent="-96441" algn="l" defTabSz="385763" rtl="0" eaLnBrk="1" latinLnBrk="0" hangingPunct="1">
+              <a:lnSpc>
+                <a:spcPct val="90000"/>
+              </a:lnSpc>
+              <a:spcBef>
+                <a:spcPts val="211"/>
+              </a:spcBef>
+              <a:buFont typeface="Arial" panose="020B0604020202020204" pitchFamily="34" charset="0"/>
+              <a:buChar char="•"/>
+              <a:defRPr sz="760" kern="1200">
+                <a:solidFill>
+                  <a:schemeClr val="tx1"/>
+                </a:solidFill>
+                <a:latin typeface="+mn-lt"/>
+                <a:ea typeface="+mn-ea"/>
+                <a:cs typeface="+mn-cs"/>
+              </a:defRPr>
+            </a:lvl6pPr>
+            <a:lvl7pPr marL="1253729" indent="-96441" algn="l" defTabSz="385763" rtl="0" eaLnBrk="1" latinLnBrk="0" hangingPunct="1">
+              <a:lnSpc>
+                <a:spcPct val="90000"/>
+              </a:lnSpc>
+              <a:spcBef>
+                <a:spcPts val="211"/>
+              </a:spcBef>
+              <a:buFont typeface="Arial" panose="020B0604020202020204" pitchFamily="34" charset="0"/>
+              <a:buChar char="•"/>
+              <a:defRPr sz="760" kern="1200">
+                <a:solidFill>
+                  <a:schemeClr val="tx1"/>
+                </a:solidFill>
+                <a:latin typeface="+mn-lt"/>
+                <a:ea typeface="+mn-ea"/>
+                <a:cs typeface="+mn-cs"/>
+              </a:defRPr>
+            </a:lvl7pPr>
+            <a:lvl8pPr marL="1446610" indent="-96441" algn="l" defTabSz="385763" rtl="0" eaLnBrk="1" latinLnBrk="0" hangingPunct="1">
+              <a:lnSpc>
+                <a:spcPct val="90000"/>
+              </a:lnSpc>
+              <a:spcBef>
+                <a:spcPts val="211"/>
+              </a:spcBef>
+              <a:buFont typeface="Arial" panose="020B0604020202020204" pitchFamily="34" charset="0"/>
+              <a:buChar char="•"/>
+              <a:defRPr sz="760" kern="1200">
+                <a:solidFill>
+                  <a:schemeClr val="tx1"/>
+                </a:solidFill>
+                <a:latin typeface="+mn-lt"/>
+                <a:ea typeface="+mn-ea"/>
+                <a:cs typeface="+mn-cs"/>
+              </a:defRPr>
+            </a:lvl8pPr>
+            <a:lvl9pPr marL="1639491" indent="-96441" algn="l" defTabSz="385763" rtl="0" eaLnBrk="1" latinLnBrk="0" hangingPunct="1">
+              <a:lnSpc>
+                <a:spcPct val="90000"/>
+              </a:lnSpc>
+              <a:spcBef>
+                <a:spcPts val="211"/>
+              </a:spcBef>
+              <a:buFont typeface="Arial" panose="020B0604020202020204" pitchFamily="34" charset="0"/>
+              <a:buChar char="•"/>
+              <a:defRPr sz="760" kern="1200">
+                <a:solidFill>
+                  <a:schemeClr val="tx1"/>
+                </a:solidFill>
+                <a:latin typeface="+mn-lt"/>
+                <a:ea typeface="+mn-ea"/>
+                <a:cs typeface="+mn-cs"/>
+              </a:defRPr>
+            </a:lvl9pPr>
+          </a:lstStyle>
+          <a:p>
+            <a:r>
+              <a:rPr lang="en-US" sz="1100" dirty="0" smtClean="0"/>
+              <a:t>5 Users, 300+ check-ins, 1500 observations</a:t>
+            </a:r>
+          </a:p>
+          <a:p>
+            <a:r>
+              <a:rPr lang="en-US" sz="1100" dirty="0" smtClean="0"/>
+              <a:t>1100 beer details</a:t>
+            </a:r>
+          </a:p>
+          <a:p>
+            <a:r>
+              <a:rPr lang="en-US" sz="1100" dirty="0" smtClean="0"/>
+              <a:t>rvest &amp; Rselenium packages, CSS Selector</a:t>
+            </a:r>
+          </a:p>
+          <a:p>
+            <a:r>
+              <a:rPr lang="en-US" sz="1100" dirty="0" smtClean="0"/>
+              <a:t>Tricky show more logic </a:t>
+            </a:r>
+          </a:p>
+          <a:p>
+            <a:r>
+              <a:rPr lang="en-US" sz="1100" dirty="0" smtClean="0"/>
+              <a:t>HTML parse -&gt; data frame -&gt; CSV files</a:t>
+            </a:r>
+            <a:endParaRPr lang="en-US" sz="1100" dirty="0"/>
+          </a:p>
+        </p:txBody>
+      </p:sp>
+      <p:sp>
+        <p:nvSpPr>
+          <p:cNvPr id="14" name="Content Placeholder 39"/>
+          <p:cNvSpPr txBox="1">
+            <a:spLocks/>
+          </p:cNvSpPr>
+          <p:nvPr/>
+        </p:nvSpPr>
+        <p:spPr bwMode="auto">
+          <a:xfrm>
+            <a:off x="5987850" y="3066249"/>
+            <a:ext cx="2979792" cy="550125"/>
+          </a:xfrm>
+          <a:prstGeom prst="rect">
+            <a:avLst/>
+          </a:prstGeom>
+          <a:noFill/>
+          <a:ln>
+            <a:noFill/>
+          </a:ln>
+          <a:extLst>
+            <a:ext uri="{909E8E84-426E-40dd-AFC4-6F175D3DCCD1}">
+              <a14:hiddenFill xmlns="" xmlns:a14="http://schemas.microsoft.com/office/drawing/2010/main">
+                <a:solidFill>
+                  <a:srgbClr val="FFFFFF"/>
+                </a:solidFill>
+              </a14:hiddenFill>
+            </a:ext>
+            <a:ext uri="{91240B29-F687-4f45-9708-019B960494DF}">
+              <a14:hiddenLine xmlns="" xmlns:a14="http://schemas.microsoft.com/office/drawing/2010/main" w="9525">
+                <a:solidFill>
+                  <a:srgbClr val="000000"/>
+                </a:solidFill>
+                <a:miter lim="800000"/>
+                <a:headEnd/>
+                <a:tailEnd/>
+              </a14:hiddenLine>
+            </a:ext>
+          </a:extLst>
+        </p:spPr>
+        <p:txBody>
+          <a:bodyPr vert="horz" wrap="square" lIns="91440" tIns="45720" rIns="91440" bIns="45720" numCol="1" anchor="t" anchorCtr="0" compatLnSpc="1">
+            <a:prstTxWarp prst="textNoShape">
+              <a:avLst/>
+            </a:prstTxWarp>
+            <a:normAutofit/>
+          </a:bodyPr>
+          <a:lstStyle>
+            <a:lvl1pPr marL="130969" indent="-130969" algn="l" defTabSz="385763" rtl="0" eaLnBrk="0" fontAlgn="base" hangingPunct="0">
+              <a:lnSpc>
+                <a:spcPct val="90000"/>
+              </a:lnSpc>
+              <a:spcBef>
+                <a:spcPts val="0"/>
+              </a:spcBef>
+              <a:spcAft>
+                <a:spcPts val="675"/>
+              </a:spcAft>
+              <a:buClr>
+                <a:schemeClr val="bg1">
+                  <a:lumMod val="85000"/>
+                </a:schemeClr>
+              </a:buClr>
+              <a:buFont typeface="Arial" panose="020B0604020202020204" pitchFamily="34" charset="0"/>
+              <a:buChar char="•"/>
+              <a:defRPr sz="2400" kern="1200">
+                <a:solidFill>
+                  <a:schemeClr val="bg1"/>
+                </a:solidFill>
+                <a:latin typeface="+mn-lt"/>
+                <a:ea typeface="+mn-ea"/>
+                <a:cs typeface="+mn-cs"/>
+              </a:defRPr>
+            </a:lvl1pPr>
+            <a:lvl2pPr marL="289322" indent="-96441" algn="l" defTabSz="385763" rtl="0" eaLnBrk="0" fontAlgn="base" hangingPunct="0">
+              <a:lnSpc>
+                <a:spcPct val="90000"/>
+              </a:lnSpc>
+              <a:spcBef>
+                <a:spcPts val="0"/>
+              </a:spcBef>
+              <a:spcAft>
+                <a:spcPts val="675"/>
+              </a:spcAft>
+              <a:buClr>
+                <a:schemeClr val="bg1">
+                  <a:lumMod val="85000"/>
+                </a:schemeClr>
+              </a:buClr>
+              <a:buFont typeface="Arial" panose="020B0604020202020204" pitchFamily="34" charset="0"/>
+              <a:buChar char="•"/>
+              <a:defRPr sz="1800" kern="1200">
+                <a:solidFill>
+                  <a:schemeClr val="bg1"/>
+                </a:solidFill>
+                <a:latin typeface="+mn-lt"/>
+                <a:ea typeface="+mn-ea"/>
+                <a:cs typeface="+mn-cs"/>
+              </a:defRPr>
+            </a:lvl2pPr>
+            <a:lvl3pPr marL="482204" indent="-96441" algn="l" defTabSz="385763" rtl="0" eaLnBrk="0" fontAlgn="base" hangingPunct="0">
+              <a:lnSpc>
+                <a:spcPct val="90000"/>
+              </a:lnSpc>
+              <a:spcBef>
+                <a:spcPts val="0"/>
+              </a:spcBef>
+              <a:spcAft>
+                <a:spcPts val="675"/>
+              </a:spcAft>
+              <a:buClr>
+                <a:schemeClr val="bg1">
+                  <a:lumMod val="85000"/>
+                </a:schemeClr>
+              </a:buClr>
+              <a:buFont typeface="Arial" panose="020B0604020202020204" pitchFamily="34" charset="0"/>
+              <a:buChar char="•"/>
+              <a:defRPr sz="1200" kern="1200">
+                <a:solidFill>
+                  <a:schemeClr val="bg1"/>
+                </a:solidFill>
+                <a:latin typeface="+mn-lt"/>
+                <a:ea typeface="+mn-ea"/>
+                <a:cs typeface="+mn-cs"/>
+              </a:defRPr>
+            </a:lvl3pPr>
+            <a:lvl4pPr marL="675085" indent="-96441" algn="l" defTabSz="385763" rtl="0" eaLnBrk="0" fontAlgn="base" hangingPunct="0">
+              <a:lnSpc>
+                <a:spcPct val="90000"/>
+              </a:lnSpc>
+              <a:spcBef>
+                <a:spcPts val="0"/>
+              </a:spcBef>
+              <a:spcAft>
+                <a:spcPts val="675"/>
+              </a:spcAft>
+              <a:buClr>
+                <a:schemeClr val="bg1">
+                  <a:lumMod val="85000"/>
+                </a:schemeClr>
+              </a:buClr>
+              <a:buFont typeface="Arial" panose="020B0604020202020204" pitchFamily="34" charset="0"/>
+              <a:buChar char="•"/>
+              <a:defRPr sz="1200" kern="1200">
+                <a:solidFill>
+                  <a:schemeClr val="bg1"/>
+                </a:solidFill>
+                <a:latin typeface="+mn-lt"/>
+                <a:ea typeface="+mn-ea"/>
+                <a:cs typeface="+mn-cs"/>
+              </a:defRPr>
+            </a:lvl4pPr>
+            <a:lvl5pPr marL="867966" indent="-96441" algn="l" defTabSz="385763" rtl="0" eaLnBrk="0" fontAlgn="base" hangingPunct="0">
+              <a:lnSpc>
+                <a:spcPct val="90000"/>
+              </a:lnSpc>
+              <a:spcBef>
+                <a:spcPts val="0"/>
+              </a:spcBef>
+              <a:spcAft>
+                <a:spcPts val="675"/>
+              </a:spcAft>
+              <a:buClr>
+                <a:schemeClr val="bg1">
+                  <a:lumMod val="85000"/>
+                </a:schemeClr>
+              </a:buClr>
+              <a:buFont typeface="Arial" panose="020B0604020202020204" pitchFamily="34" charset="0"/>
+              <a:buChar char="•"/>
+              <a:defRPr sz="1200" kern="1200">
+                <a:solidFill>
+                  <a:schemeClr val="bg1"/>
+                </a:solidFill>
+                <a:latin typeface="+mn-lt"/>
+                <a:ea typeface="+mn-ea"/>
+                <a:cs typeface="+mn-cs"/>
+              </a:defRPr>
+            </a:lvl5pPr>
+            <a:lvl6pPr marL="1060847" indent="-96441" algn="l" defTabSz="385763" rtl="0" eaLnBrk="1" latinLnBrk="0" hangingPunct="1">
+              <a:lnSpc>
+                <a:spcPct val="90000"/>
+              </a:lnSpc>
+              <a:spcBef>
+                <a:spcPts val="211"/>
+              </a:spcBef>
+              <a:buFont typeface="Arial" panose="020B0604020202020204" pitchFamily="34" charset="0"/>
+              <a:buChar char="•"/>
+              <a:defRPr sz="760" kern="1200">
+                <a:solidFill>
+                  <a:schemeClr val="tx1"/>
+                </a:solidFill>
+                <a:latin typeface="+mn-lt"/>
+                <a:ea typeface="+mn-ea"/>
+                <a:cs typeface="+mn-cs"/>
+              </a:defRPr>
+            </a:lvl6pPr>
+            <a:lvl7pPr marL="1253729" indent="-96441" algn="l" defTabSz="385763" rtl="0" eaLnBrk="1" latinLnBrk="0" hangingPunct="1">
+              <a:lnSpc>
+                <a:spcPct val="90000"/>
+              </a:lnSpc>
+              <a:spcBef>
+                <a:spcPts val="211"/>
+              </a:spcBef>
+              <a:buFont typeface="Arial" panose="020B0604020202020204" pitchFamily="34" charset="0"/>
+              <a:buChar char="•"/>
+              <a:defRPr sz="760" kern="1200">
+                <a:solidFill>
+                  <a:schemeClr val="tx1"/>
+                </a:solidFill>
+                <a:latin typeface="+mn-lt"/>
+                <a:ea typeface="+mn-ea"/>
+                <a:cs typeface="+mn-cs"/>
+              </a:defRPr>
+            </a:lvl7pPr>
+            <a:lvl8pPr marL="1446610" indent="-96441" algn="l" defTabSz="385763" rtl="0" eaLnBrk="1" latinLnBrk="0" hangingPunct="1">
+              <a:lnSpc>
+                <a:spcPct val="90000"/>
+              </a:lnSpc>
+              <a:spcBef>
+                <a:spcPts val="211"/>
+              </a:spcBef>
+              <a:buFont typeface="Arial" panose="020B0604020202020204" pitchFamily="34" charset="0"/>
+              <a:buChar char="•"/>
+              <a:defRPr sz="760" kern="1200">
+                <a:solidFill>
+                  <a:schemeClr val="tx1"/>
+                </a:solidFill>
+                <a:latin typeface="+mn-lt"/>
+                <a:ea typeface="+mn-ea"/>
+                <a:cs typeface="+mn-cs"/>
+              </a:defRPr>
+            </a:lvl8pPr>
+            <a:lvl9pPr marL="1639491" indent="-96441" algn="l" defTabSz="385763" rtl="0" eaLnBrk="1" latinLnBrk="0" hangingPunct="1">
+              <a:lnSpc>
+                <a:spcPct val="90000"/>
+              </a:lnSpc>
+              <a:spcBef>
+                <a:spcPts val="211"/>
+              </a:spcBef>
+              <a:buFont typeface="Arial" panose="020B0604020202020204" pitchFamily="34" charset="0"/>
+              <a:buChar char="•"/>
+              <a:defRPr sz="760" kern="1200">
+                <a:solidFill>
+                  <a:schemeClr val="tx1"/>
+                </a:solidFill>
+                <a:latin typeface="+mn-lt"/>
+                <a:ea typeface="+mn-ea"/>
+                <a:cs typeface="+mn-cs"/>
+              </a:defRPr>
+            </a:lvl9pPr>
+          </a:lstStyle>
+          <a:p>
+            <a:r>
+              <a:rPr lang="en-US" sz="1100" smtClean="0">
+                <a:solidFill>
+                  <a:srgbClr val="FFFF00"/>
+                </a:solidFill>
+              </a:rPr>
+              <a:t>IP Black-listed – Intelligent Proxies</a:t>
+            </a:r>
+          </a:p>
+          <a:p>
+            <a:r>
+              <a:rPr lang="en-US" sz="1100" smtClean="0">
+                <a:solidFill>
+                  <a:srgbClr val="FFFF00"/>
+                </a:solidFill>
+              </a:rPr>
+              <a:t>Throttle http calls</a:t>
+            </a:r>
+            <a:endParaRPr lang="en-US" sz="1100" dirty="0">
+              <a:solidFill>
+                <a:srgbClr val="FFFF00"/>
+              </a:solidFill>
+            </a:endParaRPr>
+          </a:p>
+        </p:txBody>
+      </p:sp>
+      <p:grpSp>
+        <p:nvGrpSpPr>
+          <p:cNvPr id="15" name="Group 14"/>
+          <p:cNvGrpSpPr/>
+          <p:nvPr/>
+        </p:nvGrpSpPr>
+        <p:grpSpPr>
+          <a:xfrm>
+            <a:off x="3454873" y="3755970"/>
+            <a:ext cx="1000189" cy="911705"/>
+            <a:chOff x="5521091" y="2016569"/>
+            <a:chExt cx="1000189" cy="911705"/>
+          </a:xfrm>
+        </p:grpSpPr>
+        <p:pic>
+          <p:nvPicPr>
+            <p:cNvPr id="16" name="Picture 15"/>
+            <p:cNvPicPr>
+              <a:picLocks noChangeAspect="1"/>
+            </p:cNvPicPr>
+            <p:nvPr/>
+          </p:nvPicPr>
+          <p:blipFill>
+            <a:blip r:embed="rId3"/>
+            <a:stretch>
+              <a:fillRect/>
+            </a:stretch>
+          </p:blipFill>
+          <p:spPr>
+            <a:xfrm>
+              <a:off x="5815452" y="2016569"/>
+              <a:ext cx="705828" cy="660775"/>
+            </a:xfrm>
+            <a:prstGeom prst="rect">
+              <a:avLst/>
+            </a:prstGeom>
+          </p:spPr>
+        </p:pic>
+        <p:pic>
+          <p:nvPicPr>
+            <p:cNvPr id="17" name="Picture 16"/>
+            <p:cNvPicPr>
+              <a:picLocks noChangeAspect="1"/>
+            </p:cNvPicPr>
+            <p:nvPr/>
+          </p:nvPicPr>
+          <p:blipFill>
+            <a:blip r:embed="rId3"/>
+            <a:stretch>
+              <a:fillRect/>
+            </a:stretch>
+          </p:blipFill>
+          <p:spPr>
+            <a:xfrm>
+              <a:off x="5718136" y="2108585"/>
+              <a:ext cx="705828" cy="660775"/>
+            </a:xfrm>
+            <a:prstGeom prst="rect">
+              <a:avLst/>
+            </a:prstGeom>
+          </p:spPr>
+        </p:pic>
+        <p:pic>
+          <p:nvPicPr>
+            <p:cNvPr id="18" name="Picture 17"/>
+            <p:cNvPicPr>
+              <a:picLocks noChangeAspect="1"/>
+            </p:cNvPicPr>
+            <p:nvPr/>
+          </p:nvPicPr>
+          <p:blipFill>
+            <a:blip r:embed="rId3"/>
+            <a:stretch>
+              <a:fillRect/>
+            </a:stretch>
+          </p:blipFill>
+          <p:spPr>
+            <a:xfrm>
+              <a:off x="5615708" y="2181763"/>
+              <a:ext cx="705828" cy="660775"/>
+            </a:xfrm>
+            <a:prstGeom prst="rect">
+              <a:avLst/>
+            </a:prstGeom>
+          </p:spPr>
+        </p:pic>
+        <p:pic>
+          <p:nvPicPr>
+            <p:cNvPr id="19" name="Picture 18"/>
+            <p:cNvPicPr>
+              <a:picLocks noChangeAspect="1"/>
+            </p:cNvPicPr>
+            <p:nvPr/>
+          </p:nvPicPr>
+          <p:blipFill>
+            <a:blip r:embed="rId3"/>
+            <a:stretch>
+              <a:fillRect/>
+            </a:stretch>
+          </p:blipFill>
+          <p:spPr>
+            <a:xfrm>
+              <a:off x="5521091" y="2267499"/>
+              <a:ext cx="705828" cy="660775"/>
+            </a:xfrm>
+            <a:prstGeom prst="rect">
+              <a:avLst/>
+            </a:prstGeom>
+          </p:spPr>
+        </p:pic>
+      </p:grpSp>
+      <p:cxnSp>
+        <p:nvCxnSpPr>
+          <p:cNvPr id="20" name="Elbow Connector 19"/>
+          <p:cNvCxnSpPr>
+            <a:stCxn id="12" idx="1"/>
+            <a:endCxn id="16" idx="0"/>
+          </p:cNvCxnSpPr>
+          <p:nvPr/>
+        </p:nvCxnSpPr>
+        <p:spPr>
+          <a:xfrm rot="10800000" flipV="1">
+            <a:off x="4102149" y="3096660"/>
+            <a:ext cx="509529" cy="659309"/>
+          </a:xfrm>
+          <a:prstGeom prst="bentConnector2">
+            <a:avLst/>
+          </a:prstGeom>
+          <a:ln w="38100">
+            <a:solidFill>
+              <a:srgbClr val="00B0F0"/>
+            </a:solidFill>
+            <a:tailEnd type="triangle"/>
+          </a:ln>
+        </p:spPr>
+        <p:style>
+          <a:lnRef idx="1">
+            <a:schemeClr val="accent1"/>
+          </a:lnRef>
+          <a:fillRef idx="0">
+            <a:schemeClr val="accent1"/>
+          </a:fillRef>
+          <a:effectRef idx="0">
+            <a:schemeClr val="accent1"/>
+          </a:effectRef>
+          <a:fontRef idx="minor">
+            <a:schemeClr val="tx1"/>
+          </a:fontRef>
+        </p:style>
+      </p:cxnSp>
+      <p:sp>
+        <p:nvSpPr>
+          <p:cNvPr id="21" name="TextBox 20"/>
+          <p:cNvSpPr txBox="1"/>
+          <p:nvPr/>
+        </p:nvSpPr>
+        <p:spPr>
+          <a:xfrm>
+            <a:off x="171450" y="4705350"/>
+            <a:ext cx="2589170" cy="300082"/>
+          </a:xfrm>
+          <a:prstGeom prst="rect">
+            <a:avLst/>
+          </a:prstGeom>
+          <a:noFill/>
+        </p:spPr>
+        <p:txBody>
+          <a:bodyPr wrap="none" rtlCol="0">
+            <a:spAutoFit/>
+          </a:bodyPr>
+          <a:lstStyle/>
+          <a:p>
+            <a:r>
+              <a:rPr lang="en-US" i="1" dirty="0" smtClean="0">
+                <a:solidFill>
+                  <a:schemeClr val="bg1"/>
+                </a:solidFill>
+              </a:rPr>
+              <a:t>Source</a:t>
+            </a:r>
+            <a:r>
+              <a:rPr lang="en-US" i="1" dirty="0">
+                <a:solidFill>
+                  <a:schemeClr val="bg1"/>
+                </a:solidFill>
+              </a:rPr>
+              <a:t>: </a:t>
+            </a:r>
+            <a:r>
+              <a:rPr lang="en-US" i="1" dirty="0">
+                <a:solidFill>
+                  <a:schemeClr val="bg1"/>
+                </a:solidFill>
+              </a:rPr>
+              <a:t>https://untappd.com/</a:t>
+            </a:r>
+            <a:endParaRPr lang="en-US" i="1" dirty="0">
+              <a:solidFill>
+                <a:schemeClr val="bg1"/>
+              </a:solidFill>
+            </a:endParaRPr>
+          </a:p>
+        </p:txBody>
+      </p:sp>
+      <p:cxnSp>
+        <p:nvCxnSpPr>
+          <p:cNvPr id="22" name="Elbow Connector 21"/>
+          <p:cNvCxnSpPr/>
+          <p:nvPr/>
+        </p:nvCxnSpPr>
+        <p:spPr>
+          <a:xfrm flipH="1">
+            <a:off x="5611866" y="1500295"/>
+            <a:ext cx="51155" cy="1345436"/>
+          </a:xfrm>
+          <a:prstGeom prst="bentConnector3">
+            <a:avLst>
+              <a:gd name="adj1" fmla="val -446877"/>
+            </a:avLst>
+          </a:prstGeom>
+          <a:ln w="38100">
+            <a:solidFill>
+              <a:srgbClr val="00B0F0"/>
+            </a:solidFill>
+            <a:tailEnd type="triangle"/>
+          </a:ln>
+        </p:spPr>
+        <p:style>
+          <a:lnRef idx="1">
+            <a:schemeClr val="accent1"/>
+          </a:lnRef>
+          <a:fillRef idx="0">
+            <a:schemeClr val="accent1"/>
+          </a:fillRef>
+          <a:effectRef idx="0">
+            <a:schemeClr val="accent1"/>
+          </a:effectRef>
+          <a:fontRef idx="minor">
+            <a:schemeClr val="tx1"/>
+          </a:fontRef>
+        </p:style>
+      </p:cxnSp>
+      <p:sp>
+        <p:nvSpPr>
+          <p:cNvPr id="23" name="TextBox 22"/>
+          <p:cNvSpPr txBox="1"/>
+          <p:nvPr/>
+        </p:nvSpPr>
+        <p:spPr>
+          <a:xfrm>
+            <a:off x="4907788" y="2107015"/>
+            <a:ext cx="1032655" cy="253916"/>
+          </a:xfrm>
+          <a:prstGeom prst="rect">
+            <a:avLst/>
+          </a:prstGeom>
+          <a:noFill/>
+        </p:spPr>
+        <p:txBody>
+          <a:bodyPr wrap="none" rtlCol="0">
+            <a:spAutoFit/>
+          </a:bodyPr>
+          <a:lstStyle/>
+          <a:p>
+            <a:r>
+              <a:rPr lang="en-US" sz="1050" b="1" dirty="0" smtClean="0">
+                <a:solidFill>
+                  <a:schemeClr val="bg1"/>
+                </a:solidFill>
+              </a:rPr>
+              <a:t>Web Scraping</a:t>
+            </a:r>
+            <a:endParaRPr lang="en-US" sz="1050" b="1" dirty="0">
+              <a:solidFill>
+                <a:schemeClr val="bg1"/>
+              </a:solidFill>
+            </a:endParaRPr>
+          </a:p>
+        </p:txBody>
+      </p:sp>
+      <p:sp>
+        <p:nvSpPr>
+          <p:cNvPr id="27" name="Content Placeholder 39"/>
+          <p:cNvSpPr txBox="1">
+            <a:spLocks/>
+          </p:cNvSpPr>
+          <p:nvPr/>
+        </p:nvSpPr>
+        <p:spPr bwMode="auto">
+          <a:xfrm>
+            <a:off x="1900958" y="4071189"/>
+            <a:ext cx="1537977" cy="467046"/>
+          </a:xfrm>
+          <a:prstGeom prst="rect">
+            <a:avLst/>
+          </a:prstGeom>
+          <a:noFill/>
+          <a:ln>
+            <a:noFill/>
+          </a:ln>
+          <a:extLst>
+            <a:ext uri="{909E8E84-426E-40dd-AFC4-6F175D3DCCD1}">
+              <a14:hiddenFill xmlns="" xmlns:a14="http://schemas.microsoft.com/office/drawing/2010/main">
+                <a:solidFill>
+                  <a:srgbClr val="FFFFFF"/>
+                </a:solidFill>
+              </a14:hiddenFill>
+            </a:ext>
+            <a:ext uri="{91240B29-F687-4f45-9708-019B960494DF}">
+              <a14:hiddenLine xmlns="" xmlns:a14="http://schemas.microsoft.com/office/drawing/2010/main" w="9525">
+                <a:solidFill>
+                  <a:srgbClr val="000000"/>
+                </a:solidFill>
+                <a:miter lim="800000"/>
+                <a:headEnd/>
+                <a:tailEnd/>
+              </a14:hiddenLine>
+            </a:ext>
+          </a:extLst>
+        </p:spPr>
+        <p:txBody>
+          <a:bodyPr vert="horz" wrap="square" lIns="91440" tIns="45720" rIns="91440" bIns="45720" numCol="1" anchor="t" anchorCtr="0" compatLnSpc="1">
+            <a:prstTxWarp prst="textNoShape">
+              <a:avLst/>
+            </a:prstTxWarp>
+            <a:normAutofit lnSpcReduction="10000"/>
+          </a:bodyPr>
+          <a:lstStyle>
+            <a:lvl1pPr marL="130969" indent="-130969" algn="l" defTabSz="385763" rtl="0" eaLnBrk="0" fontAlgn="base" hangingPunct="0">
+              <a:lnSpc>
+                <a:spcPct val="90000"/>
+              </a:lnSpc>
+              <a:spcBef>
+                <a:spcPts val="0"/>
+              </a:spcBef>
+              <a:spcAft>
+                <a:spcPts val="675"/>
+              </a:spcAft>
+              <a:buClr>
+                <a:schemeClr val="bg1">
+                  <a:lumMod val="85000"/>
+                </a:schemeClr>
+              </a:buClr>
+              <a:buFont typeface="Arial" panose="020B0604020202020204" pitchFamily="34" charset="0"/>
+              <a:buChar char="•"/>
+              <a:defRPr sz="2400" kern="1200">
+                <a:solidFill>
+                  <a:schemeClr val="bg1"/>
+                </a:solidFill>
+                <a:latin typeface="+mn-lt"/>
+                <a:ea typeface="+mn-ea"/>
+                <a:cs typeface="+mn-cs"/>
+              </a:defRPr>
+            </a:lvl1pPr>
+            <a:lvl2pPr marL="289322" indent="-96441" algn="l" defTabSz="385763" rtl="0" eaLnBrk="0" fontAlgn="base" hangingPunct="0">
+              <a:lnSpc>
+                <a:spcPct val="90000"/>
+              </a:lnSpc>
+              <a:spcBef>
+                <a:spcPts val="0"/>
+              </a:spcBef>
+              <a:spcAft>
+                <a:spcPts val="675"/>
+              </a:spcAft>
+              <a:buClr>
+                <a:schemeClr val="bg1">
+                  <a:lumMod val="85000"/>
+                </a:schemeClr>
+              </a:buClr>
+              <a:buFont typeface="Arial" panose="020B0604020202020204" pitchFamily="34" charset="0"/>
+              <a:buChar char="•"/>
+              <a:defRPr sz="1800" kern="1200">
+                <a:solidFill>
+                  <a:schemeClr val="bg1"/>
+                </a:solidFill>
+                <a:latin typeface="+mn-lt"/>
+                <a:ea typeface="+mn-ea"/>
+                <a:cs typeface="+mn-cs"/>
+              </a:defRPr>
+            </a:lvl2pPr>
+            <a:lvl3pPr marL="482204" indent="-96441" algn="l" defTabSz="385763" rtl="0" eaLnBrk="0" fontAlgn="base" hangingPunct="0">
+              <a:lnSpc>
+                <a:spcPct val="90000"/>
+              </a:lnSpc>
+              <a:spcBef>
+                <a:spcPts val="0"/>
+              </a:spcBef>
+              <a:spcAft>
+                <a:spcPts val="675"/>
+              </a:spcAft>
+              <a:buClr>
+                <a:schemeClr val="bg1">
+                  <a:lumMod val="85000"/>
+                </a:schemeClr>
+              </a:buClr>
+              <a:buFont typeface="Arial" panose="020B0604020202020204" pitchFamily="34" charset="0"/>
+              <a:buChar char="•"/>
+              <a:defRPr sz="1200" kern="1200">
+                <a:solidFill>
+                  <a:schemeClr val="bg1"/>
+                </a:solidFill>
+                <a:latin typeface="+mn-lt"/>
+                <a:ea typeface="+mn-ea"/>
+                <a:cs typeface="+mn-cs"/>
+              </a:defRPr>
+            </a:lvl3pPr>
+            <a:lvl4pPr marL="675085" indent="-96441" algn="l" defTabSz="385763" rtl="0" eaLnBrk="0" fontAlgn="base" hangingPunct="0">
+              <a:lnSpc>
+                <a:spcPct val="90000"/>
+              </a:lnSpc>
+              <a:spcBef>
+                <a:spcPts val="0"/>
+              </a:spcBef>
+              <a:spcAft>
+                <a:spcPts val="675"/>
+              </a:spcAft>
+              <a:buClr>
+                <a:schemeClr val="bg1">
+                  <a:lumMod val="85000"/>
+                </a:schemeClr>
+              </a:buClr>
+              <a:buFont typeface="Arial" panose="020B0604020202020204" pitchFamily="34" charset="0"/>
+              <a:buChar char="•"/>
+              <a:defRPr sz="1200" kern="1200">
+                <a:solidFill>
+                  <a:schemeClr val="bg1"/>
+                </a:solidFill>
+                <a:latin typeface="+mn-lt"/>
+                <a:ea typeface="+mn-ea"/>
+                <a:cs typeface="+mn-cs"/>
+              </a:defRPr>
+            </a:lvl4pPr>
+            <a:lvl5pPr marL="867966" indent="-96441" algn="l" defTabSz="385763" rtl="0" eaLnBrk="0" fontAlgn="base" hangingPunct="0">
+              <a:lnSpc>
+                <a:spcPct val="90000"/>
+              </a:lnSpc>
+              <a:spcBef>
+                <a:spcPts val="0"/>
+              </a:spcBef>
+              <a:spcAft>
+                <a:spcPts val="675"/>
+              </a:spcAft>
+              <a:buClr>
+                <a:schemeClr val="bg1">
+                  <a:lumMod val="85000"/>
+                </a:schemeClr>
+              </a:buClr>
+              <a:buFont typeface="Arial" panose="020B0604020202020204" pitchFamily="34" charset="0"/>
+              <a:buChar char="•"/>
+              <a:defRPr sz="1200" kern="1200">
+                <a:solidFill>
+                  <a:schemeClr val="bg1"/>
+                </a:solidFill>
+                <a:latin typeface="+mn-lt"/>
+                <a:ea typeface="+mn-ea"/>
+                <a:cs typeface="+mn-cs"/>
+              </a:defRPr>
+            </a:lvl5pPr>
+            <a:lvl6pPr marL="1060847" indent="-96441" algn="l" defTabSz="385763" rtl="0" eaLnBrk="1" latinLnBrk="0" hangingPunct="1">
+              <a:lnSpc>
+                <a:spcPct val="90000"/>
+              </a:lnSpc>
+              <a:spcBef>
+                <a:spcPts val="211"/>
+              </a:spcBef>
+              <a:buFont typeface="Arial" panose="020B0604020202020204" pitchFamily="34" charset="0"/>
+              <a:buChar char="•"/>
+              <a:defRPr sz="760" kern="1200">
+                <a:solidFill>
+                  <a:schemeClr val="tx1"/>
+                </a:solidFill>
+                <a:latin typeface="+mn-lt"/>
+                <a:ea typeface="+mn-ea"/>
+                <a:cs typeface="+mn-cs"/>
+              </a:defRPr>
+            </a:lvl6pPr>
+            <a:lvl7pPr marL="1253729" indent="-96441" algn="l" defTabSz="385763" rtl="0" eaLnBrk="1" latinLnBrk="0" hangingPunct="1">
+              <a:lnSpc>
+                <a:spcPct val="90000"/>
+              </a:lnSpc>
+              <a:spcBef>
+                <a:spcPts val="211"/>
+              </a:spcBef>
+              <a:buFont typeface="Arial" panose="020B0604020202020204" pitchFamily="34" charset="0"/>
+              <a:buChar char="•"/>
+              <a:defRPr sz="760" kern="1200">
+                <a:solidFill>
+                  <a:schemeClr val="tx1"/>
+                </a:solidFill>
+                <a:latin typeface="+mn-lt"/>
+                <a:ea typeface="+mn-ea"/>
+                <a:cs typeface="+mn-cs"/>
+              </a:defRPr>
+            </a:lvl7pPr>
+            <a:lvl8pPr marL="1446610" indent="-96441" algn="l" defTabSz="385763" rtl="0" eaLnBrk="1" latinLnBrk="0" hangingPunct="1">
+              <a:lnSpc>
+                <a:spcPct val="90000"/>
+              </a:lnSpc>
+              <a:spcBef>
+                <a:spcPts val="211"/>
+              </a:spcBef>
+              <a:buFont typeface="Arial" panose="020B0604020202020204" pitchFamily="34" charset="0"/>
+              <a:buChar char="•"/>
+              <a:defRPr sz="760" kern="1200">
+                <a:solidFill>
+                  <a:schemeClr val="tx1"/>
+                </a:solidFill>
+                <a:latin typeface="+mn-lt"/>
+                <a:ea typeface="+mn-ea"/>
+                <a:cs typeface="+mn-cs"/>
+              </a:defRPr>
+            </a:lvl8pPr>
+            <a:lvl9pPr marL="1639491" indent="-96441" algn="l" defTabSz="385763" rtl="0" eaLnBrk="1" latinLnBrk="0" hangingPunct="1">
+              <a:lnSpc>
+                <a:spcPct val="90000"/>
+              </a:lnSpc>
+              <a:spcBef>
+                <a:spcPts val="211"/>
+              </a:spcBef>
+              <a:buFont typeface="Arial" panose="020B0604020202020204" pitchFamily="34" charset="0"/>
+              <a:buChar char="•"/>
+              <a:defRPr sz="760" kern="1200">
+                <a:solidFill>
+                  <a:schemeClr val="tx1"/>
+                </a:solidFill>
+                <a:latin typeface="+mn-lt"/>
+                <a:ea typeface="+mn-ea"/>
+                <a:cs typeface="+mn-cs"/>
+              </a:defRPr>
+            </a:lvl9pPr>
+          </a:lstStyle>
+          <a:p>
+            <a:r>
+              <a:rPr lang="en-US" sz="1100" dirty="0" smtClean="0"/>
+              <a:t>Master User Profile</a:t>
+            </a:r>
+          </a:p>
+          <a:p>
+            <a:r>
+              <a:rPr lang="en-US" sz="1100" dirty="0" smtClean="0"/>
+              <a:t>Master Beer Details</a:t>
+            </a:r>
+          </a:p>
+        </p:txBody>
+      </p:sp>
+    </p:spTree>
+    <p:extLst>
+      <p:ext uri="{BB962C8B-B14F-4D97-AF65-F5344CB8AC3E}">
+        <p14:creationId xmlns:p14="http://schemas.microsoft.com/office/powerpoint/2010/main" val="354069629"/>
+      </p:ext>
+    </p:extLst>
+  </p:cSld>
+  <p:clrMapOvr>
+    <a:masterClrMapping/>
+  </p:clrMapOvr>
+  <mc:AlternateContent xmlns:mc="http://schemas.openxmlformats.org/markup-compatibility/2006" xmlns:p14="http://schemas.microsoft.com/office/powerpoint/2010/main">
+    <mc:Choice Requires="p14">
+      <p:transition p14:dur="250">
+        <p:fade/>
+      </p:transition>
+    </mc:Choice>
+    <mc:Fallback xmlns="">
+      <p:transition xmlns:p14="http://schemas.microsoft.com/office/powerpoint/2010/main">
+        <p:fade/>
+      </p:transition>
+    </mc:Fallback>
+  </mc:AlternateContent>
+</p:sld>
+</file>
+
+<file path=ppt/slides/slide12.xml><?xml version="1.0" encoding="utf-8"?>
+<p:sld xmlns:a="http://schemas.openxmlformats.org/drawingml/2006/main" xmlns:r="http://schemas.openxmlformats.org/officeDocument/2006/relationships" xmlns:p="http://schemas.openxmlformats.org/presentationml/2006/main">
+  <p:cSld>
+    <p:spTree>
+      <p:nvGrpSpPr>
+        <p:cNvPr id="1" name=""/>
+        <p:cNvGrpSpPr/>
+        <p:nvPr/>
+      </p:nvGrpSpPr>
+      <p:grpSpPr>
+        <a:xfrm>
+          <a:off x="0" y="0"/>
+          <a:ext cx="0" cy="0"/>
+          <a:chOff x="0" y="0"/>
+          <a:chExt cx="0" cy="0"/>
+        </a:xfrm>
+      </p:grpSpPr>
+      <p:sp>
+        <p:nvSpPr>
+          <p:cNvPr id="5" name="Title 4"/>
+          <p:cNvSpPr>
+            <a:spLocks noGrp="1"/>
+          </p:cNvSpPr>
+          <p:nvPr>
+            <p:ph type="title"/>
+          </p:nvPr>
+        </p:nvSpPr>
+        <p:spPr/>
+        <p:txBody>
+          <a:bodyPr/>
+          <a:lstStyle/>
+          <a:p>
+            <a:r>
+              <a:rPr lang="en-US" dirty="0" smtClean="0"/>
+              <a:t> Beer Recommendation - </a:t>
+            </a:r>
+            <a:r>
+              <a:rPr lang="en-US" dirty="0"/>
+              <a:t>Feature Selection</a:t>
+            </a:r>
+            <a:r>
+              <a:rPr lang="en-US" dirty="0" smtClean="0"/>
+              <a:t> </a:t>
+            </a:r>
+            <a:endParaRPr lang="en-US" dirty="0"/>
+          </a:p>
+        </p:txBody>
+      </p:sp>
+      <p:sp>
+        <p:nvSpPr>
+          <p:cNvPr id="6" name="Content Placeholder 5"/>
+          <p:cNvSpPr>
+            <a:spLocks noGrp="1"/>
+          </p:cNvSpPr>
+          <p:nvPr>
+            <p:ph idx="1"/>
+          </p:nvPr>
+        </p:nvSpPr>
+        <p:spPr>
+          <a:xfrm>
+            <a:off x="317902" y="1115736"/>
+            <a:ext cx="3893054" cy="2177381"/>
+          </a:xfrm>
+        </p:spPr>
+        <p:txBody>
+          <a:bodyPr/>
+          <a:lstStyle/>
+          <a:p>
+            <a:pPr lvl="1"/>
+            <a:r>
+              <a:rPr lang="en-US" dirty="0" smtClean="0"/>
+              <a:t>User selects flavors of a beer while checking in</a:t>
+            </a:r>
+          </a:p>
+          <a:p>
+            <a:pPr lvl="1"/>
+            <a:r>
+              <a:rPr lang="en-US" dirty="0"/>
+              <a:t>Chose 40 out of the 100+ flavors to define a </a:t>
+            </a:r>
+            <a:r>
+              <a:rPr lang="en-US" dirty="0" smtClean="0"/>
+              <a:t>beer</a:t>
+            </a:r>
+          </a:p>
+          <a:p>
+            <a:pPr lvl="1"/>
+            <a:r>
+              <a:rPr lang="en-US" dirty="0" smtClean="0"/>
+              <a:t>Extract flavor keywords from </a:t>
+            </a:r>
+            <a:r>
+              <a:rPr lang="en-US" dirty="0"/>
+              <a:t>b</a:t>
+            </a:r>
+            <a:r>
+              <a:rPr lang="en-US" dirty="0" smtClean="0"/>
+              <a:t>eer description</a:t>
+            </a:r>
+          </a:p>
+          <a:p>
+            <a:pPr lvl="1"/>
+            <a:r>
+              <a:rPr lang="en-US" dirty="0" smtClean="0"/>
+              <a:t>Add beer features like ABV, IBU</a:t>
+            </a:r>
+            <a:endParaRPr lang="en-US" dirty="0"/>
+          </a:p>
+        </p:txBody>
+      </p:sp>
+      <p:sp>
+        <p:nvSpPr>
+          <p:cNvPr id="21" name="TextBox 20"/>
+          <p:cNvSpPr txBox="1"/>
+          <p:nvPr/>
+        </p:nvSpPr>
+        <p:spPr>
+          <a:xfrm>
+            <a:off x="171450" y="4705350"/>
+            <a:ext cx="2589170" cy="300082"/>
+          </a:xfrm>
+          <a:prstGeom prst="rect">
+            <a:avLst/>
+          </a:prstGeom>
+          <a:noFill/>
+        </p:spPr>
+        <p:txBody>
+          <a:bodyPr wrap="none" rtlCol="0">
+            <a:spAutoFit/>
+          </a:bodyPr>
+          <a:lstStyle/>
+          <a:p>
+            <a:r>
+              <a:rPr lang="en-US" i="1" dirty="0" smtClean="0">
+                <a:solidFill>
+                  <a:schemeClr val="bg1"/>
+                </a:solidFill>
+              </a:rPr>
+              <a:t>Source</a:t>
+            </a:r>
+            <a:r>
+              <a:rPr lang="en-US" i="1" dirty="0">
+                <a:solidFill>
+                  <a:schemeClr val="bg1"/>
+                </a:solidFill>
+              </a:rPr>
+              <a:t>: </a:t>
+            </a:r>
+            <a:r>
+              <a:rPr lang="en-US" i="1" dirty="0">
+                <a:solidFill>
+                  <a:schemeClr val="bg1"/>
+                </a:solidFill>
+              </a:rPr>
+              <a:t>https://untappd.com/</a:t>
+            </a:r>
+            <a:endParaRPr lang="en-US" i="1" dirty="0">
+              <a:solidFill>
+                <a:schemeClr val="bg1"/>
+              </a:solidFill>
+            </a:endParaRPr>
+          </a:p>
+        </p:txBody>
+      </p:sp>
+      <p:pic>
+        <p:nvPicPr>
+          <p:cNvPr id="2" name="Picture 1"/>
+          <p:cNvPicPr>
+            <a:picLocks noChangeAspect="1"/>
+          </p:cNvPicPr>
+          <p:nvPr/>
+        </p:nvPicPr>
+        <p:blipFill>
+          <a:blip r:embed="rId2">
+            <a:extLst>
+              <a:ext uri="{28A0092B-C50C-407E-A947-70E740481C1C}">
+                <a14:useLocalDpi xmlns:a14="http://schemas.microsoft.com/office/drawing/2010/main" val="0"/>
+              </a:ext>
+            </a:extLst>
+          </a:blip>
+          <a:stretch>
+            <a:fillRect/>
+          </a:stretch>
+        </p:blipFill>
+        <p:spPr>
+          <a:xfrm>
+            <a:off x="7334377" y="1287316"/>
+            <a:ext cx="1568103" cy="2787738"/>
+          </a:xfrm>
+          <a:prstGeom prst="rect">
+            <a:avLst/>
+          </a:prstGeom>
+        </p:spPr>
+      </p:pic>
+      <p:sp>
+        <p:nvSpPr>
+          <p:cNvPr id="24" name="Content Placeholder 39"/>
+          <p:cNvSpPr txBox="1">
+            <a:spLocks/>
+          </p:cNvSpPr>
+          <p:nvPr/>
+        </p:nvSpPr>
+        <p:spPr bwMode="auto">
+          <a:xfrm>
+            <a:off x="7300855" y="4181271"/>
+            <a:ext cx="1635148" cy="467046"/>
+          </a:xfrm>
+          <a:prstGeom prst="rect">
+            <a:avLst/>
+          </a:prstGeom>
+          <a:noFill/>
+          <a:ln>
+            <a:noFill/>
+          </a:ln>
+          <a:extLst>
+            <a:ext uri="{909E8E84-426E-40dd-AFC4-6F175D3DCCD1}">
+              <a14:hiddenFill xmlns="" xmlns:a14="http://schemas.microsoft.com/office/drawing/2010/main">
+                <a:solidFill>
+                  <a:srgbClr val="FFFFFF"/>
+                </a:solidFill>
+              </a14:hiddenFill>
+            </a:ext>
+            <a:ext uri="{91240B29-F687-4f45-9708-019B960494DF}">
+              <a14:hiddenLine xmlns="" xmlns:a14="http://schemas.microsoft.com/office/drawing/2010/main" w="9525">
+                <a:solidFill>
+                  <a:srgbClr val="000000"/>
+                </a:solidFill>
+                <a:miter lim="800000"/>
+                <a:headEnd/>
+                <a:tailEnd/>
+              </a14:hiddenLine>
+            </a:ext>
+          </a:extLst>
+        </p:spPr>
+        <p:txBody>
+          <a:bodyPr vert="horz" wrap="square" lIns="91440" tIns="45720" rIns="91440" bIns="45720" numCol="1" anchor="t" anchorCtr="0" compatLnSpc="1">
+            <a:prstTxWarp prst="textNoShape">
+              <a:avLst/>
+            </a:prstTxWarp>
+            <a:normAutofit/>
+          </a:bodyPr>
+          <a:lstStyle>
+            <a:lvl1pPr marL="130969" indent="-130969" algn="l" defTabSz="385763" rtl="0" eaLnBrk="0" fontAlgn="base" hangingPunct="0">
+              <a:lnSpc>
+                <a:spcPct val="90000"/>
+              </a:lnSpc>
+              <a:spcBef>
+                <a:spcPts val="0"/>
+              </a:spcBef>
+              <a:spcAft>
+                <a:spcPts val="675"/>
+              </a:spcAft>
+              <a:buClr>
+                <a:schemeClr val="bg1">
+                  <a:lumMod val="85000"/>
+                </a:schemeClr>
+              </a:buClr>
+              <a:buFont typeface="Arial" panose="020B0604020202020204" pitchFamily="34" charset="0"/>
+              <a:buChar char="•"/>
+              <a:defRPr sz="2400" kern="1200">
+                <a:solidFill>
+                  <a:schemeClr val="bg1"/>
+                </a:solidFill>
+                <a:latin typeface="+mn-lt"/>
+                <a:ea typeface="+mn-ea"/>
+                <a:cs typeface="+mn-cs"/>
+              </a:defRPr>
+            </a:lvl1pPr>
+            <a:lvl2pPr marL="289322" indent="-96441" algn="l" defTabSz="385763" rtl="0" eaLnBrk="0" fontAlgn="base" hangingPunct="0">
+              <a:lnSpc>
+                <a:spcPct val="90000"/>
+              </a:lnSpc>
+              <a:spcBef>
+                <a:spcPts val="0"/>
+              </a:spcBef>
+              <a:spcAft>
+                <a:spcPts val="675"/>
+              </a:spcAft>
+              <a:buClr>
+                <a:schemeClr val="bg1">
+                  <a:lumMod val="85000"/>
+                </a:schemeClr>
+              </a:buClr>
+              <a:buFont typeface="Arial" panose="020B0604020202020204" pitchFamily="34" charset="0"/>
+              <a:buChar char="•"/>
+              <a:defRPr sz="1800" kern="1200">
+                <a:solidFill>
+                  <a:schemeClr val="bg1"/>
+                </a:solidFill>
+                <a:latin typeface="+mn-lt"/>
+                <a:ea typeface="+mn-ea"/>
+                <a:cs typeface="+mn-cs"/>
+              </a:defRPr>
+            </a:lvl2pPr>
+            <a:lvl3pPr marL="482204" indent="-96441" algn="l" defTabSz="385763" rtl="0" eaLnBrk="0" fontAlgn="base" hangingPunct="0">
+              <a:lnSpc>
+                <a:spcPct val="90000"/>
+              </a:lnSpc>
+              <a:spcBef>
+                <a:spcPts val="0"/>
+              </a:spcBef>
+              <a:spcAft>
+                <a:spcPts val="675"/>
+              </a:spcAft>
+              <a:buClr>
+                <a:schemeClr val="bg1">
+                  <a:lumMod val="85000"/>
+                </a:schemeClr>
+              </a:buClr>
+              <a:buFont typeface="Arial" panose="020B0604020202020204" pitchFamily="34" charset="0"/>
+              <a:buChar char="•"/>
+              <a:defRPr sz="1200" kern="1200">
+                <a:solidFill>
+                  <a:schemeClr val="bg1"/>
+                </a:solidFill>
+                <a:latin typeface="+mn-lt"/>
+                <a:ea typeface="+mn-ea"/>
+                <a:cs typeface="+mn-cs"/>
+              </a:defRPr>
+            </a:lvl3pPr>
+            <a:lvl4pPr marL="675085" indent="-96441" algn="l" defTabSz="385763" rtl="0" eaLnBrk="0" fontAlgn="base" hangingPunct="0">
+              <a:lnSpc>
+                <a:spcPct val="90000"/>
+              </a:lnSpc>
+              <a:spcBef>
+                <a:spcPts val="0"/>
+              </a:spcBef>
+              <a:spcAft>
+                <a:spcPts val="675"/>
+              </a:spcAft>
+              <a:buClr>
+                <a:schemeClr val="bg1">
+                  <a:lumMod val="85000"/>
+                </a:schemeClr>
+              </a:buClr>
+              <a:buFont typeface="Arial" panose="020B0604020202020204" pitchFamily="34" charset="0"/>
+              <a:buChar char="•"/>
+              <a:defRPr sz="1200" kern="1200">
+                <a:solidFill>
+                  <a:schemeClr val="bg1"/>
+                </a:solidFill>
+                <a:latin typeface="+mn-lt"/>
+                <a:ea typeface="+mn-ea"/>
+                <a:cs typeface="+mn-cs"/>
+              </a:defRPr>
+            </a:lvl4pPr>
+            <a:lvl5pPr marL="867966" indent="-96441" algn="l" defTabSz="385763" rtl="0" eaLnBrk="0" fontAlgn="base" hangingPunct="0">
+              <a:lnSpc>
+                <a:spcPct val="90000"/>
+              </a:lnSpc>
+              <a:spcBef>
+                <a:spcPts val="0"/>
+              </a:spcBef>
+              <a:spcAft>
+                <a:spcPts val="675"/>
+              </a:spcAft>
+              <a:buClr>
+                <a:schemeClr val="bg1">
+                  <a:lumMod val="85000"/>
+                </a:schemeClr>
+              </a:buClr>
+              <a:buFont typeface="Arial" panose="020B0604020202020204" pitchFamily="34" charset="0"/>
+              <a:buChar char="•"/>
+              <a:defRPr sz="1200" kern="1200">
+                <a:solidFill>
+                  <a:schemeClr val="bg1"/>
+                </a:solidFill>
+                <a:latin typeface="+mn-lt"/>
+                <a:ea typeface="+mn-ea"/>
+                <a:cs typeface="+mn-cs"/>
+              </a:defRPr>
+            </a:lvl5pPr>
+            <a:lvl6pPr marL="1060847" indent="-96441" algn="l" defTabSz="385763" rtl="0" eaLnBrk="1" latinLnBrk="0" hangingPunct="1">
+              <a:lnSpc>
+                <a:spcPct val="90000"/>
+              </a:lnSpc>
+              <a:spcBef>
+                <a:spcPts val="211"/>
+              </a:spcBef>
+              <a:buFont typeface="Arial" panose="020B0604020202020204" pitchFamily="34" charset="0"/>
+              <a:buChar char="•"/>
+              <a:defRPr sz="760" kern="1200">
+                <a:solidFill>
+                  <a:schemeClr val="tx1"/>
+                </a:solidFill>
+                <a:latin typeface="+mn-lt"/>
+                <a:ea typeface="+mn-ea"/>
+                <a:cs typeface="+mn-cs"/>
+              </a:defRPr>
+            </a:lvl6pPr>
+            <a:lvl7pPr marL="1253729" indent="-96441" algn="l" defTabSz="385763" rtl="0" eaLnBrk="1" latinLnBrk="0" hangingPunct="1">
+              <a:lnSpc>
+                <a:spcPct val="90000"/>
+              </a:lnSpc>
+              <a:spcBef>
+                <a:spcPts val="211"/>
+              </a:spcBef>
+              <a:buFont typeface="Arial" panose="020B0604020202020204" pitchFamily="34" charset="0"/>
+              <a:buChar char="•"/>
+              <a:defRPr sz="760" kern="1200">
+                <a:solidFill>
+                  <a:schemeClr val="tx1"/>
+                </a:solidFill>
+                <a:latin typeface="+mn-lt"/>
+                <a:ea typeface="+mn-ea"/>
+                <a:cs typeface="+mn-cs"/>
+              </a:defRPr>
+            </a:lvl7pPr>
+            <a:lvl8pPr marL="1446610" indent="-96441" algn="l" defTabSz="385763" rtl="0" eaLnBrk="1" latinLnBrk="0" hangingPunct="1">
+              <a:lnSpc>
+                <a:spcPct val="90000"/>
+              </a:lnSpc>
+              <a:spcBef>
+                <a:spcPts val="211"/>
+              </a:spcBef>
+              <a:buFont typeface="Arial" panose="020B0604020202020204" pitchFamily="34" charset="0"/>
+              <a:buChar char="•"/>
+              <a:defRPr sz="760" kern="1200">
+                <a:solidFill>
+                  <a:schemeClr val="tx1"/>
+                </a:solidFill>
+                <a:latin typeface="+mn-lt"/>
+                <a:ea typeface="+mn-ea"/>
+                <a:cs typeface="+mn-cs"/>
+              </a:defRPr>
+            </a:lvl8pPr>
+            <a:lvl9pPr marL="1639491" indent="-96441" algn="l" defTabSz="385763" rtl="0" eaLnBrk="1" latinLnBrk="0" hangingPunct="1">
+              <a:lnSpc>
+                <a:spcPct val="90000"/>
+              </a:lnSpc>
+              <a:spcBef>
+                <a:spcPts val="211"/>
+              </a:spcBef>
+              <a:buFont typeface="Arial" panose="020B0604020202020204" pitchFamily="34" charset="0"/>
+              <a:buChar char="•"/>
+              <a:defRPr sz="760" kern="1200">
+                <a:solidFill>
+                  <a:schemeClr val="tx1"/>
+                </a:solidFill>
+                <a:latin typeface="+mn-lt"/>
+                <a:ea typeface="+mn-ea"/>
+                <a:cs typeface="+mn-cs"/>
+              </a:defRPr>
+            </a:lvl9pPr>
+          </a:lstStyle>
+          <a:p>
+            <a:pPr marL="0" indent="0">
+              <a:buNone/>
+            </a:pPr>
+            <a:r>
+              <a:rPr lang="en-US" sz="1100" dirty="0" smtClean="0"/>
+              <a:t>Check-in Flavor Profile</a:t>
+            </a:r>
+          </a:p>
+        </p:txBody>
+      </p:sp>
+      <p:pic>
+        <p:nvPicPr>
+          <p:cNvPr id="3" name="Picture 2"/>
+          <p:cNvPicPr>
+            <a:picLocks noChangeAspect="1"/>
+          </p:cNvPicPr>
+          <p:nvPr/>
+        </p:nvPicPr>
+        <p:blipFill>
+          <a:blip r:embed="rId3"/>
+          <a:stretch>
+            <a:fillRect/>
+          </a:stretch>
+        </p:blipFill>
+        <p:spPr>
+          <a:xfrm>
+            <a:off x="4226702" y="2251068"/>
+            <a:ext cx="2922476" cy="1823986"/>
+          </a:xfrm>
+          <a:prstGeom prst="rect">
+            <a:avLst/>
+          </a:prstGeom>
+        </p:spPr>
+      </p:pic>
+      <p:sp>
+        <p:nvSpPr>
+          <p:cNvPr id="25" name="Content Placeholder 39"/>
+          <p:cNvSpPr txBox="1">
+            <a:spLocks/>
+          </p:cNvSpPr>
+          <p:nvPr/>
+        </p:nvSpPr>
+        <p:spPr bwMode="auto">
+          <a:xfrm>
+            <a:off x="5112904" y="4142231"/>
+            <a:ext cx="1635148" cy="467046"/>
+          </a:xfrm>
+          <a:prstGeom prst="rect">
+            <a:avLst/>
+          </a:prstGeom>
+          <a:noFill/>
+          <a:ln>
+            <a:noFill/>
+          </a:ln>
+          <a:extLst>
+            <a:ext uri="{909E8E84-426E-40dd-AFC4-6F175D3DCCD1}">
+              <a14:hiddenFill xmlns="" xmlns:a14="http://schemas.microsoft.com/office/drawing/2010/main">
+                <a:solidFill>
+                  <a:srgbClr val="FFFFFF"/>
+                </a:solidFill>
+              </a14:hiddenFill>
+            </a:ext>
+            <a:ext uri="{91240B29-F687-4f45-9708-019B960494DF}">
+              <a14:hiddenLine xmlns="" xmlns:a14="http://schemas.microsoft.com/office/drawing/2010/main" w="9525">
+                <a:solidFill>
+                  <a:srgbClr val="000000"/>
+                </a:solidFill>
+                <a:miter lim="800000"/>
+                <a:headEnd/>
+                <a:tailEnd/>
+              </a14:hiddenLine>
+            </a:ext>
+          </a:extLst>
+        </p:spPr>
+        <p:txBody>
+          <a:bodyPr vert="horz" wrap="square" lIns="91440" tIns="45720" rIns="91440" bIns="45720" numCol="1" anchor="t" anchorCtr="0" compatLnSpc="1">
+            <a:prstTxWarp prst="textNoShape">
+              <a:avLst/>
+            </a:prstTxWarp>
+            <a:normAutofit/>
+          </a:bodyPr>
+          <a:lstStyle>
+            <a:lvl1pPr marL="130969" indent="-130969" algn="l" defTabSz="385763" rtl="0" eaLnBrk="0" fontAlgn="base" hangingPunct="0">
+              <a:lnSpc>
+                <a:spcPct val="90000"/>
+              </a:lnSpc>
+              <a:spcBef>
+                <a:spcPts val="0"/>
+              </a:spcBef>
+              <a:spcAft>
+                <a:spcPts val="675"/>
+              </a:spcAft>
+              <a:buClr>
+                <a:schemeClr val="bg1">
+                  <a:lumMod val="85000"/>
+                </a:schemeClr>
+              </a:buClr>
+              <a:buFont typeface="Arial" panose="020B0604020202020204" pitchFamily="34" charset="0"/>
+              <a:buChar char="•"/>
+              <a:defRPr sz="2400" kern="1200">
+                <a:solidFill>
+                  <a:schemeClr val="bg1"/>
+                </a:solidFill>
+                <a:latin typeface="+mn-lt"/>
+                <a:ea typeface="+mn-ea"/>
+                <a:cs typeface="+mn-cs"/>
+              </a:defRPr>
+            </a:lvl1pPr>
+            <a:lvl2pPr marL="289322" indent="-96441" algn="l" defTabSz="385763" rtl="0" eaLnBrk="0" fontAlgn="base" hangingPunct="0">
+              <a:lnSpc>
+                <a:spcPct val="90000"/>
+              </a:lnSpc>
+              <a:spcBef>
+                <a:spcPts val="0"/>
+              </a:spcBef>
+              <a:spcAft>
+                <a:spcPts val="675"/>
+              </a:spcAft>
+              <a:buClr>
+                <a:schemeClr val="bg1">
+                  <a:lumMod val="85000"/>
+                </a:schemeClr>
+              </a:buClr>
+              <a:buFont typeface="Arial" panose="020B0604020202020204" pitchFamily="34" charset="0"/>
+              <a:buChar char="•"/>
+              <a:defRPr sz="1800" kern="1200">
+                <a:solidFill>
+                  <a:schemeClr val="bg1"/>
+                </a:solidFill>
+                <a:latin typeface="+mn-lt"/>
+                <a:ea typeface="+mn-ea"/>
+                <a:cs typeface="+mn-cs"/>
+              </a:defRPr>
+            </a:lvl2pPr>
+            <a:lvl3pPr marL="482204" indent="-96441" algn="l" defTabSz="385763" rtl="0" eaLnBrk="0" fontAlgn="base" hangingPunct="0">
+              <a:lnSpc>
+                <a:spcPct val="90000"/>
+              </a:lnSpc>
+              <a:spcBef>
+                <a:spcPts val="0"/>
+              </a:spcBef>
+              <a:spcAft>
+                <a:spcPts val="675"/>
+              </a:spcAft>
+              <a:buClr>
+                <a:schemeClr val="bg1">
+                  <a:lumMod val="85000"/>
+                </a:schemeClr>
+              </a:buClr>
+              <a:buFont typeface="Arial" panose="020B0604020202020204" pitchFamily="34" charset="0"/>
+              <a:buChar char="•"/>
+              <a:defRPr sz="1200" kern="1200">
+                <a:solidFill>
+                  <a:schemeClr val="bg1"/>
+                </a:solidFill>
+                <a:latin typeface="+mn-lt"/>
+                <a:ea typeface="+mn-ea"/>
+                <a:cs typeface="+mn-cs"/>
+              </a:defRPr>
+            </a:lvl3pPr>
+            <a:lvl4pPr marL="675085" indent="-96441" algn="l" defTabSz="385763" rtl="0" eaLnBrk="0" fontAlgn="base" hangingPunct="0">
+              <a:lnSpc>
+                <a:spcPct val="90000"/>
+              </a:lnSpc>
+              <a:spcBef>
+                <a:spcPts val="0"/>
+              </a:spcBef>
+              <a:spcAft>
+                <a:spcPts val="675"/>
+              </a:spcAft>
+              <a:buClr>
+                <a:schemeClr val="bg1">
+                  <a:lumMod val="85000"/>
+                </a:schemeClr>
+              </a:buClr>
+              <a:buFont typeface="Arial" panose="020B0604020202020204" pitchFamily="34" charset="0"/>
+              <a:buChar char="•"/>
+              <a:defRPr sz="1200" kern="1200">
+                <a:solidFill>
+                  <a:schemeClr val="bg1"/>
+                </a:solidFill>
+                <a:latin typeface="+mn-lt"/>
+                <a:ea typeface="+mn-ea"/>
+                <a:cs typeface="+mn-cs"/>
+              </a:defRPr>
+            </a:lvl4pPr>
+            <a:lvl5pPr marL="867966" indent="-96441" algn="l" defTabSz="385763" rtl="0" eaLnBrk="0" fontAlgn="base" hangingPunct="0">
+              <a:lnSpc>
+                <a:spcPct val="90000"/>
+              </a:lnSpc>
+              <a:spcBef>
+                <a:spcPts val="0"/>
+              </a:spcBef>
+              <a:spcAft>
+                <a:spcPts val="675"/>
+              </a:spcAft>
+              <a:buClr>
+                <a:schemeClr val="bg1">
+                  <a:lumMod val="85000"/>
+                </a:schemeClr>
+              </a:buClr>
+              <a:buFont typeface="Arial" panose="020B0604020202020204" pitchFamily="34" charset="0"/>
+              <a:buChar char="•"/>
+              <a:defRPr sz="1200" kern="1200">
+                <a:solidFill>
+                  <a:schemeClr val="bg1"/>
+                </a:solidFill>
+                <a:latin typeface="+mn-lt"/>
+                <a:ea typeface="+mn-ea"/>
+                <a:cs typeface="+mn-cs"/>
+              </a:defRPr>
+            </a:lvl5pPr>
+            <a:lvl6pPr marL="1060847" indent="-96441" algn="l" defTabSz="385763" rtl="0" eaLnBrk="1" latinLnBrk="0" hangingPunct="1">
+              <a:lnSpc>
+                <a:spcPct val="90000"/>
+              </a:lnSpc>
+              <a:spcBef>
+                <a:spcPts val="211"/>
+              </a:spcBef>
+              <a:buFont typeface="Arial" panose="020B0604020202020204" pitchFamily="34" charset="0"/>
+              <a:buChar char="•"/>
+              <a:defRPr sz="760" kern="1200">
+                <a:solidFill>
+                  <a:schemeClr val="tx1"/>
+                </a:solidFill>
+                <a:latin typeface="+mn-lt"/>
+                <a:ea typeface="+mn-ea"/>
+                <a:cs typeface="+mn-cs"/>
+              </a:defRPr>
+            </a:lvl6pPr>
+            <a:lvl7pPr marL="1253729" indent="-96441" algn="l" defTabSz="385763" rtl="0" eaLnBrk="1" latinLnBrk="0" hangingPunct="1">
+              <a:lnSpc>
+                <a:spcPct val="90000"/>
+              </a:lnSpc>
+              <a:spcBef>
+                <a:spcPts val="211"/>
+              </a:spcBef>
+              <a:buFont typeface="Arial" panose="020B0604020202020204" pitchFamily="34" charset="0"/>
+              <a:buChar char="•"/>
+              <a:defRPr sz="760" kern="1200">
+                <a:solidFill>
+                  <a:schemeClr val="tx1"/>
+                </a:solidFill>
+                <a:latin typeface="+mn-lt"/>
+                <a:ea typeface="+mn-ea"/>
+                <a:cs typeface="+mn-cs"/>
+              </a:defRPr>
+            </a:lvl7pPr>
+            <a:lvl8pPr marL="1446610" indent="-96441" algn="l" defTabSz="385763" rtl="0" eaLnBrk="1" latinLnBrk="0" hangingPunct="1">
+              <a:lnSpc>
+                <a:spcPct val="90000"/>
+              </a:lnSpc>
+              <a:spcBef>
+                <a:spcPts val="211"/>
+              </a:spcBef>
+              <a:buFont typeface="Arial" panose="020B0604020202020204" pitchFamily="34" charset="0"/>
+              <a:buChar char="•"/>
+              <a:defRPr sz="760" kern="1200">
+                <a:solidFill>
+                  <a:schemeClr val="tx1"/>
+                </a:solidFill>
+                <a:latin typeface="+mn-lt"/>
+                <a:ea typeface="+mn-ea"/>
+                <a:cs typeface="+mn-cs"/>
+              </a:defRPr>
+            </a:lvl8pPr>
+            <a:lvl9pPr marL="1639491" indent="-96441" algn="l" defTabSz="385763" rtl="0" eaLnBrk="1" latinLnBrk="0" hangingPunct="1">
+              <a:lnSpc>
+                <a:spcPct val="90000"/>
+              </a:lnSpc>
+              <a:spcBef>
+                <a:spcPts val="211"/>
+              </a:spcBef>
+              <a:buFont typeface="Arial" panose="020B0604020202020204" pitchFamily="34" charset="0"/>
+              <a:buChar char="•"/>
+              <a:defRPr sz="760" kern="1200">
+                <a:solidFill>
+                  <a:schemeClr val="tx1"/>
+                </a:solidFill>
+                <a:latin typeface="+mn-lt"/>
+                <a:ea typeface="+mn-ea"/>
+                <a:cs typeface="+mn-cs"/>
+              </a:defRPr>
+            </a:lvl9pPr>
+          </a:lstStyle>
+          <a:p>
+            <a:pPr marL="0" indent="0">
+              <a:buNone/>
+            </a:pPr>
+            <a:r>
+              <a:rPr lang="en-US" sz="1100" dirty="0" smtClean="0"/>
+              <a:t>Beer description</a:t>
+            </a:r>
+          </a:p>
+        </p:txBody>
+      </p:sp>
+      <p:sp>
+        <p:nvSpPr>
+          <p:cNvPr id="4" name="Rectangle 3"/>
+          <p:cNvSpPr/>
+          <p:nvPr/>
+        </p:nvSpPr>
+        <p:spPr>
+          <a:xfrm>
+            <a:off x="4322618" y="3129618"/>
+            <a:ext cx="338904" cy="163501"/>
+          </a:xfrm>
+          <a:prstGeom prst="rect">
+            <a:avLst/>
+          </a:prstGeom>
+          <a:noFill/>
+          <a:ln>
+            <a:solidFill>
+              <a:srgbClr val="FF0000"/>
+            </a:solidFill>
+          </a:ln>
+        </p:spPr>
+        <p:style>
+          <a:lnRef idx="2">
+            <a:schemeClr val="accent1">
+              <a:shade val="50000"/>
+            </a:schemeClr>
+          </a:lnRef>
+          <a:fillRef idx="1">
+            <a:schemeClr val="accent1"/>
+          </a:fillRef>
+          <a:effectRef idx="0">
+            <a:schemeClr val="accent1"/>
+          </a:effectRef>
+          <a:fontRef idx="minor">
+            <a:schemeClr val="lt1"/>
+          </a:fontRef>
+        </p:style>
+        <p:txBody>
+          <a:bodyPr rtlCol="0" anchor="ctr"/>
+          <a:lstStyle/>
+          <a:p>
+            <a:pPr algn="ctr"/>
+            <a:endParaRPr lang="en-US"/>
+          </a:p>
+        </p:txBody>
+      </p:sp>
+      <p:sp>
+        <p:nvSpPr>
+          <p:cNvPr id="28" name="Rectangle 27"/>
+          <p:cNvSpPr/>
+          <p:nvPr/>
+        </p:nvSpPr>
+        <p:spPr>
+          <a:xfrm>
+            <a:off x="4677269" y="3129617"/>
+            <a:ext cx="338904" cy="163501"/>
+          </a:xfrm>
+          <a:prstGeom prst="rect">
+            <a:avLst/>
+          </a:prstGeom>
+          <a:noFill/>
+          <a:ln>
+            <a:solidFill>
+              <a:srgbClr val="FF0000"/>
+            </a:solidFill>
+          </a:ln>
+        </p:spPr>
+        <p:style>
+          <a:lnRef idx="2">
+            <a:schemeClr val="accent1">
+              <a:shade val="50000"/>
+            </a:schemeClr>
+          </a:lnRef>
+          <a:fillRef idx="1">
+            <a:schemeClr val="accent1"/>
+          </a:fillRef>
+          <a:effectRef idx="0">
+            <a:schemeClr val="accent1"/>
+          </a:effectRef>
+          <a:fontRef idx="minor">
+            <a:schemeClr val="lt1"/>
+          </a:fontRef>
+        </p:style>
+        <p:txBody>
+          <a:bodyPr rtlCol="0" anchor="ctr"/>
+          <a:lstStyle/>
+          <a:p>
+            <a:pPr algn="ctr"/>
+            <a:endParaRPr lang="en-US"/>
+          </a:p>
+        </p:txBody>
+      </p:sp>
+      <p:sp>
+        <p:nvSpPr>
+          <p:cNvPr id="29" name="Rectangle 28"/>
+          <p:cNvSpPr/>
+          <p:nvPr/>
+        </p:nvSpPr>
+        <p:spPr>
+          <a:xfrm>
+            <a:off x="5104783" y="3129616"/>
+            <a:ext cx="803647" cy="163501"/>
+          </a:xfrm>
+          <a:prstGeom prst="rect">
+            <a:avLst/>
+          </a:prstGeom>
+          <a:noFill/>
+          <a:ln>
+            <a:solidFill>
+              <a:srgbClr val="FF0000"/>
+            </a:solidFill>
+          </a:ln>
+        </p:spPr>
+        <p:style>
+          <a:lnRef idx="2">
+            <a:schemeClr val="accent1">
+              <a:shade val="50000"/>
+            </a:schemeClr>
+          </a:lnRef>
+          <a:fillRef idx="1">
+            <a:schemeClr val="accent1"/>
+          </a:fillRef>
+          <a:effectRef idx="0">
+            <a:schemeClr val="accent1"/>
+          </a:effectRef>
+          <a:fontRef idx="minor">
+            <a:schemeClr val="lt1"/>
+          </a:fontRef>
+        </p:style>
+        <p:txBody>
+          <a:bodyPr rtlCol="0" anchor="ctr"/>
+          <a:lstStyle/>
+          <a:p>
+            <a:pPr algn="ctr"/>
+            <a:endParaRPr lang="en-US"/>
+          </a:p>
+        </p:txBody>
+      </p:sp>
+      <p:sp>
+        <p:nvSpPr>
+          <p:cNvPr id="30" name="Rectangle 29"/>
+          <p:cNvSpPr/>
+          <p:nvPr/>
+        </p:nvSpPr>
+        <p:spPr>
+          <a:xfrm>
+            <a:off x="5354279" y="3546739"/>
+            <a:ext cx="289923" cy="105395"/>
+          </a:xfrm>
+          <a:prstGeom prst="rect">
+            <a:avLst/>
+          </a:prstGeom>
+          <a:noFill/>
+          <a:ln>
+            <a:solidFill>
+              <a:srgbClr val="FF0000"/>
+            </a:solidFill>
+          </a:ln>
+        </p:spPr>
+        <p:style>
+          <a:lnRef idx="2">
+            <a:schemeClr val="accent1">
+              <a:shade val="50000"/>
+            </a:schemeClr>
+          </a:lnRef>
+          <a:fillRef idx="1">
+            <a:schemeClr val="accent1"/>
+          </a:fillRef>
+          <a:effectRef idx="0">
+            <a:schemeClr val="accent1"/>
+          </a:effectRef>
+          <a:fontRef idx="minor">
+            <a:schemeClr val="lt1"/>
+          </a:fontRef>
+        </p:style>
+        <p:txBody>
+          <a:bodyPr rtlCol="0" anchor="ctr"/>
+          <a:lstStyle/>
+          <a:p>
+            <a:pPr algn="ctr"/>
+            <a:endParaRPr lang="en-US"/>
+          </a:p>
+        </p:txBody>
+      </p:sp>
+      <p:sp>
+        <p:nvSpPr>
+          <p:cNvPr id="32" name="Rectangle 31"/>
+          <p:cNvSpPr/>
+          <p:nvPr/>
+        </p:nvSpPr>
+        <p:spPr>
+          <a:xfrm>
+            <a:off x="4730950" y="3546739"/>
+            <a:ext cx="289923" cy="105395"/>
+          </a:xfrm>
+          <a:prstGeom prst="rect">
+            <a:avLst/>
+          </a:prstGeom>
+          <a:noFill/>
+          <a:ln>
+            <a:solidFill>
+              <a:srgbClr val="FF0000"/>
+            </a:solidFill>
+          </a:ln>
+        </p:spPr>
+        <p:style>
+          <a:lnRef idx="2">
+            <a:schemeClr val="accent1">
+              <a:shade val="50000"/>
+            </a:schemeClr>
+          </a:lnRef>
+          <a:fillRef idx="1">
+            <a:schemeClr val="accent1"/>
+          </a:fillRef>
+          <a:effectRef idx="0">
+            <a:schemeClr val="accent1"/>
+          </a:effectRef>
+          <a:fontRef idx="minor">
+            <a:schemeClr val="lt1"/>
+          </a:fontRef>
+        </p:style>
+        <p:txBody>
+          <a:bodyPr rtlCol="0" anchor="ctr"/>
+          <a:lstStyle/>
+          <a:p>
+            <a:pPr algn="ctr"/>
+            <a:endParaRPr lang="en-US"/>
+          </a:p>
+        </p:txBody>
+      </p:sp>
+      <p:sp>
+        <p:nvSpPr>
+          <p:cNvPr id="26" name="TextBox 25"/>
+          <p:cNvSpPr txBox="1"/>
+          <p:nvPr/>
+        </p:nvSpPr>
+        <p:spPr>
+          <a:xfrm>
+            <a:off x="395099" y="3491822"/>
+            <a:ext cx="3735686" cy="1107996"/>
+          </a:xfrm>
+          <a:prstGeom prst="rect">
+            <a:avLst/>
+          </a:prstGeom>
+          <a:noFill/>
+        </p:spPr>
+        <p:txBody>
+          <a:bodyPr wrap="square" rtlCol="0">
+            <a:spAutoFit/>
+          </a:bodyPr>
+          <a:lstStyle/>
+          <a:p>
+            <a:r>
+              <a:rPr lang="en-US" sz="1100" dirty="0" smtClean="0">
+                <a:solidFill>
+                  <a:srgbClr val="FFFF00"/>
+                </a:solidFill>
+              </a:rPr>
+              <a:t>ABV, IBU, Style, Light, Smooth, Clean, Sweet, Woody, Zippy, Strong, Hoppy, Floral, Citrus, Milk, Dark, Creamy, Mouthfeel, Soft, Boozy, Caramel, Oatmeal, Dry, Malty, Piney, Grassy, Tart, Sour, Salty, Fruity, Heat, Bitter, Coffee, </a:t>
+            </a:r>
+            <a:r>
+              <a:rPr lang="en-US" sz="1100" dirty="0" err="1" smtClean="0">
+                <a:solidFill>
+                  <a:srgbClr val="FFFF00"/>
+                </a:solidFill>
+              </a:rPr>
+              <a:t>Roasty</a:t>
+            </a:r>
+            <a:r>
+              <a:rPr lang="en-US" sz="1100" dirty="0" smtClean="0">
+                <a:solidFill>
+                  <a:srgbClr val="FFFF00"/>
+                </a:solidFill>
+              </a:rPr>
+              <a:t>, Chocolate, Juicy, Funky, Acidic, Crushable, User Name</a:t>
+            </a:r>
+            <a:endParaRPr lang="en-US" sz="1100" dirty="0">
+              <a:solidFill>
+                <a:srgbClr val="FFFF00"/>
+              </a:solidFill>
+            </a:endParaRPr>
+          </a:p>
+        </p:txBody>
+      </p:sp>
+    </p:spTree>
+    <p:extLst>
+      <p:ext uri="{BB962C8B-B14F-4D97-AF65-F5344CB8AC3E}">
+        <p14:creationId xmlns:p14="http://schemas.microsoft.com/office/powerpoint/2010/main" val="3430670895"/>
+      </p:ext>
+    </p:extLst>
+  </p:cSld>
+  <p:clrMapOvr>
+    <a:masterClrMapping/>
+  </p:clrMapOvr>
+  <mc:AlternateContent xmlns:mc="http://schemas.openxmlformats.org/markup-compatibility/2006" xmlns:p14="http://schemas.microsoft.com/office/powerpoint/2010/main">
+    <mc:Choice Requires="p14">
+      <p:transition p14:dur="250">
+        <p:fade/>
+      </p:transition>
+    </mc:Choice>
+    <mc:Fallback xmlns="">
+      <p:transition xmlns:p14="http://schemas.microsoft.com/office/powerpoint/2010/main">
+        <p:fade/>
+      </p:transition>
+    </mc:Fallback>
+  </mc:AlternateContent>
+</p:sld>
+</file>
+
+<file path=ppt/slides/slide13.xml><?xml version="1.0" encoding="utf-8"?>
+<p:sld xmlns:a="http://schemas.openxmlformats.org/drawingml/2006/main" xmlns:r="http://schemas.openxmlformats.org/officeDocument/2006/relationships" xmlns:p="http://schemas.openxmlformats.org/presentationml/2006/main">
+  <p:cSld>
+    <p:spTree>
+      <p:nvGrpSpPr>
+        <p:cNvPr id="1" name=""/>
+        <p:cNvGrpSpPr/>
+        <p:nvPr/>
+      </p:nvGrpSpPr>
+      <p:grpSpPr>
+        <a:xfrm>
+          <a:off x="0" y="0"/>
+          <a:ext cx="0" cy="0"/>
+          <a:chOff x="0" y="0"/>
+          <a:chExt cx="0" cy="0"/>
+        </a:xfrm>
+      </p:grpSpPr>
+      <p:sp>
+        <p:nvSpPr>
+          <p:cNvPr id="5" name="Title 4"/>
+          <p:cNvSpPr>
+            <a:spLocks noGrp="1"/>
+          </p:cNvSpPr>
+          <p:nvPr>
+            <p:ph type="title"/>
+          </p:nvPr>
+        </p:nvSpPr>
+        <p:spPr/>
+        <p:txBody>
+          <a:bodyPr/>
+          <a:lstStyle/>
+          <a:p>
+            <a:r>
+              <a:rPr lang="en-US" dirty="0" smtClean="0"/>
+              <a:t> Beer Recommendation - Modeling</a:t>
+            </a:r>
+            <a:endParaRPr lang="en-US" dirty="0"/>
+          </a:p>
+        </p:txBody>
+      </p:sp>
+      <p:sp>
+        <p:nvSpPr>
+          <p:cNvPr id="7" name="Content Placeholder 6"/>
+          <p:cNvSpPr>
+            <a:spLocks noGrp="1"/>
+          </p:cNvSpPr>
+          <p:nvPr>
+            <p:ph idx="1"/>
+          </p:nvPr>
+        </p:nvSpPr>
+        <p:spPr>
+          <a:xfrm>
+            <a:off x="317902" y="1115736"/>
+            <a:ext cx="5309176" cy="3680068"/>
+          </a:xfrm>
+        </p:spPr>
+        <p:txBody>
+          <a:bodyPr>
+            <a:normAutofit fontScale="92500" lnSpcReduction="10000"/>
+          </a:bodyPr>
+          <a:lstStyle/>
+          <a:p>
+            <a:pPr marL="0" indent="0">
+              <a:buNone/>
+            </a:pPr>
+            <a:r>
+              <a:rPr lang="en-US" dirty="0" smtClean="0"/>
+              <a:t>Random Forest – First Iteration</a:t>
+            </a:r>
+          </a:p>
+          <a:p>
+            <a:pPr lvl="1"/>
+            <a:r>
+              <a:rPr lang="en-US" dirty="0" smtClean="0"/>
+              <a:t>1555 Observations, 40 Features</a:t>
+            </a:r>
+          </a:p>
+          <a:p>
+            <a:pPr lvl="1"/>
+            <a:r>
+              <a:rPr lang="en-US" dirty="0" smtClean="0"/>
+              <a:t>80% training data, 20% testing data</a:t>
+            </a:r>
+          </a:p>
+          <a:p>
+            <a:pPr lvl="1"/>
+            <a:r>
+              <a:rPr lang="en-US" dirty="0" smtClean="0"/>
+              <a:t>Ratings – Ordinal 1 to 5 with 0.25 increments</a:t>
+            </a:r>
+          </a:p>
+          <a:p>
+            <a:pPr marL="34528" indent="0">
+              <a:buNone/>
+            </a:pPr>
+            <a:endParaRPr lang="en-US" dirty="0"/>
+          </a:p>
+          <a:p>
+            <a:pPr marL="34528" indent="0">
+              <a:buNone/>
+            </a:pPr>
+            <a:r>
+              <a:rPr lang="en-US" dirty="0" smtClean="0">
+                <a:solidFill>
+                  <a:srgbClr val="FFFF00"/>
+                </a:solidFill>
+              </a:rPr>
+              <a:t>Results/Challenges</a:t>
+            </a:r>
+          </a:p>
+          <a:p>
+            <a:pPr lvl="1"/>
+            <a:r>
+              <a:rPr lang="en-US" dirty="0" smtClean="0">
+                <a:solidFill>
+                  <a:srgbClr val="FFFF00"/>
+                </a:solidFill>
+              </a:rPr>
+              <a:t>Prediction rating was continuous (3.54, etc.,)</a:t>
+            </a:r>
+          </a:p>
+          <a:p>
+            <a:pPr lvl="1"/>
+            <a:r>
+              <a:rPr lang="en-US" dirty="0" smtClean="0">
+                <a:solidFill>
+                  <a:srgbClr val="FFFF00"/>
+                </a:solidFill>
+              </a:rPr>
+              <a:t>% var explained: 52.41 – Not very good</a:t>
+            </a:r>
+          </a:p>
+          <a:p>
+            <a:pPr lvl="1"/>
+            <a:r>
+              <a:rPr lang="en-US" dirty="0" smtClean="0">
+                <a:solidFill>
+                  <a:srgbClr val="FFFF00"/>
+                </a:solidFill>
+              </a:rPr>
+              <a:t>Mean Squared Residuals – 0.1704</a:t>
+            </a:r>
+          </a:p>
+          <a:p>
+            <a:pPr lvl="1"/>
+            <a:r>
+              <a:rPr lang="en-US" dirty="0" smtClean="0">
+                <a:solidFill>
+                  <a:srgbClr val="FFFF00"/>
+                </a:solidFill>
+              </a:rPr>
+              <a:t>Beer flavor features were not useful as they were not populated enough to have an impact on the ratings</a:t>
+            </a:r>
+          </a:p>
+          <a:p>
+            <a:pPr lvl="1"/>
+            <a:endParaRPr lang="en-US" dirty="0"/>
+          </a:p>
+          <a:p>
+            <a:pPr marL="34528" indent="0">
+              <a:buNone/>
+            </a:pPr>
+            <a:endParaRPr lang="en-US" dirty="0" smtClean="0"/>
+          </a:p>
+        </p:txBody>
+      </p:sp>
+      <p:pic>
+        <p:nvPicPr>
+          <p:cNvPr id="15" name="Picture 14"/>
+          <p:cNvPicPr>
+            <a:picLocks noChangeAspect="1"/>
+          </p:cNvPicPr>
+          <p:nvPr/>
+        </p:nvPicPr>
+        <p:blipFill>
+          <a:blip r:embed="rId2"/>
+          <a:stretch>
+            <a:fillRect/>
+          </a:stretch>
+        </p:blipFill>
+        <p:spPr>
+          <a:xfrm>
+            <a:off x="7730835" y="589033"/>
+            <a:ext cx="1328551" cy="3972233"/>
+          </a:xfrm>
+          <a:prstGeom prst="rect">
+            <a:avLst/>
+          </a:prstGeom>
+        </p:spPr>
+      </p:pic>
+      <p:pic>
+        <p:nvPicPr>
+          <p:cNvPr id="14" name="Picture 13"/>
+          <p:cNvPicPr>
+            <a:picLocks noChangeAspect="1"/>
+          </p:cNvPicPr>
+          <p:nvPr/>
+        </p:nvPicPr>
+        <p:blipFill>
+          <a:blip r:embed="rId3"/>
+          <a:stretch>
+            <a:fillRect/>
+          </a:stretch>
+        </p:blipFill>
+        <p:spPr>
+          <a:xfrm>
+            <a:off x="556915" y="3415445"/>
+            <a:ext cx="7128089" cy="1373965"/>
+          </a:xfrm>
+          <a:prstGeom prst="rect">
+            <a:avLst/>
+          </a:prstGeom>
+        </p:spPr>
+      </p:pic>
+      <p:sp>
+        <p:nvSpPr>
+          <p:cNvPr id="23" name="Oval 22"/>
+          <p:cNvSpPr/>
+          <p:nvPr/>
+        </p:nvSpPr>
+        <p:spPr>
+          <a:xfrm>
+            <a:off x="556915" y="3945348"/>
+            <a:ext cx="3477955" cy="524342"/>
+          </a:xfrm>
+          <a:prstGeom prst="ellipse">
+            <a:avLst/>
+          </a:prstGeom>
+          <a:noFill/>
+          <a:ln>
+            <a:solidFill>
+              <a:srgbClr val="FF0000"/>
+            </a:solidFill>
+          </a:ln>
+        </p:spPr>
+        <p:style>
+          <a:lnRef idx="2">
+            <a:schemeClr val="accent1">
+              <a:shade val="50000"/>
+            </a:schemeClr>
+          </a:lnRef>
+          <a:fillRef idx="1">
+            <a:schemeClr val="accent1"/>
+          </a:fillRef>
+          <a:effectRef idx="0">
+            <a:schemeClr val="accent1"/>
+          </a:effectRef>
+          <a:fontRef idx="minor">
+            <a:schemeClr val="lt1"/>
+          </a:fontRef>
+        </p:style>
+        <p:txBody>
+          <a:bodyPr rtlCol="0" anchor="ctr"/>
+          <a:lstStyle/>
+          <a:p>
+            <a:pPr algn="ctr"/>
+            <a:endParaRPr lang="en-US"/>
+          </a:p>
+        </p:txBody>
+      </p:sp>
+    </p:spTree>
+    <p:extLst>
+      <p:ext uri="{BB962C8B-B14F-4D97-AF65-F5344CB8AC3E}">
+        <p14:creationId xmlns:p14="http://schemas.microsoft.com/office/powerpoint/2010/main" val="3449833960"/>
+      </p:ext>
+    </p:extLst>
+  </p:cSld>
+  <p:clrMapOvr>
+    <a:masterClrMapping/>
+  </p:clrMapOvr>
+  <mc:AlternateContent xmlns:mc="http://schemas.openxmlformats.org/markup-compatibility/2006" xmlns:p14="http://schemas.microsoft.com/office/powerpoint/2010/main">
+    <mc:Choice Requires="p14">
+      <p:transition p14:dur="250">
+        <p:fade/>
+      </p:transition>
+    </mc:Choice>
+    <mc:Fallback xmlns="">
+      <p:transition xmlns:p14="http://schemas.microsoft.com/office/powerpoint/2010/main">
+        <p:fade/>
+      </p:transition>
+    </mc:Fallback>
+  </mc:AlternateContent>
+</p:sld>
+</file>
+
+<file path=ppt/slides/slide14.xml><?xml version="1.0" encoding="utf-8"?>
+<p:sld xmlns:a="http://schemas.openxmlformats.org/drawingml/2006/main" xmlns:r="http://schemas.openxmlformats.org/officeDocument/2006/relationships" xmlns:p="http://schemas.openxmlformats.org/presentationml/2006/main">
+  <p:cSld>
+    <p:spTree>
+      <p:nvGrpSpPr>
+        <p:cNvPr id="1" name=""/>
+        <p:cNvGrpSpPr/>
+        <p:nvPr/>
+      </p:nvGrpSpPr>
+      <p:grpSpPr>
+        <a:xfrm>
+          <a:off x="0" y="0"/>
+          <a:ext cx="0" cy="0"/>
+          <a:chOff x="0" y="0"/>
+          <a:chExt cx="0" cy="0"/>
+        </a:xfrm>
+      </p:grpSpPr>
+      <p:sp>
+        <p:nvSpPr>
+          <p:cNvPr id="5" name="Title 4"/>
+          <p:cNvSpPr>
+            <a:spLocks noGrp="1"/>
+          </p:cNvSpPr>
+          <p:nvPr>
+            <p:ph type="title"/>
+          </p:nvPr>
+        </p:nvSpPr>
+        <p:spPr/>
+        <p:txBody>
+          <a:bodyPr/>
+          <a:lstStyle/>
+          <a:p>
+            <a:r>
+              <a:rPr lang="en-US" dirty="0" smtClean="0"/>
+              <a:t> Beer Recommendation - Modeling</a:t>
+            </a:r>
+            <a:endParaRPr lang="en-US" dirty="0"/>
+          </a:p>
+        </p:txBody>
+      </p:sp>
+      <p:sp>
+        <p:nvSpPr>
+          <p:cNvPr id="7" name="Content Placeholder 6"/>
+          <p:cNvSpPr>
+            <a:spLocks noGrp="1"/>
+          </p:cNvSpPr>
+          <p:nvPr>
+            <p:ph idx="1"/>
+          </p:nvPr>
+        </p:nvSpPr>
+        <p:spPr>
+          <a:xfrm>
+            <a:off x="317901" y="1115736"/>
+            <a:ext cx="5660867" cy="3680068"/>
+          </a:xfrm>
+        </p:spPr>
+        <p:txBody>
+          <a:bodyPr>
+            <a:normAutofit/>
+          </a:bodyPr>
+          <a:lstStyle/>
+          <a:p>
+            <a:pPr marL="0" indent="0">
+              <a:buNone/>
+            </a:pPr>
+            <a:r>
+              <a:rPr lang="en-US" dirty="0" smtClean="0"/>
+              <a:t>Random Forest – Second Iteration</a:t>
+            </a:r>
+          </a:p>
+          <a:p>
+            <a:pPr lvl="1"/>
+            <a:r>
+              <a:rPr lang="en-US" dirty="0" smtClean="0"/>
+              <a:t>1555 Observations, 40 Features</a:t>
+            </a:r>
+          </a:p>
+          <a:p>
+            <a:pPr lvl="1"/>
+            <a:r>
+              <a:rPr lang="en-US" dirty="0" smtClean="0"/>
+              <a:t>80% training data, 20% testing data</a:t>
+            </a:r>
+          </a:p>
+          <a:p>
+            <a:pPr lvl="1"/>
+            <a:r>
+              <a:rPr lang="en-US" dirty="0" smtClean="0"/>
+              <a:t>Ratings – 3.5 above – ThumsUp, else ThumsDown</a:t>
+            </a:r>
+          </a:p>
+          <a:p>
+            <a:pPr marL="34528" indent="0">
+              <a:buNone/>
+            </a:pPr>
+            <a:endParaRPr lang="en-US" dirty="0"/>
+          </a:p>
+          <a:p>
+            <a:pPr marL="34528" indent="0">
+              <a:buNone/>
+            </a:pPr>
+            <a:r>
+              <a:rPr lang="en-US" dirty="0" smtClean="0">
+                <a:solidFill>
+                  <a:srgbClr val="FFFF00"/>
+                </a:solidFill>
+              </a:rPr>
+              <a:t>Results</a:t>
+            </a:r>
+          </a:p>
+          <a:p>
+            <a:pPr lvl="1"/>
+            <a:endParaRPr lang="en-US" dirty="0"/>
+          </a:p>
+          <a:p>
+            <a:pPr marL="34528" indent="0">
+              <a:buNone/>
+            </a:pPr>
+            <a:endParaRPr lang="en-US" dirty="0" smtClean="0"/>
+          </a:p>
+        </p:txBody>
+      </p:sp>
+      <p:pic>
+        <p:nvPicPr>
+          <p:cNvPr id="3" name="Picture 2"/>
+          <p:cNvPicPr>
+            <a:picLocks noChangeAspect="1"/>
+          </p:cNvPicPr>
+          <p:nvPr/>
+        </p:nvPicPr>
+        <p:blipFill>
+          <a:blip r:embed="rId2"/>
+          <a:stretch>
+            <a:fillRect/>
+          </a:stretch>
+        </p:blipFill>
+        <p:spPr>
+          <a:xfrm>
+            <a:off x="440215" y="3338679"/>
+            <a:ext cx="7943850" cy="1714500"/>
+          </a:xfrm>
+          <a:prstGeom prst="rect">
+            <a:avLst/>
+          </a:prstGeom>
+        </p:spPr>
+      </p:pic>
+      <p:sp>
+        <p:nvSpPr>
+          <p:cNvPr id="8" name="Oval 7"/>
+          <p:cNvSpPr/>
+          <p:nvPr/>
+        </p:nvSpPr>
+        <p:spPr>
+          <a:xfrm>
+            <a:off x="317901" y="3849432"/>
+            <a:ext cx="3243783" cy="454003"/>
+          </a:xfrm>
+          <a:prstGeom prst="ellipse">
+            <a:avLst/>
+          </a:prstGeom>
+          <a:noFill/>
+          <a:ln>
+            <a:solidFill>
+              <a:srgbClr val="FF0000"/>
+            </a:solidFill>
+          </a:ln>
+        </p:spPr>
+        <p:style>
+          <a:lnRef idx="2">
+            <a:schemeClr val="accent1">
+              <a:shade val="50000"/>
+            </a:schemeClr>
+          </a:lnRef>
+          <a:fillRef idx="1">
+            <a:schemeClr val="accent1"/>
+          </a:fillRef>
+          <a:effectRef idx="0">
+            <a:schemeClr val="accent1"/>
+          </a:effectRef>
+          <a:fontRef idx="minor">
+            <a:schemeClr val="lt1"/>
+          </a:fontRef>
+        </p:style>
+        <p:txBody>
+          <a:bodyPr rtlCol="0" anchor="ctr"/>
+          <a:lstStyle/>
+          <a:p>
+            <a:pPr algn="ctr"/>
+            <a:endParaRPr lang="en-US"/>
+          </a:p>
+        </p:txBody>
+      </p:sp>
+    </p:spTree>
+    <p:extLst>
+      <p:ext uri="{BB962C8B-B14F-4D97-AF65-F5344CB8AC3E}">
+        <p14:creationId xmlns:p14="http://schemas.microsoft.com/office/powerpoint/2010/main" val="612877143"/>
+      </p:ext>
+    </p:extLst>
+  </p:cSld>
+  <p:clrMapOvr>
+    <a:masterClrMapping/>
+  </p:clrMapOvr>
+  <mc:AlternateContent xmlns:mc="http://schemas.openxmlformats.org/markup-compatibility/2006" xmlns:p14="http://schemas.microsoft.com/office/powerpoint/2010/main">
+    <mc:Choice Requires="p14">
+      <p:transition p14:dur="250">
+        <p:fade/>
+      </p:transition>
+    </mc:Choice>
+    <mc:Fallback xmlns="">
+      <p:transition xmlns:p14="http://schemas.microsoft.com/office/powerpoint/2010/main">
+        <p:fade/>
+      </p:transition>
+    </mc:Fallback>
+  </mc:AlternateContent>
+</p:sld>
+</file>
+
+<file path=ppt/slides/slide15.xml><?xml version="1.0" encoding="utf-8"?>
+<p:sld xmlns:a="http://schemas.openxmlformats.org/drawingml/2006/main" xmlns:r="http://schemas.openxmlformats.org/officeDocument/2006/relationships" xmlns:p="http://schemas.openxmlformats.org/presentationml/2006/main">
+  <p:cSld>
+    <p:spTree>
+      <p:nvGrpSpPr>
+        <p:cNvPr id="1" name=""/>
+        <p:cNvGrpSpPr/>
+        <p:nvPr/>
+      </p:nvGrpSpPr>
+      <p:grpSpPr>
+        <a:xfrm>
+          <a:off x="0" y="0"/>
+          <a:ext cx="0" cy="0"/>
+          <a:chOff x="0" y="0"/>
+          <a:chExt cx="0" cy="0"/>
+        </a:xfrm>
+      </p:grpSpPr>
+      <p:sp>
+        <p:nvSpPr>
+          <p:cNvPr id="5" name="Title 4"/>
+          <p:cNvSpPr>
+            <a:spLocks noGrp="1"/>
+          </p:cNvSpPr>
+          <p:nvPr>
+            <p:ph type="title"/>
+          </p:nvPr>
+        </p:nvSpPr>
+        <p:spPr/>
+        <p:txBody>
+          <a:bodyPr/>
+          <a:lstStyle/>
+          <a:p>
+            <a:r>
+              <a:rPr lang="en-US" dirty="0" smtClean="0"/>
+              <a:t> Beer Recommendation - Modeling</a:t>
+            </a:r>
+            <a:endParaRPr lang="en-US" dirty="0"/>
+          </a:p>
+        </p:txBody>
+      </p:sp>
+      <p:sp>
+        <p:nvSpPr>
+          <p:cNvPr id="7" name="Content Placeholder 6"/>
+          <p:cNvSpPr>
+            <a:spLocks noGrp="1"/>
+          </p:cNvSpPr>
+          <p:nvPr>
+            <p:ph idx="1"/>
+          </p:nvPr>
+        </p:nvSpPr>
+        <p:spPr>
+          <a:xfrm>
+            <a:off x="317901" y="1115736"/>
+            <a:ext cx="5660867" cy="3680068"/>
+          </a:xfrm>
+        </p:spPr>
+        <p:txBody>
+          <a:bodyPr>
+            <a:normAutofit/>
+          </a:bodyPr>
+          <a:lstStyle/>
+          <a:p>
+            <a:pPr marL="0" indent="0">
+              <a:buNone/>
+            </a:pPr>
+            <a:r>
+              <a:rPr lang="en-US" dirty="0" smtClean="0"/>
+              <a:t>Random Forest – Third Iteration</a:t>
+            </a:r>
+          </a:p>
+          <a:p>
+            <a:pPr lvl="1"/>
+            <a:r>
+              <a:rPr lang="en-US" dirty="0" smtClean="0"/>
+              <a:t>1555 Observations, Top 5 Features</a:t>
+            </a:r>
+          </a:p>
+          <a:p>
+            <a:pPr lvl="1"/>
+            <a:r>
+              <a:rPr lang="en-US" dirty="0" smtClean="0"/>
+              <a:t>80% training data, 20% testing data</a:t>
+            </a:r>
+          </a:p>
+          <a:p>
+            <a:pPr lvl="1"/>
+            <a:r>
+              <a:rPr lang="en-US" dirty="0" smtClean="0"/>
+              <a:t>Ratings – 3.5 above – ThumsUp, else ThumsDown</a:t>
+            </a:r>
+          </a:p>
+          <a:p>
+            <a:pPr marL="34528" indent="0">
+              <a:buNone/>
+            </a:pPr>
+            <a:endParaRPr lang="en-US" dirty="0"/>
+          </a:p>
+          <a:p>
+            <a:pPr marL="34528" indent="0">
+              <a:buNone/>
+            </a:pPr>
+            <a:r>
+              <a:rPr lang="en-US" dirty="0" smtClean="0">
+                <a:solidFill>
+                  <a:srgbClr val="FFFF00"/>
+                </a:solidFill>
+              </a:rPr>
+              <a:t>Results</a:t>
+            </a:r>
+          </a:p>
+          <a:p>
+            <a:pPr lvl="1"/>
+            <a:endParaRPr lang="en-US" dirty="0"/>
+          </a:p>
+          <a:p>
+            <a:pPr marL="34528" indent="0">
+              <a:buNone/>
+            </a:pPr>
+            <a:endParaRPr lang="en-US" dirty="0" smtClean="0"/>
+          </a:p>
+        </p:txBody>
+      </p:sp>
+      <p:pic>
+        <p:nvPicPr>
+          <p:cNvPr id="2" name="Picture 1"/>
+          <p:cNvPicPr>
+            <a:picLocks noChangeAspect="1"/>
+          </p:cNvPicPr>
+          <p:nvPr/>
+        </p:nvPicPr>
+        <p:blipFill>
+          <a:blip r:embed="rId2"/>
+          <a:stretch>
+            <a:fillRect/>
+          </a:stretch>
+        </p:blipFill>
+        <p:spPr>
+          <a:xfrm>
+            <a:off x="317901" y="3351201"/>
+            <a:ext cx="8620125" cy="1638300"/>
+          </a:xfrm>
+          <a:prstGeom prst="rect">
+            <a:avLst/>
+          </a:prstGeom>
+        </p:spPr>
+      </p:pic>
+      <p:sp>
+        <p:nvSpPr>
+          <p:cNvPr id="4" name="Oval 3"/>
+          <p:cNvSpPr/>
+          <p:nvPr/>
+        </p:nvSpPr>
+        <p:spPr>
+          <a:xfrm>
+            <a:off x="317901" y="3849432"/>
+            <a:ext cx="3243783" cy="454003"/>
+          </a:xfrm>
+          <a:prstGeom prst="ellipse">
+            <a:avLst/>
+          </a:prstGeom>
+          <a:noFill/>
+          <a:ln>
+            <a:solidFill>
+              <a:srgbClr val="FF0000"/>
+            </a:solidFill>
+          </a:ln>
+        </p:spPr>
+        <p:style>
+          <a:lnRef idx="2">
+            <a:schemeClr val="accent1">
+              <a:shade val="50000"/>
+            </a:schemeClr>
+          </a:lnRef>
+          <a:fillRef idx="1">
+            <a:schemeClr val="accent1"/>
+          </a:fillRef>
+          <a:effectRef idx="0">
+            <a:schemeClr val="accent1"/>
+          </a:effectRef>
+          <a:fontRef idx="minor">
+            <a:schemeClr val="lt1"/>
+          </a:fontRef>
+        </p:style>
+        <p:txBody>
+          <a:bodyPr rtlCol="0" anchor="ctr"/>
+          <a:lstStyle/>
+          <a:p>
+            <a:pPr algn="ctr"/>
+            <a:endParaRPr lang="en-US"/>
+          </a:p>
+        </p:txBody>
+      </p:sp>
+    </p:spTree>
+    <p:extLst>
+      <p:ext uri="{BB962C8B-B14F-4D97-AF65-F5344CB8AC3E}">
+        <p14:creationId xmlns:p14="http://schemas.microsoft.com/office/powerpoint/2010/main" val="1476517325"/>
+      </p:ext>
+    </p:extLst>
+  </p:cSld>
+  <p:clrMapOvr>
+    <a:masterClrMapping/>
+  </p:clrMapOvr>
+  <mc:AlternateContent xmlns:mc="http://schemas.openxmlformats.org/markup-compatibility/2006" xmlns:p14="http://schemas.microsoft.com/office/powerpoint/2010/main">
+    <mc:Choice Requires="p14">
+      <p:transition p14:dur="250">
+        <p:fade/>
+      </p:transition>
+    </mc:Choice>
+    <mc:Fallback xmlns="">
+      <p:transition xmlns:p14="http://schemas.microsoft.com/office/powerpoint/2010/main">
+        <p:fade/>
+      </p:transition>
+    </mc:Fallback>
+  </mc:AlternateContent>
+</p:sld>
+</file>
+
 <file path=ppt/slides/slide2.xml><?xml version="1.0" encoding="utf-8"?>
 <p:sld xmlns:a="http://schemas.openxmlformats.org/drawingml/2006/main" xmlns:r="http://schemas.openxmlformats.org/officeDocument/2006/relationships" xmlns:p="http://schemas.openxmlformats.org/presentationml/2006/main">
   <p:cSld>
@@ -9515,16 +12605,17 @@
             </a:pPr>
             <a:r>
               <a:rPr lang="en-US" sz="1400" i="1" dirty="0" smtClean="0"/>
-              <a:t>“</a:t>
+              <a:t>For </a:t>
             </a:r>
             <a:r>
               <a:rPr lang="en-US" sz="1400" i="1" dirty="0"/>
-              <a:t>For me, it equates to a sense of adventure – collecting sensory experiences through flavor profiles like Indiana Jones collects priceless artifacts. The excitement of a satisfying brew, falling into off-flavors – these experiences belong in the museum of your mind</a:t>
+              <a:t>me, it equates to a sense of adventure – collecting sensory experiences through flavor profiles like Indiana Jones collects priceless artifacts. The excitement of a satisfying brew, falling into off-flavors – these experiences belong in the museum of your mind</a:t>
             </a:r>
             <a:r>
               <a:rPr lang="en-US" sz="1400" i="1" dirty="0" smtClean="0"/>
-              <a:t>!”</a:t>
-            </a:r>
+              <a:t>!</a:t>
+            </a:r>
+            <a:endParaRPr lang="en-US" sz="1400" i="1" dirty="0" smtClean="0"/>
           </a:p>
           <a:p>
             <a:pPr marL="0" indent="0">
@@ -9820,13 +12911,6 @@
             </a:r>
           </a:p>
           <a:p>
-            <a:pPr lvl="1"/>
-            <a:r>
-              <a:rPr lang="en-US" dirty="0" smtClean="0"/>
-              <a:t>Reproducible research</a:t>
-            </a:r>
-          </a:p>
-          <a:p>
             <a:r>
               <a:rPr lang="en-US" dirty="0" smtClean="0"/>
               <a:t>Apply Statistics lessons from MSDS 6371</a:t>
@@ -9849,15 +12933,7 @@
             <a:pPr lvl="1"/>
             <a:r>
               <a:rPr lang="en-US" dirty="0" smtClean="0"/>
-              <a:t>APIs, Web Scraping, ML algorithms, H</a:t>
-            </a:r>
-            <a:r>
-              <a:rPr lang="en-US" baseline="-25000" dirty="0" smtClean="0"/>
-              <a:t>2</a:t>
-            </a:r>
-            <a:r>
-              <a:rPr lang="en-US" dirty="0" smtClean="0"/>
-              <a:t>O Platform</a:t>
+              <a:t>APIs, Web Scraping, ML algorithms, </a:t>
             </a:r>
           </a:p>
           <a:p>
@@ -9948,349 +13024,334 @@
           </a:p>
         </p:txBody>
       </p:sp>
+      <p:pic>
+        <p:nvPicPr>
+          <p:cNvPr id="3" name="Picture 2"/>
+          <p:cNvPicPr>
+            <a:picLocks noChangeAspect="1"/>
+          </p:cNvPicPr>
+          <p:nvPr/>
+        </p:nvPicPr>
+        <p:blipFill>
+          <a:blip r:embed="rId2"/>
+          <a:stretch>
+            <a:fillRect/>
+          </a:stretch>
+        </p:blipFill>
+        <p:spPr>
+          <a:xfrm>
+            <a:off x="3247103" y="950170"/>
+            <a:ext cx="2415918" cy="1100250"/>
+          </a:xfrm>
+          <a:prstGeom prst="rect">
+            <a:avLst/>
+          </a:prstGeom>
+        </p:spPr>
+      </p:pic>
       <p:grpSp>
         <p:nvGrpSpPr>
-          <p:cNvPr id="45" name="Group 44"/>
+          <p:cNvPr id="22" name="Group 21"/>
           <p:cNvGrpSpPr/>
           <p:nvPr/>
         </p:nvGrpSpPr>
         <p:grpSpPr>
           <a:xfrm>
-            <a:off x="3247102" y="950170"/>
-            <a:ext cx="2415919" cy="2479572"/>
-            <a:chOff x="3075709" y="953257"/>
-            <a:chExt cx="2415919" cy="2479572"/>
+            <a:off x="3448426" y="2435886"/>
+            <a:ext cx="848324" cy="993856"/>
+            <a:chOff x="2840781" y="2510804"/>
+            <a:chExt cx="848324" cy="993856"/>
           </a:xfrm>
         </p:grpSpPr>
         <p:pic>
           <p:nvPicPr>
-            <p:cNvPr id="3" name="Picture 2"/>
+            <p:cNvPr id="12" name="Picture 11"/>
             <p:cNvPicPr>
               <a:picLocks noChangeAspect="1"/>
             </p:cNvPicPr>
             <p:nvPr/>
           </p:nvPicPr>
           <p:blipFill>
-            <a:blip r:embed="rId2"/>
+            <a:blip r:embed="rId3"/>
             <a:stretch>
               <a:fillRect/>
             </a:stretch>
           </p:blipFill>
           <p:spPr>
             <a:xfrm>
-              <a:off x="3075710" y="953257"/>
-              <a:ext cx="2415918" cy="1100250"/>
+              <a:off x="2840781" y="2510804"/>
+              <a:ext cx="593015" cy="755485"/>
             </a:xfrm>
             <a:prstGeom prst="rect">
               <a:avLst/>
             </a:prstGeom>
           </p:spPr>
         </p:pic>
-        <p:grpSp>
-          <p:nvGrpSpPr>
-            <p:cNvPr id="22" name="Group 21"/>
-            <p:cNvGrpSpPr/>
+        <p:pic>
+          <p:nvPicPr>
+            <p:cNvPr id="19" name="Picture 18"/>
+            <p:cNvPicPr>
+              <a:picLocks noChangeAspect="1"/>
+            </p:cNvPicPr>
             <p:nvPr/>
-          </p:nvGrpSpPr>
-          <p:grpSpPr>
+          </p:nvPicPr>
+          <p:blipFill>
+            <a:blip r:embed="rId3"/>
+            <a:stretch>
+              <a:fillRect/>
+            </a:stretch>
+          </p:blipFill>
+          <p:spPr>
             <a:xfrm>
-              <a:off x="3277033" y="2438973"/>
-              <a:ext cx="848324" cy="993856"/>
-              <a:chOff x="2840781" y="2510804"/>
-              <a:chExt cx="848324" cy="993856"/>
+              <a:off x="2916981" y="2590261"/>
+              <a:ext cx="593015" cy="755485"/>
             </a:xfrm>
-          </p:grpSpPr>
-          <p:pic>
-            <p:nvPicPr>
-              <p:cNvPr id="12" name="Picture 11"/>
-              <p:cNvPicPr>
-                <a:picLocks noChangeAspect="1"/>
-              </p:cNvPicPr>
-              <p:nvPr/>
-            </p:nvPicPr>
-            <p:blipFill>
-              <a:blip r:embed="rId3"/>
-              <a:stretch>
-                <a:fillRect/>
-              </a:stretch>
-            </p:blipFill>
-            <p:spPr>
-              <a:xfrm>
-                <a:off x="2840781" y="2510804"/>
-                <a:ext cx="593015" cy="755485"/>
-              </a:xfrm>
-              <a:prstGeom prst="rect">
-                <a:avLst/>
-              </a:prstGeom>
-            </p:spPr>
-          </p:pic>
-          <p:pic>
-            <p:nvPicPr>
-              <p:cNvPr id="19" name="Picture 18"/>
-              <p:cNvPicPr>
-                <a:picLocks noChangeAspect="1"/>
-              </p:cNvPicPr>
-              <p:nvPr/>
-            </p:nvPicPr>
-            <p:blipFill>
-              <a:blip r:embed="rId3"/>
-              <a:stretch>
-                <a:fillRect/>
-              </a:stretch>
-            </p:blipFill>
-            <p:spPr>
-              <a:xfrm>
-                <a:off x="2916981" y="2590261"/>
-                <a:ext cx="593015" cy="755485"/>
-              </a:xfrm>
-              <a:prstGeom prst="rect">
-                <a:avLst/>
-              </a:prstGeom>
-            </p:spPr>
-          </p:pic>
-          <p:pic>
-            <p:nvPicPr>
-              <p:cNvPr id="20" name="Picture 19"/>
-              <p:cNvPicPr>
-                <a:picLocks noChangeAspect="1"/>
-              </p:cNvPicPr>
-              <p:nvPr/>
-            </p:nvPicPr>
-            <p:blipFill>
-              <a:blip r:embed="rId3"/>
-              <a:stretch>
-                <a:fillRect/>
-              </a:stretch>
-            </p:blipFill>
-            <p:spPr>
-              <a:xfrm>
-                <a:off x="3001473" y="2669718"/>
-                <a:ext cx="593015" cy="755485"/>
-              </a:xfrm>
-              <a:prstGeom prst="rect">
-                <a:avLst/>
-              </a:prstGeom>
-            </p:spPr>
-          </p:pic>
-          <p:pic>
-            <p:nvPicPr>
-              <p:cNvPr id="21" name="Picture 20"/>
-              <p:cNvPicPr>
-                <a:picLocks noChangeAspect="1"/>
-              </p:cNvPicPr>
-              <p:nvPr/>
-            </p:nvPicPr>
-            <p:blipFill>
-              <a:blip r:embed="rId3"/>
-              <a:stretch>
-                <a:fillRect/>
-              </a:stretch>
-            </p:blipFill>
-            <p:spPr>
-              <a:xfrm>
-                <a:off x="3096090" y="2749175"/>
-                <a:ext cx="593015" cy="755485"/>
-              </a:xfrm>
-              <a:prstGeom prst="rect">
-                <a:avLst/>
-              </a:prstGeom>
-            </p:spPr>
-          </p:pic>
-        </p:grpSp>
-        <p:cxnSp>
-          <p:nvCxnSpPr>
-            <p:cNvPr id="24" name="Elbow Connector 23"/>
-            <p:cNvCxnSpPr>
-              <a:stCxn id="3" idx="1"/>
-              <a:endCxn id="12" idx="1"/>
-            </p:cNvCxnSpPr>
+            <a:prstGeom prst="rect">
+              <a:avLst/>
+            </a:prstGeom>
+          </p:spPr>
+        </p:pic>
+        <p:pic>
+          <p:nvPicPr>
+            <p:cNvPr id="20" name="Picture 19"/>
+            <p:cNvPicPr>
+              <a:picLocks noChangeAspect="1"/>
+            </p:cNvPicPr>
             <p:nvPr/>
-          </p:nvCxnSpPr>
+          </p:nvPicPr>
+          <p:blipFill>
+            <a:blip r:embed="rId3"/>
+            <a:stretch>
+              <a:fillRect/>
+            </a:stretch>
+          </p:blipFill>
           <p:spPr>
-            <a:xfrm rot="10800000" flipH="1" flipV="1">
-              <a:off x="3075709" y="1503382"/>
-              <a:ext cx="201323" cy="1313334"/>
+            <a:xfrm>
+              <a:off x="3001473" y="2669718"/>
+              <a:ext cx="593015" cy="755485"/>
             </a:xfrm>
-            <a:prstGeom prst="bentConnector3">
-              <a:avLst>
-                <a:gd name="adj1" fmla="val -113549"/>
-              </a:avLst>
+            <a:prstGeom prst="rect">
+              <a:avLst/>
             </a:prstGeom>
-            <a:ln w="38100">
-              <a:solidFill>
-                <a:srgbClr val="00B0F0"/>
-              </a:solidFill>
-              <a:tailEnd type="triangle"/>
-            </a:ln>
           </p:spPr>
-          <p:style>
-            <a:lnRef idx="1">
-              <a:schemeClr val="accent1"/>
-            </a:lnRef>
-            <a:fillRef idx="0">
-              <a:schemeClr val="accent1"/>
-            </a:fillRef>
-            <a:effectRef idx="0">
-              <a:schemeClr val="accent1"/>
-            </a:effectRef>
-            <a:fontRef idx="minor">
-              <a:schemeClr val="tx1"/>
-            </a:fontRef>
-          </p:style>
-        </p:cxnSp>
-        <p:grpSp>
-          <p:nvGrpSpPr>
-            <p:cNvPr id="39" name="Group 38"/>
-            <p:cNvGrpSpPr/>
+        </p:pic>
+        <p:pic>
+          <p:nvPicPr>
+            <p:cNvPr id="21" name="Picture 20"/>
+            <p:cNvPicPr>
+              <a:picLocks noChangeAspect="1"/>
+            </p:cNvPicPr>
             <p:nvPr/>
-          </p:nvGrpSpPr>
-          <p:grpSpPr>
+          </p:nvPicPr>
+          <p:blipFill>
+            <a:blip r:embed="rId3"/>
+            <a:stretch>
+              <a:fillRect/>
+            </a:stretch>
+          </p:blipFill>
+          <p:spPr>
             <a:xfrm>
-              <a:off x="4440284" y="2518430"/>
-              <a:ext cx="1000189" cy="911705"/>
-              <a:chOff x="5521091" y="2016569"/>
-              <a:chExt cx="1000189" cy="911705"/>
+              <a:off x="3096090" y="2749175"/>
+              <a:ext cx="593015" cy="755485"/>
             </a:xfrm>
-          </p:grpSpPr>
-          <p:pic>
-            <p:nvPicPr>
-              <p:cNvPr id="25" name="Picture 24"/>
-              <p:cNvPicPr>
-                <a:picLocks noChangeAspect="1"/>
-              </p:cNvPicPr>
-              <p:nvPr/>
-            </p:nvPicPr>
-            <p:blipFill>
-              <a:blip r:embed="rId4"/>
-              <a:stretch>
-                <a:fillRect/>
-              </a:stretch>
-            </p:blipFill>
-            <p:spPr>
-              <a:xfrm>
-                <a:off x="5815452" y="2016569"/>
-                <a:ext cx="705828" cy="660775"/>
-              </a:xfrm>
-              <a:prstGeom prst="rect">
-                <a:avLst/>
-              </a:prstGeom>
-            </p:spPr>
-          </p:pic>
-          <p:pic>
-            <p:nvPicPr>
-              <p:cNvPr id="29" name="Picture 28"/>
-              <p:cNvPicPr>
-                <a:picLocks noChangeAspect="1"/>
-              </p:cNvPicPr>
-              <p:nvPr/>
-            </p:nvPicPr>
-            <p:blipFill>
-              <a:blip r:embed="rId4"/>
-              <a:stretch>
-                <a:fillRect/>
-              </a:stretch>
-            </p:blipFill>
-            <p:spPr>
-              <a:xfrm>
-                <a:off x="5718136" y="2108585"/>
-                <a:ext cx="705828" cy="660775"/>
-              </a:xfrm>
-              <a:prstGeom prst="rect">
-                <a:avLst/>
-              </a:prstGeom>
-            </p:spPr>
-          </p:pic>
-          <p:pic>
-            <p:nvPicPr>
-              <p:cNvPr id="30" name="Picture 29"/>
-              <p:cNvPicPr>
-                <a:picLocks noChangeAspect="1"/>
-              </p:cNvPicPr>
-              <p:nvPr/>
-            </p:nvPicPr>
-            <p:blipFill>
-              <a:blip r:embed="rId4"/>
-              <a:stretch>
-                <a:fillRect/>
-              </a:stretch>
-            </p:blipFill>
-            <p:spPr>
-              <a:xfrm>
-                <a:off x="5615708" y="2181763"/>
-                <a:ext cx="705828" cy="660775"/>
-              </a:xfrm>
-              <a:prstGeom prst="rect">
-                <a:avLst/>
-              </a:prstGeom>
-            </p:spPr>
-          </p:pic>
-          <p:pic>
-            <p:nvPicPr>
-              <p:cNvPr id="31" name="Picture 30"/>
-              <p:cNvPicPr>
-                <a:picLocks noChangeAspect="1"/>
-              </p:cNvPicPr>
-              <p:nvPr/>
-            </p:nvPicPr>
-            <p:blipFill>
-              <a:blip r:embed="rId4"/>
-              <a:stretch>
-                <a:fillRect/>
-              </a:stretch>
-            </p:blipFill>
-            <p:spPr>
-              <a:xfrm>
-                <a:off x="5521091" y="2267499"/>
-                <a:ext cx="705828" cy="660775"/>
-              </a:xfrm>
-              <a:prstGeom prst="rect">
-                <a:avLst/>
-              </a:prstGeom>
-            </p:spPr>
-          </p:pic>
-        </p:grpSp>
-        <p:cxnSp>
-          <p:nvCxnSpPr>
-            <p:cNvPr id="33" name="Elbow Connector 32"/>
-            <p:cNvCxnSpPr>
-              <a:stCxn id="3" idx="3"/>
-              <a:endCxn id="25" idx="3"/>
-            </p:cNvCxnSpPr>
+            <a:prstGeom prst="rect">
+              <a:avLst/>
+            </a:prstGeom>
+          </p:spPr>
+        </p:pic>
+      </p:grpSp>
+      <p:cxnSp>
+        <p:nvCxnSpPr>
+          <p:cNvPr id="24" name="Elbow Connector 23"/>
+          <p:cNvCxnSpPr>
+            <a:stCxn id="3" idx="1"/>
+            <a:endCxn id="12" idx="1"/>
+          </p:cNvCxnSpPr>
+          <p:nvPr/>
+        </p:nvCxnSpPr>
+        <p:spPr>
+          <a:xfrm rot="10800000" flipH="1" flipV="1">
+            <a:off x="3247102" y="1500295"/>
+            <a:ext cx="201323" cy="1313334"/>
+          </a:xfrm>
+          <a:prstGeom prst="bentConnector3">
+            <a:avLst>
+              <a:gd name="adj1" fmla="val -113549"/>
+            </a:avLst>
+          </a:prstGeom>
+          <a:ln w="38100">
+            <a:solidFill>
+              <a:srgbClr val="00B0F0"/>
+            </a:solidFill>
+            <a:tailEnd type="triangle"/>
+          </a:ln>
+        </p:spPr>
+        <p:style>
+          <a:lnRef idx="1">
+            <a:schemeClr val="accent1"/>
+          </a:lnRef>
+          <a:fillRef idx="0">
+            <a:schemeClr val="accent1"/>
+          </a:fillRef>
+          <a:effectRef idx="0">
+            <a:schemeClr val="accent1"/>
+          </a:effectRef>
+          <a:fontRef idx="minor">
+            <a:schemeClr val="tx1"/>
+          </a:fontRef>
+        </p:style>
+      </p:cxnSp>
+      <p:grpSp>
+        <p:nvGrpSpPr>
+          <p:cNvPr id="39" name="Group 38"/>
+          <p:cNvGrpSpPr/>
+          <p:nvPr/>
+        </p:nvGrpSpPr>
+        <p:grpSpPr>
+          <a:xfrm>
+            <a:off x="4611677" y="2515343"/>
+            <a:ext cx="1000189" cy="911705"/>
+            <a:chOff x="5521091" y="2016569"/>
+            <a:chExt cx="1000189" cy="911705"/>
+          </a:xfrm>
+        </p:grpSpPr>
+        <p:pic>
+          <p:nvPicPr>
+            <p:cNvPr id="25" name="Picture 24"/>
+            <p:cNvPicPr>
+              <a:picLocks noChangeAspect="1"/>
+            </p:cNvPicPr>
             <p:nvPr/>
-          </p:nvCxnSpPr>
+          </p:nvPicPr>
+          <p:blipFill>
+            <a:blip r:embed="rId4"/>
+            <a:stretch>
+              <a:fillRect/>
+            </a:stretch>
+          </p:blipFill>
           <p:spPr>
-            <a:xfrm flipH="1">
-              <a:off x="5440473" y="1503382"/>
-              <a:ext cx="51155" cy="1345436"/>
+            <a:xfrm>
+              <a:off x="5815452" y="2016569"/>
+              <a:ext cx="705828" cy="660775"/>
             </a:xfrm>
-            <a:prstGeom prst="bentConnector3">
-              <a:avLst>
-                <a:gd name="adj1" fmla="val -446877"/>
-              </a:avLst>
+            <a:prstGeom prst="rect">
+              <a:avLst/>
             </a:prstGeom>
-            <a:ln w="38100">
-              <a:solidFill>
-                <a:srgbClr val="00B0F0"/>
-              </a:solidFill>
-              <a:tailEnd type="triangle"/>
-            </a:ln>
           </p:spPr>
-          <p:style>
-            <a:lnRef idx="1">
-              <a:schemeClr val="accent1"/>
-            </a:lnRef>
-            <a:fillRef idx="0">
-              <a:schemeClr val="accent1"/>
-            </a:fillRef>
-            <a:effectRef idx="0">
-              <a:schemeClr val="accent1"/>
-            </a:effectRef>
-            <a:fontRef idx="minor">
-              <a:schemeClr val="tx1"/>
-            </a:fontRef>
-          </p:style>
-        </p:cxnSp>
+        </p:pic>
+        <p:pic>
+          <p:nvPicPr>
+            <p:cNvPr id="29" name="Picture 28"/>
+            <p:cNvPicPr>
+              <a:picLocks noChangeAspect="1"/>
+            </p:cNvPicPr>
+            <p:nvPr/>
+          </p:nvPicPr>
+          <p:blipFill>
+            <a:blip r:embed="rId4"/>
+            <a:stretch>
+              <a:fillRect/>
+            </a:stretch>
+          </p:blipFill>
+          <p:spPr>
+            <a:xfrm>
+              <a:off x="5718136" y="2108585"/>
+              <a:ext cx="705828" cy="660775"/>
+            </a:xfrm>
+            <a:prstGeom prst="rect">
+              <a:avLst/>
+            </a:prstGeom>
+          </p:spPr>
+        </p:pic>
+        <p:pic>
+          <p:nvPicPr>
+            <p:cNvPr id="30" name="Picture 29"/>
+            <p:cNvPicPr>
+              <a:picLocks noChangeAspect="1"/>
+            </p:cNvPicPr>
+            <p:nvPr/>
+          </p:nvPicPr>
+          <p:blipFill>
+            <a:blip r:embed="rId4"/>
+            <a:stretch>
+              <a:fillRect/>
+            </a:stretch>
+          </p:blipFill>
+          <p:spPr>
+            <a:xfrm>
+              <a:off x="5615708" y="2181763"/>
+              <a:ext cx="705828" cy="660775"/>
+            </a:xfrm>
+            <a:prstGeom prst="rect">
+              <a:avLst/>
+            </a:prstGeom>
+          </p:spPr>
+        </p:pic>
+        <p:pic>
+          <p:nvPicPr>
+            <p:cNvPr id="31" name="Picture 30"/>
+            <p:cNvPicPr>
+              <a:picLocks noChangeAspect="1"/>
+            </p:cNvPicPr>
+            <p:nvPr/>
+          </p:nvPicPr>
+          <p:blipFill>
+            <a:blip r:embed="rId4"/>
+            <a:stretch>
+              <a:fillRect/>
+            </a:stretch>
+          </p:blipFill>
+          <p:spPr>
+            <a:xfrm>
+              <a:off x="5521091" y="2267499"/>
+              <a:ext cx="705828" cy="660775"/>
+            </a:xfrm>
+            <a:prstGeom prst="rect">
+              <a:avLst/>
+            </a:prstGeom>
+          </p:spPr>
+        </p:pic>
       </p:grpSp>
+      <p:cxnSp>
+        <p:nvCxnSpPr>
+          <p:cNvPr id="33" name="Elbow Connector 32"/>
+          <p:cNvCxnSpPr>
+            <a:stCxn id="3" idx="3"/>
+            <a:endCxn id="25" idx="3"/>
+          </p:cNvCxnSpPr>
+          <p:nvPr/>
+        </p:nvCxnSpPr>
+        <p:spPr>
+          <a:xfrm flipH="1">
+            <a:off x="5611866" y="1500295"/>
+            <a:ext cx="51155" cy="1345436"/>
+          </a:xfrm>
+          <a:prstGeom prst="bentConnector3">
+            <a:avLst>
+              <a:gd name="adj1" fmla="val -446877"/>
+            </a:avLst>
+          </a:prstGeom>
+          <a:ln w="38100">
+            <a:solidFill>
+              <a:srgbClr val="00B0F0"/>
+            </a:solidFill>
+            <a:tailEnd type="triangle"/>
+          </a:ln>
+        </p:spPr>
+        <p:style>
+          <a:lnRef idx="1">
+            <a:schemeClr val="accent1"/>
+          </a:lnRef>
+          <a:fillRef idx="0">
+            <a:schemeClr val="accent1"/>
+          </a:fillRef>
+          <a:effectRef idx="0">
+            <a:schemeClr val="accent1"/>
+          </a:effectRef>
+          <a:fontRef idx="minor">
+            <a:schemeClr val="tx1"/>
+          </a:fontRef>
+        </p:style>
+      </p:cxnSp>
       <p:sp>
         <p:nvSpPr>
           <p:cNvPr id="43" name="Content Placeholder 39"/>
@@ -10343,7 +13404,15 @@
           <a:p>
             <a:r>
               <a:rPr lang="en-US" sz="1100" dirty="0" smtClean="0"/>
-              <a:t>Tricky “show more” logic </a:t>
+              <a:t>Tricky </a:t>
+            </a:r>
+            <a:r>
+              <a:rPr lang="en-US" sz="1100" dirty="0" smtClean="0"/>
+              <a:t>show more </a:t>
+            </a:r>
+            <a:r>
+              <a:rPr lang="en-US" sz="1100" dirty="0" smtClean="0"/>
+              <a:t>logic </a:t>
             </a:r>
           </a:p>
           <a:p>
@@ -10377,8 +13446,34 @@
           <a:p>
             <a:r>
               <a:rPr lang="en-US" sz="1100" dirty="0" smtClean="0"/>
-              <a:t>R Code to get JSON Objects</a:t>
-            </a:r>
+              <a:t>Get </a:t>
+            </a:r>
+            <a:r>
+              <a:rPr lang="en-US" sz="1100" dirty="0" smtClean="0"/>
+              <a:t>JSON </a:t>
+            </a:r>
+            <a:r>
+              <a:rPr lang="en-US" sz="1100" dirty="0" smtClean="0"/>
+              <a:t>Objects – R</a:t>
+            </a:r>
+          </a:p>
+          <a:p>
+            <a:r>
+              <a:rPr lang="en-US" sz="1100" dirty="0" smtClean="0"/>
+              <a:t>Convert JSON to CSV files</a:t>
+            </a:r>
+          </a:p>
+          <a:p>
+            <a:r>
+              <a:rPr lang="en-US" sz="1100" dirty="0" smtClean="0"/>
+              <a:t>Merge </a:t>
+            </a:r>
+          </a:p>
+          <a:p>
+            <a:endParaRPr lang="en-US" sz="1100" dirty="0" smtClean="0"/>
+          </a:p>
+          <a:p>
+            <a:endParaRPr lang="en-US" sz="1100" dirty="0" smtClean="0"/>
           </a:p>
           <a:p>
             <a:endParaRPr lang="en-US" sz="1100" dirty="0"/>
@@ -10577,6 +13672,253 @@
               </a:rPr>
               <a:t>per hour restriction</a:t>
             </a:r>
+          </a:p>
+        </p:txBody>
+      </p:sp>
+      <p:grpSp>
+        <p:nvGrpSpPr>
+          <p:cNvPr id="23" name="Group 22"/>
+          <p:cNvGrpSpPr/>
+          <p:nvPr/>
+        </p:nvGrpSpPr>
+        <p:grpSpPr>
+          <a:xfrm>
+            <a:off x="3859051" y="3825073"/>
+            <a:ext cx="1000189" cy="911705"/>
+            <a:chOff x="5521091" y="2016569"/>
+            <a:chExt cx="1000189" cy="911705"/>
+          </a:xfrm>
+        </p:grpSpPr>
+        <p:pic>
+          <p:nvPicPr>
+            <p:cNvPr id="26" name="Picture 25"/>
+            <p:cNvPicPr>
+              <a:picLocks noChangeAspect="1"/>
+            </p:cNvPicPr>
+            <p:nvPr/>
+          </p:nvPicPr>
+          <p:blipFill>
+            <a:blip r:embed="rId4"/>
+            <a:stretch>
+              <a:fillRect/>
+            </a:stretch>
+          </p:blipFill>
+          <p:spPr>
+            <a:xfrm>
+              <a:off x="5815452" y="2016569"/>
+              <a:ext cx="705828" cy="660775"/>
+            </a:xfrm>
+            <a:prstGeom prst="rect">
+              <a:avLst/>
+            </a:prstGeom>
+          </p:spPr>
+        </p:pic>
+        <p:pic>
+          <p:nvPicPr>
+            <p:cNvPr id="27" name="Picture 26"/>
+            <p:cNvPicPr>
+              <a:picLocks noChangeAspect="1"/>
+            </p:cNvPicPr>
+            <p:nvPr/>
+          </p:nvPicPr>
+          <p:blipFill>
+            <a:blip r:embed="rId4"/>
+            <a:stretch>
+              <a:fillRect/>
+            </a:stretch>
+          </p:blipFill>
+          <p:spPr>
+            <a:xfrm>
+              <a:off x="5718136" y="2108585"/>
+              <a:ext cx="705828" cy="660775"/>
+            </a:xfrm>
+            <a:prstGeom prst="rect">
+              <a:avLst/>
+            </a:prstGeom>
+          </p:spPr>
+        </p:pic>
+        <p:pic>
+          <p:nvPicPr>
+            <p:cNvPr id="28" name="Picture 27"/>
+            <p:cNvPicPr>
+              <a:picLocks noChangeAspect="1"/>
+            </p:cNvPicPr>
+            <p:nvPr/>
+          </p:nvPicPr>
+          <p:blipFill>
+            <a:blip r:embed="rId4"/>
+            <a:stretch>
+              <a:fillRect/>
+            </a:stretch>
+          </p:blipFill>
+          <p:spPr>
+            <a:xfrm>
+              <a:off x="5615708" y="2181763"/>
+              <a:ext cx="705828" cy="660775"/>
+            </a:xfrm>
+            <a:prstGeom prst="rect">
+              <a:avLst/>
+            </a:prstGeom>
+          </p:spPr>
+        </p:pic>
+        <p:pic>
+          <p:nvPicPr>
+            <p:cNvPr id="32" name="Picture 31"/>
+            <p:cNvPicPr>
+              <a:picLocks noChangeAspect="1"/>
+            </p:cNvPicPr>
+            <p:nvPr/>
+          </p:nvPicPr>
+          <p:blipFill>
+            <a:blip r:embed="rId4"/>
+            <a:stretch>
+              <a:fillRect/>
+            </a:stretch>
+          </p:blipFill>
+          <p:spPr>
+            <a:xfrm>
+              <a:off x="5521091" y="2267499"/>
+              <a:ext cx="705828" cy="660775"/>
+            </a:xfrm>
+            <a:prstGeom prst="rect">
+              <a:avLst/>
+            </a:prstGeom>
+          </p:spPr>
+        </p:pic>
+      </p:grpSp>
+      <p:cxnSp>
+        <p:nvCxnSpPr>
+          <p:cNvPr id="34" name="Elbow Connector 33"/>
+          <p:cNvCxnSpPr>
+            <a:stCxn id="31" idx="2"/>
+            <a:endCxn id="26" idx="0"/>
+          </p:cNvCxnSpPr>
+          <p:nvPr/>
+        </p:nvCxnSpPr>
+        <p:spPr>
+          <a:xfrm rot="5400000">
+            <a:off x="4536447" y="3396928"/>
+            <a:ext cx="398025" cy="458265"/>
+          </a:xfrm>
+          <a:prstGeom prst="bentConnector3">
+            <a:avLst>
+              <a:gd name="adj1" fmla="val 50000"/>
+            </a:avLst>
+          </a:prstGeom>
+          <a:ln w="38100">
+            <a:solidFill>
+              <a:srgbClr val="00B0F0"/>
+            </a:solidFill>
+            <a:tailEnd type="triangle"/>
+          </a:ln>
+        </p:spPr>
+        <p:style>
+          <a:lnRef idx="1">
+            <a:schemeClr val="accent1"/>
+          </a:lnRef>
+          <a:fillRef idx="0">
+            <a:schemeClr val="accent1"/>
+          </a:fillRef>
+          <a:effectRef idx="0">
+            <a:schemeClr val="accent1"/>
+          </a:effectRef>
+          <a:fontRef idx="minor">
+            <a:schemeClr val="tx1"/>
+          </a:fontRef>
+        </p:style>
+      </p:cxnSp>
+      <p:cxnSp>
+        <p:nvCxnSpPr>
+          <p:cNvPr id="35" name="Elbow Connector 34"/>
+          <p:cNvCxnSpPr>
+            <a:stCxn id="21" idx="2"/>
+            <a:endCxn id="26" idx="0"/>
+          </p:cNvCxnSpPr>
+          <p:nvPr/>
+        </p:nvCxnSpPr>
+        <p:spPr>
+          <a:xfrm rot="16200000" flipH="1">
+            <a:off x="4055619" y="3374365"/>
+            <a:ext cx="395331" cy="506083"/>
+          </a:xfrm>
+          <a:prstGeom prst="bentConnector3">
+            <a:avLst>
+              <a:gd name="adj1" fmla="val 50000"/>
+            </a:avLst>
+          </a:prstGeom>
+          <a:ln w="38100">
+            <a:solidFill>
+              <a:srgbClr val="00B0F0"/>
+            </a:solidFill>
+            <a:tailEnd type="triangle"/>
+          </a:ln>
+        </p:spPr>
+        <p:style>
+          <a:lnRef idx="1">
+            <a:schemeClr val="accent1"/>
+          </a:lnRef>
+          <a:fillRef idx="0">
+            <a:schemeClr val="accent1"/>
+          </a:fillRef>
+          <a:effectRef idx="0">
+            <a:schemeClr val="accent1"/>
+          </a:effectRef>
+          <a:fontRef idx="minor">
+            <a:schemeClr val="tx1"/>
+          </a:fontRef>
+        </p:style>
+      </p:cxnSp>
+      <p:sp>
+        <p:nvSpPr>
+          <p:cNvPr id="36" name="TextBox 35"/>
+          <p:cNvSpPr txBox="1"/>
+          <p:nvPr/>
+        </p:nvSpPr>
+        <p:spPr>
+          <a:xfrm>
+            <a:off x="171450" y="4705350"/>
+            <a:ext cx="2589170" cy="300082"/>
+          </a:xfrm>
+          <a:prstGeom prst="rect">
+            <a:avLst/>
+          </a:prstGeom>
+          <a:noFill/>
+        </p:spPr>
+        <p:txBody>
+          <a:bodyPr wrap="none" rtlCol="0">
+            <a:spAutoFit/>
+          </a:bodyPr>
+          <a:lstStyle/>
+          <a:p>
+            <a:r>
+              <a:rPr lang="en-US" i="1" dirty="0" smtClean="0">
+                <a:solidFill>
+                  <a:schemeClr val="bg1"/>
+                </a:solidFill>
+              </a:rPr>
+              <a:t>Source</a:t>
+            </a:r>
+            <a:r>
+              <a:rPr lang="en-US" i="1" dirty="0">
+                <a:solidFill>
+                  <a:schemeClr val="bg1"/>
+                </a:solidFill>
+              </a:rPr>
+              <a:t>: </a:t>
+            </a:r>
+            <a:r>
+              <a:rPr lang="en-US" i="1" dirty="0">
+                <a:solidFill>
+                  <a:schemeClr val="bg1"/>
+                </a:solidFill>
+              </a:rPr>
+              <a:t>https://untappd.com/</a:t>
+            </a:r>
+            <a:endParaRPr lang="en-US" i="1" dirty="0">
+              <a:solidFill>
+                <a:schemeClr val="bg1"/>
+              </a:solidFill>
+            </a:endParaRPr>
           </a:p>
         </p:txBody>
       </p:sp>
@@ -11229,7 +14571,7 @@
   <a:extraClrSchemeLst/>
   <a:extLst>
     <a:ext uri="{05A4C25C-085E-4340-85A3-A5531E510DB2}">
-      <thm15:themeFamily xmlns:thm15="http://schemas.microsoft.com/office/thememl/2012/main" xmlns="" name="UniversityTemplate_07.18.18.potx" id="{98177323-51DB-4EB0-ADDD-ACF2D37E5CDB}" vid="{290AE970-B9A8-401C-9715-AFA3EF1DF290}"/>
+      <thm15:themeFamily xmlns:thm15="http://schemas.microsoft.com/office/thememl/2012/main" name="UniversityTemplate_07.18.18.potx" id="{98177323-51DB-4EB0-ADDD-ACF2D37E5CDB}" vid="{290AE970-B9A8-401C-9715-AFA3EF1DF290}"/>
     </a:ext>
   </a:extLst>
 </a:theme>
@@ -11430,7 +14772,7 @@
   <a:extraClrSchemeLst/>
   <a:extLst>
     <a:ext uri="{05A4C25C-085E-4340-85A3-A5531E510DB2}">
-      <thm15:themeFamily xmlns:thm15="http://schemas.microsoft.com/office/thememl/2012/main" xmlns="" name="Office Theme" id="{62F939B6-93AF-4DB8-9C6B-D6C7DFDC589F}" vid="{4A3C46E8-61CC-4603-A589-7422A47A8E4A}"/>
+      <thm15:themeFamily xmlns:thm15="http://schemas.microsoft.com/office/thememl/2012/main" name="Office Theme" id="{62F939B6-93AF-4DB8-9C6B-D6C7DFDC589F}" vid="{4A3C46E8-61CC-4603-A589-7422A47A8E4A}"/>
     </a:ext>
   </a:extLst>
 </a:theme>
@@ -11691,7 +15033,7 @@
   <a:extraClrSchemeLst/>
   <a:extLst>
     <a:ext uri="{05A4C25C-085E-4340-85A3-A5531E510DB2}">
-      <thm15:themeFamily xmlns:thm15="http://schemas.microsoft.com/office/thememl/2012/main" xmlns="" name="Office Theme" id="{62F939B6-93AF-4DB8-9C6B-D6C7DFDC589F}" vid="{4A3C46E8-61CC-4603-A589-7422A47A8E4A}"/>
+      <thm15:themeFamily xmlns:thm15="http://schemas.microsoft.com/office/thememl/2012/main" name="Office Theme" id="{62F939B6-93AF-4DB8-9C6B-D6C7DFDC589F}" vid="{4A3C46E8-61CC-4603-A589-7422A47A8E4A}"/>
     </a:ext>
   </a:extLst>
 </a:theme>
